--- a/docs/AutoCert Walkthrough.pptx
+++ b/docs/AutoCert Walkthrough.pptx
@@ -5,7 +5,7 @@
     <p:sldMasterId id="2147483648" r:id="rId1"/>
   </p:sldMasterIdLst>
   <p:notesMasterIdLst>
-    <p:notesMasterId r:id="rId9"/>
+    <p:notesMasterId r:id="rId11"/>
   </p:notesMasterIdLst>
   <p:sldIdLst>
     <p:sldId id="256" r:id="rId2"/>
@@ -13,19 +13,21 @@
     <p:sldId id="258" r:id="rId4"/>
     <p:sldId id="259" r:id="rId5"/>
     <p:sldId id="260" r:id="rId6"/>
-    <p:sldId id="261" r:id="rId7"/>
-    <p:sldId id="262" r:id="rId8"/>
+    <p:sldId id="262" r:id="rId7"/>
+    <p:sldId id="261" r:id="rId8"/>
+    <p:sldId id="263" r:id="rId9"/>
+    <p:sldId id="264" r:id="rId10"/>
   </p:sldIdLst>
   <p:sldSz cx="18288000" cy="10287000"/>
   <p:notesSz cx="6858000" cy="9144000"/>
   <p:embeddedFontLst>
     <p:embeddedFont>
       <p:font typeface="Canva Sans Bold" panose="020B0604020202020204" charset="0"/>
-      <p:regular r:id="rId10"/>
+      <p:regular r:id="rId12"/>
     </p:embeddedFont>
     <p:embeddedFont>
       <p:font typeface="Poppins Bold" panose="020B0604020202020204" charset="0"/>
-      <p:regular r:id="rId11"/>
+      <p:regular r:id="rId13"/>
     </p:embeddedFont>
   </p:embeddedFontLst>
   <p:defaultTextStyle>
@@ -224,7 +226,7 @@
           <a:p>
             <a:fld id="{2BA88986-35F3-4A55-992C-5D58056E76A3}" type="datetimeFigureOut">
               <a:rPr lang="en-US" smtClean="0"/>
-              <a:t>6/26/2025</a:t>
+              <a:t>7/7/2025</a:t>
             </a:fld>
             <a:endParaRPr lang="en-US"/>
           </a:p>
@@ -755,7 +757,7 @@
             <a:fld id="{1D8BD707-D9CF-40AE-B4C6-C98DA3205C09}" type="datetimeFigureOut">
               <a:rPr lang="en-US" smtClean="0"/>
               <a:pPr/>
-              <a:t>6/26/2025</a:t>
+              <a:t>7/7/2025</a:t>
             </a:fld>
             <a:endParaRPr lang="en-US"/>
           </a:p>
@@ -920,7 +922,7 @@
             <a:fld id="{1D8BD707-D9CF-40AE-B4C6-C98DA3205C09}" type="datetimeFigureOut">
               <a:rPr lang="en-US" smtClean="0"/>
               <a:pPr/>
-              <a:t>6/26/2025</a:t>
+              <a:t>7/7/2025</a:t>
             </a:fld>
             <a:endParaRPr lang="en-US"/>
           </a:p>
@@ -1095,7 +1097,7 @@
             <a:fld id="{1D8BD707-D9CF-40AE-B4C6-C98DA3205C09}" type="datetimeFigureOut">
               <a:rPr lang="en-US" smtClean="0"/>
               <a:pPr/>
-              <a:t>6/26/2025</a:t>
+              <a:t>7/7/2025</a:t>
             </a:fld>
             <a:endParaRPr lang="en-US"/>
           </a:p>
@@ -1260,7 +1262,7 @@
             <a:fld id="{1D8BD707-D9CF-40AE-B4C6-C98DA3205C09}" type="datetimeFigureOut">
               <a:rPr lang="en-US" smtClean="0"/>
               <a:pPr/>
-              <a:t>6/26/2025</a:t>
+              <a:t>7/7/2025</a:t>
             </a:fld>
             <a:endParaRPr lang="en-US"/>
           </a:p>
@@ -1502,7 +1504,7 @@
             <a:fld id="{1D8BD707-D9CF-40AE-B4C6-C98DA3205C09}" type="datetimeFigureOut">
               <a:rPr lang="en-US" smtClean="0"/>
               <a:pPr/>
-              <a:t>6/26/2025</a:t>
+              <a:t>7/7/2025</a:t>
             </a:fld>
             <a:endParaRPr lang="en-US"/>
           </a:p>
@@ -1784,7 +1786,7 @@
             <a:fld id="{1D8BD707-D9CF-40AE-B4C6-C98DA3205C09}" type="datetimeFigureOut">
               <a:rPr lang="en-US" smtClean="0"/>
               <a:pPr/>
-              <a:t>6/26/2025</a:t>
+              <a:t>7/7/2025</a:t>
             </a:fld>
             <a:endParaRPr lang="en-US"/>
           </a:p>
@@ -2200,7 +2202,7 @@
             <a:fld id="{1D8BD707-D9CF-40AE-B4C6-C98DA3205C09}" type="datetimeFigureOut">
               <a:rPr lang="en-US" smtClean="0"/>
               <a:pPr/>
-              <a:t>6/26/2025</a:t>
+              <a:t>7/7/2025</a:t>
             </a:fld>
             <a:endParaRPr lang="en-US"/>
           </a:p>
@@ -2314,7 +2316,7 @@
             <a:fld id="{1D8BD707-D9CF-40AE-B4C6-C98DA3205C09}" type="datetimeFigureOut">
               <a:rPr lang="en-US" smtClean="0"/>
               <a:pPr/>
-              <a:t>6/26/2025</a:t>
+              <a:t>7/7/2025</a:t>
             </a:fld>
             <a:endParaRPr lang="en-US"/>
           </a:p>
@@ -2406,7 +2408,7 @@
             <a:fld id="{1D8BD707-D9CF-40AE-B4C6-C98DA3205C09}" type="datetimeFigureOut">
               <a:rPr lang="en-US" smtClean="0"/>
               <a:pPr/>
-              <a:t>6/26/2025</a:t>
+              <a:t>7/7/2025</a:t>
             </a:fld>
             <a:endParaRPr lang="en-US"/>
           </a:p>
@@ -2678,7 +2680,7 @@
             <a:fld id="{1D8BD707-D9CF-40AE-B4C6-C98DA3205C09}" type="datetimeFigureOut">
               <a:rPr lang="en-US" smtClean="0"/>
               <a:pPr/>
-              <a:t>6/26/2025</a:t>
+              <a:t>7/7/2025</a:t>
             </a:fld>
             <a:endParaRPr lang="en-US"/>
           </a:p>
@@ -2927,7 +2929,7 @@
             <a:fld id="{1D8BD707-D9CF-40AE-B4C6-C98DA3205C09}" type="datetimeFigureOut">
               <a:rPr lang="en-US" smtClean="0"/>
               <a:pPr/>
-              <a:t>6/26/2025</a:t>
+              <a:t>7/7/2025</a:t>
             </a:fld>
             <a:endParaRPr lang="en-US"/>
           </a:p>
@@ -3135,7 +3137,7 @@
             <a:fld id="{1D8BD707-D9CF-40AE-B4C6-C98DA3205C09}" type="datetimeFigureOut">
               <a:rPr lang="en-US" smtClean="0"/>
               <a:pPr/>
-              <a:t>6/26/2025</a:t>
+              <a:t>7/7/2025</a:t>
             </a:fld>
             <a:endParaRPr lang="en-US"/>
           </a:p>
@@ -10307,59 +10309,6 @@
       </p:sp>
       <p:sp>
         <p:nvSpPr>
-          <p:cNvPr id="39" name="Freeform 39"/>
-          <p:cNvSpPr/>
-          <p:nvPr/>
-        </p:nvSpPr>
-        <p:spPr>
-          <a:xfrm>
-            <a:off x="11266454" y="2392615"/>
-            <a:ext cx="4197449" cy="5250801"/>
-          </a:xfrm>
-          <a:custGeom>
-            <a:avLst/>
-            <a:gdLst/>
-            <a:ahLst/>
-            <a:cxnLst/>
-            <a:rect l="l" t="t" r="r" b="b"/>
-            <a:pathLst>
-              <a:path w="4197449" h="5250801">
-                <a:moveTo>
-                  <a:pt x="0" y="0"/>
-                </a:moveTo>
-                <a:lnTo>
-                  <a:pt x="4197448" y="0"/>
-                </a:lnTo>
-                <a:lnTo>
-                  <a:pt x="4197448" y="5250801"/>
-                </a:lnTo>
-                <a:lnTo>
-                  <a:pt x="0" y="5250801"/>
-                </a:lnTo>
-                <a:lnTo>
-                  <a:pt x="0" y="0"/>
-                </a:lnTo>
-                <a:close/>
-              </a:path>
-            </a:pathLst>
-          </a:custGeom>
-          <a:blipFill>
-            <a:blip r:embed="rId3"/>
-            <a:stretch>
-              <a:fillRect/>
-            </a:stretch>
-          </a:blipFill>
-        </p:spPr>
-        <p:txBody>
-          <a:bodyPr/>
-          <a:lstStyle/>
-          <a:p>
-            <a:endParaRPr lang="en-US"/>
-          </a:p>
-        </p:txBody>
-      </p:sp>
-      <p:sp>
-        <p:nvSpPr>
           <p:cNvPr id="40" name="TextBox 40"/>
           <p:cNvSpPr txBox="1"/>
           <p:nvPr/>
@@ -10554,6 +10503,36 @@
           </a:p>
         </p:txBody>
       </p:sp>
+      <p:pic>
+        <p:nvPicPr>
+          <p:cNvPr id="43" name="Picture 42">
+            <a:extLst>
+              <a:ext uri="{FF2B5EF4-FFF2-40B4-BE49-F238E27FC236}">
+                <a16:creationId xmlns:a16="http://schemas.microsoft.com/office/drawing/2014/main" id="{762C4079-9BF0-EBCE-D6F3-50D823CE93F8}"/>
+              </a:ext>
+            </a:extLst>
+          </p:cNvPr>
+          <p:cNvPicPr>
+            <a:picLocks noChangeAspect="1"/>
+          </p:cNvPicPr>
+          <p:nvPr/>
+        </p:nvPicPr>
+        <p:blipFill>
+          <a:blip r:embed="rId3"/>
+          <a:stretch>
+            <a:fillRect/>
+          </a:stretch>
+        </p:blipFill>
+        <p:spPr>
+          <a:xfrm>
+            <a:off x="10747830" y="2285788"/>
+            <a:ext cx="3704109" cy="6505635"/>
+          </a:xfrm>
+          <a:prstGeom prst="rect">
+            <a:avLst/>
+          </a:prstGeom>
+        </p:spPr>
+      </p:pic>
     </p:spTree>
   </p:cSld>
   <p:clrMapOvr>
@@ -12350,7 +12329,7 @@
               </a:lnSpc>
             </a:pPr>
             <a:r>
-              <a:rPr lang="en-US" sz="2399" b="1">
+              <a:rPr lang="en-US" sz="2399" b="1" dirty="0">
                 <a:solidFill>
                   <a:srgbClr val="000000"/>
                 </a:solidFill>
@@ -12371,7 +12350,7 @@
               <a:buChar char="•"/>
             </a:pPr>
             <a:r>
-              <a:rPr lang="en-US" sz="2399" b="1">
+              <a:rPr lang="en-US" sz="2399" b="1" dirty="0">
                 <a:solidFill>
                   <a:srgbClr val="000000"/>
                 </a:solidFill>
@@ -12392,7 +12371,7 @@
               <a:buChar char="•"/>
             </a:pPr>
             <a:r>
-              <a:rPr lang="en-US" sz="2399" b="1">
+              <a:rPr lang="en-US" sz="2399" b="1" dirty="0">
                 <a:solidFill>
                   <a:srgbClr val="000000"/>
                 </a:solidFill>
@@ -12413,7 +12392,7 @@
               <a:buChar char="•"/>
             </a:pPr>
             <a:r>
-              <a:rPr lang="en-US" sz="2399" b="1">
+              <a:rPr lang="en-US" sz="2399" b="1" dirty="0">
                 <a:solidFill>
                   <a:srgbClr val="000000"/>
                 </a:solidFill>
@@ -12432,7 +12411,7 @@
               </a:lnSpc>
             </a:pPr>
             <a:r>
-              <a:rPr lang="en-US" sz="2399" b="1">
+              <a:rPr lang="en-US" sz="2399" b="1" dirty="0">
                 <a:solidFill>
                   <a:srgbClr val="000000"/>
                 </a:solidFill>
@@ -12453,7 +12432,7 @@
               <a:buChar char="￭"/>
             </a:pPr>
             <a:r>
-              <a:rPr lang="en-US" sz="2399" b="1">
+              <a:rPr lang="en-US" sz="2399" b="1" dirty="0">
                 <a:solidFill>
                   <a:srgbClr val="000000"/>
                 </a:solidFill>
@@ -12474,7 +12453,7 @@
               <a:buChar char="￭"/>
             </a:pPr>
             <a:r>
-              <a:rPr lang="en-US" sz="2399" b="1">
+              <a:rPr lang="en-US" sz="2399" b="1" dirty="0">
                 <a:solidFill>
                   <a:srgbClr val="000000"/>
                 </a:solidFill>
@@ -12495,7 +12474,7 @@
               <a:buChar char="￭"/>
             </a:pPr>
             <a:r>
-              <a:rPr lang="en-US" sz="2399" b="1">
+              <a:rPr lang="en-US" sz="2399" b="1" dirty="0">
                 <a:solidFill>
                   <a:srgbClr val="000000"/>
                 </a:solidFill>
@@ -12516,7 +12495,7 @@
               <a:buChar char="￭"/>
             </a:pPr>
             <a:r>
-              <a:rPr lang="en-US" sz="2399" b="1">
+              <a:rPr lang="en-US" sz="2399" b="1" dirty="0">
                 <a:solidFill>
                   <a:srgbClr val="000000"/>
                 </a:solidFill>
@@ -12537,7 +12516,7 @@
               <a:buChar char="￭"/>
             </a:pPr>
             <a:r>
-              <a:rPr lang="en-US" sz="2399" b="1">
+              <a:rPr lang="en-US" sz="2399" b="1" dirty="0">
                 <a:solidFill>
                   <a:srgbClr val="000000"/>
                 </a:solidFill>
@@ -12555,7 +12534,7 @@
                 <a:spcPts val="3079"/>
               </a:lnSpc>
             </a:pPr>
-            <a:endParaRPr lang="en-US" sz="2399" b="1">
+            <a:endParaRPr lang="en-US" sz="2399" b="1" dirty="0">
               <a:solidFill>
                 <a:srgbClr val="000000"/>
               </a:solidFill>
@@ -12576,1916 +12555,6 @@
 </file>
 
 <file path=ppt/slides/slide6.xml><?xml version="1.0" encoding="utf-8"?>
-<p:sld xmlns:a="http://schemas.openxmlformats.org/drawingml/2006/main" xmlns:r="http://schemas.openxmlformats.org/officeDocument/2006/relationships" xmlns:p="http://schemas.openxmlformats.org/presentationml/2006/main">
-  <p:cSld>
-    <p:bg>
-      <p:bgPr>
-        <a:solidFill>
-          <a:srgbClr val="FFFEF9"/>
-        </a:solidFill>
-        <a:effectLst/>
-      </p:bgPr>
-    </p:bg>
-    <p:spTree>
-      <p:nvGrpSpPr>
-        <p:cNvPr id="1" name=""/>
-        <p:cNvGrpSpPr/>
-        <p:nvPr/>
-      </p:nvGrpSpPr>
-      <p:grpSpPr>
-        <a:xfrm>
-          <a:off x="0" y="0"/>
-          <a:ext cx="0" cy="0"/>
-          <a:chOff x="0" y="0"/>
-          <a:chExt cx="0" cy="0"/>
-        </a:xfrm>
-      </p:grpSpPr>
-      <p:grpSp>
-        <p:nvGrpSpPr>
-          <p:cNvPr id="2" name="Group 2"/>
-          <p:cNvGrpSpPr/>
-          <p:nvPr/>
-        </p:nvGrpSpPr>
-        <p:grpSpPr>
-          <a:xfrm rot="-855552">
-            <a:off x="-514350" y="1897923"/>
-            <a:ext cx="3086100" cy="2700338"/>
-            <a:chOff x="0" y="0"/>
-            <a:chExt cx="812800" cy="711200"/>
-          </a:xfrm>
-        </p:grpSpPr>
-        <p:sp>
-          <p:nvSpPr>
-            <p:cNvPr id="3" name="Freeform 3"/>
-            <p:cNvSpPr/>
-            <p:nvPr/>
-          </p:nvSpPr>
-          <p:spPr>
-            <a:xfrm>
-              <a:off x="24679" y="36396"/>
-              <a:ext cx="763442" cy="674804"/>
-            </a:xfrm>
-            <a:custGeom>
-              <a:avLst/>
-              <a:gdLst/>
-              <a:ahLst/>
-              <a:cxnLst/>
-              <a:rect l="l" t="t" r="r" b="b"/>
-              <a:pathLst>
-                <a:path w="763442" h="674804">
-                  <a:moveTo>
-                    <a:pt x="412837" y="18057"/>
-                  </a:moveTo>
-                  <a:lnTo>
-                    <a:pt x="757005" y="620351"/>
-                  </a:lnTo>
-                  <a:cubicBezTo>
-                    <a:pt x="763442" y="631616"/>
-                    <a:pt x="763396" y="645455"/>
-                    <a:pt x="756884" y="656676"/>
-                  </a:cubicBezTo>
-                  <a:cubicBezTo>
-                    <a:pt x="750372" y="667898"/>
-                    <a:pt x="738379" y="674804"/>
-                    <a:pt x="725405" y="674804"/>
-                  </a:cubicBezTo>
-                  <a:lnTo>
-                    <a:pt x="38037" y="674804"/>
-                  </a:lnTo>
-                  <a:cubicBezTo>
-                    <a:pt x="25063" y="674804"/>
-                    <a:pt x="13070" y="667898"/>
-                    <a:pt x="6558" y="656676"/>
-                  </a:cubicBezTo>
-                  <a:cubicBezTo>
-                    <a:pt x="46" y="645455"/>
-                    <a:pt x="0" y="631616"/>
-                    <a:pt x="6437" y="620351"/>
-                  </a:cubicBezTo>
-                  <a:lnTo>
-                    <a:pt x="350605" y="18057"/>
-                  </a:lnTo>
-                  <a:cubicBezTo>
-                    <a:pt x="356986" y="6891"/>
-                    <a:pt x="368860" y="0"/>
-                    <a:pt x="381721" y="0"/>
-                  </a:cubicBezTo>
-                  <a:cubicBezTo>
-                    <a:pt x="394582" y="0"/>
-                    <a:pt x="406456" y="6891"/>
-                    <a:pt x="412837" y="18057"/>
-                  </a:cubicBezTo>
-                  <a:close/>
-                </a:path>
-              </a:pathLst>
-            </a:custGeom>
-            <a:solidFill>
-              <a:srgbClr val="000000">
-                <a:alpha val="0"/>
-              </a:srgbClr>
-            </a:solidFill>
-            <a:ln w="38100" cap="rnd">
-              <a:solidFill>
-                <a:srgbClr val="CACACA">
-                  <a:alpha val="29804"/>
-                </a:srgbClr>
-              </a:solidFill>
-              <a:prstDash val="solid"/>
-              <a:round/>
-            </a:ln>
-          </p:spPr>
-          <p:txBody>
-            <a:bodyPr/>
-            <a:lstStyle/>
-            <a:p>
-              <a:endParaRPr lang="en-US"/>
-            </a:p>
-          </p:txBody>
-        </p:sp>
-        <p:sp>
-          <p:nvSpPr>
-            <p:cNvPr id="4" name="TextBox 4"/>
-            <p:cNvSpPr txBox="1"/>
-            <p:nvPr/>
-          </p:nvSpPr>
-          <p:spPr>
-            <a:xfrm>
-              <a:off x="127000" y="292100"/>
-              <a:ext cx="558800" cy="368300"/>
-            </a:xfrm>
-            <a:prstGeom prst="rect">
-              <a:avLst/>
-            </a:prstGeom>
-          </p:spPr>
-          <p:txBody>
-            <a:bodyPr lIns="50800" tIns="50800" rIns="50800" bIns="50800" rtlCol="0" anchor="ctr"/>
-            <a:lstStyle/>
-            <a:p>
-              <a:pPr algn="ctr">
-                <a:lnSpc>
-                  <a:spcPts val="2659"/>
-                </a:lnSpc>
-              </a:pPr>
-              <a:endParaRPr/>
-            </a:p>
-          </p:txBody>
-        </p:sp>
-      </p:grpSp>
-      <p:grpSp>
-        <p:nvGrpSpPr>
-          <p:cNvPr id="5" name="Group 5"/>
-          <p:cNvGrpSpPr/>
-          <p:nvPr/>
-        </p:nvGrpSpPr>
-        <p:grpSpPr>
-          <a:xfrm>
-            <a:off x="1028700" y="514350"/>
-            <a:ext cx="16230600" cy="1512421"/>
-            <a:chOff x="0" y="0"/>
-            <a:chExt cx="4274726" cy="398333"/>
-          </a:xfrm>
-        </p:grpSpPr>
-        <p:sp>
-          <p:nvSpPr>
-            <p:cNvPr id="6" name="Freeform 6"/>
-            <p:cNvSpPr/>
-            <p:nvPr/>
-          </p:nvSpPr>
-          <p:spPr>
-            <a:xfrm>
-              <a:off x="0" y="0"/>
-              <a:ext cx="4274726" cy="398333"/>
-            </a:xfrm>
-            <a:custGeom>
-              <a:avLst/>
-              <a:gdLst/>
-              <a:ahLst/>
-              <a:cxnLst/>
-              <a:rect l="l" t="t" r="r" b="b"/>
-              <a:pathLst>
-                <a:path w="4274726" h="398333">
-                  <a:moveTo>
-                    <a:pt x="3816" y="0"/>
-                  </a:moveTo>
-                  <a:lnTo>
-                    <a:pt x="4270910" y="0"/>
-                  </a:lnTo>
-                  <a:cubicBezTo>
-                    <a:pt x="4271922" y="0"/>
-                    <a:pt x="4272893" y="402"/>
-                    <a:pt x="4273608" y="1118"/>
-                  </a:cubicBezTo>
-                  <a:cubicBezTo>
-                    <a:pt x="4274324" y="1833"/>
-                    <a:pt x="4274726" y="2804"/>
-                    <a:pt x="4274726" y="3816"/>
-                  </a:cubicBezTo>
-                  <a:lnTo>
-                    <a:pt x="4274726" y="394517"/>
-                  </a:lnTo>
-                  <a:cubicBezTo>
-                    <a:pt x="4274726" y="395529"/>
-                    <a:pt x="4274324" y="396500"/>
-                    <a:pt x="4273608" y="397216"/>
-                  </a:cubicBezTo>
-                  <a:cubicBezTo>
-                    <a:pt x="4272893" y="397931"/>
-                    <a:pt x="4271922" y="398333"/>
-                    <a:pt x="4270910" y="398333"/>
-                  </a:cubicBezTo>
-                  <a:lnTo>
-                    <a:pt x="3816" y="398333"/>
-                  </a:lnTo>
-                  <a:cubicBezTo>
-                    <a:pt x="2804" y="398333"/>
-                    <a:pt x="1833" y="397931"/>
-                    <a:pt x="1118" y="397216"/>
-                  </a:cubicBezTo>
-                  <a:cubicBezTo>
-                    <a:pt x="402" y="396500"/>
-                    <a:pt x="0" y="395529"/>
-                    <a:pt x="0" y="394517"/>
-                  </a:cubicBezTo>
-                  <a:lnTo>
-                    <a:pt x="0" y="3816"/>
-                  </a:lnTo>
-                  <a:cubicBezTo>
-                    <a:pt x="0" y="2804"/>
-                    <a:pt x="402" y="1833"/>
-                    <a:pt x="1118" y="1118"/>
-                  </a:cubicBezTo>
-                  <a:cubicBezTo>
-                    <a:pt x="1833" y="402"/>
-                    <a:pt x="2804" y="0"/>
-                    <a:pt x="3816" y="0"/>
-                  </a:cubicBezTo>
-                  <a:close/>
-                </a:path>
-              </a:pathLst>
-            </a:custGeom>
-            <a:solidFill>
-              <a:srgbClr val="0D291F"/>
-            </a:solidFill>
-          </p:spPr>
-          <p:txBody>
-            <a:bodyPr/>
-            <a:lstStyle/>
-            <a:p>
-              <a:endParaRPr lang="en-US"/>
-            </a:p>
-          </p:txBody>
-        </p:sp>
-        <p:sp>
-          <p:nvSpPr>
-            <p:cNvPr id="7" name="TextBox 7"/>
-            <p:cNvSpPr txBox="1"/>
-            <p:nvPr/>
-          </p:nvSpPr>
-          <p:spPr>
-            <a:xfrm>
-              <a:off x="0" y="-38100"/>
-              <a:ext cx="4274726" cy="436433"/>
-            </a:xfrm>
-            <a:prstGeom prst="rect">
-              <a:avLst/>
-            </a:prstGeom>
-          </p:spPr>
-          <p:txBody>
-            <a:bodyPr lIns="50800" tIns="50800" rIns="50800" bIns="50800" rtlCol="0" anchor="ctr"/>
-            <a:lstStyle/>
-            <a:p>
-              <a:pPr algn="ctr">
-                <a:lnSpc>
-                  <a:spcPts val="2659"/>
-                </a:lnSpc>
-              </a:pPr>
-              <a:endParaRPr/>
-            </a:p>
-          </p:txBody>
-        </p:sp>
-      </p:grpSp>
-      <p:grpSp>
-        <p:nvGrpSpPr>
-          <p:cNvPr id="8" name="Group 8"/>
-          <p:cNvGrpSpPr/>
-          <p:nvPr/>
-        </p:nvGrpSpPr>
-        <p:grpSpPr>
-          <a:xfrm rot="2620430">
-            <a:off x="-1606622" y="4317487"/>
-            <a:ext cx="3445361" cy="2881851"/>
-            <a:chOff x="0" y="0"/>
-            <a:chExt cx="812800" cy="679862"/>
-          </a:xfrm>
-        </p:grpSpPr>
-        <p:sp>
-          <p:nvSpPr>
-            <p:cNvPr id="9" name="Freeform 9"/>
-            <p:cNvSpPr/>
-            <p:nvPr/>
-          </p:nvSpPr>
-          <p:spPr>
-            <a:xfrm>
-              <a:off x="22798" y="31867"/>
-              <a:ext cx="767204" cy="647994"/>
-            </a:xfrm>
-            <a:custGeom>
-              <a:avLst/>
-              <a:gdLst/>
-              <a:ahLst/>
-              <a:cxnLst/>
-              <a:rect l="l" t="t" r="r" b="b"/>
-              <a:pathLst>
-                <a:path w="767204" h="647994">
-                  <a:moveTo>
-                    <a:pt x="412425" y="16351"/>
-                  </a:moveTo>
-                  <a:lnTo>
-                    <a:pt x="761179" y="599776"/>
-                  </a:lnTo>
-                  <a:cubicBezTo>
-                    <a:pt x="767065" y="609623"/>
-                    <a:pt x="767204" y="621873"/>
-                    <a:pt x="761544" y="631851"/>
-                  </a:cubicBezTo>
-                  <a:cubicBezTo>
-                    <a:pt x="755884" y="641829"/>
-                    <a:pt x="745297" y="647995"/>
-                    <a:pt x="733826" y="647995"/>
-                  </a:cubicBezTo>
-                  <a:lnTo>
-                    <a:pt x="33378" y="647995"/>
-                  </a:lnTo>
-                  <a:cubicBezTo>
-                    <a:pt x="21907" y="647995"/>
-                    <a:pt x="11320" y="641829"/>
-                    <a:pt x="5660" y="631851"/>
-                  </a:cubicBezTo>
-                  <a:cubicBezTo>
-                    <a:pt x="0" y="621873"/>
-                    <a:pt x="139" y="609623"/>
-                    <a:pt x="6025" y="599776"/>
-                  </a:cubicBezTo>
-                  <a:lnTo>
-                    <a:pt x="354779" y="16351"/>
-                  </a:lnTo>
-                  <a:cubicBezTo>
-                    <a:pt x="360841" y="6210"/>
-                    <a:pt x="371787" y="0"/>
-                    <a:pt x="383602" y="0"/>
-                  </a:cubicBezTo>
-                  <a:cubicBezTo>
-                    <a:pt x="395417" y="0"/>
-                    <a:pt x="406363" y="6210"/>
-                    <a:pt x="412425" y="16351"/>
-                  </a:cubicBezTo>
-                  <a:close/>
-                </a:path>
-              </a:pathLst>
-            </a:custGeom>
-            <a:solidFill>
-              <a:srgbClr val="000000">
-                <a:alpha val="0"/>
-              </a:srgbClr>
-            </a:solidFill>
-            <a:ln w="38100" cap="rnd">
-              <a:solidFill>
-                <a:srgbClr val="CACACA">
-                  <a:alpha val="29804"/>
-                </a:srgbClr>
-              </a:solidFill>
-              <a:prstDash val="solid"/>
-              <a:round/>
-            </a:ln>
-          </p:spPr>
-          <p:txBody>
-            <a:bodyPr/>
-            <a:lstStyle/>
-            <a:p>
-              <a:endParaRPr lang="en-US"/>
-            </a:p>
-          </p:txBody>
-        </p:sp>
-        <p:sp>
-          <p:nvSpPr>
-            <p:cNvPr id="10" name="TextBox 10"/>
-            <p:cNvSpPr txBox="1"/>
-            <p:nvPr/>
-          </p:nvSpPr>
-          <p:spPr>
-            <a:xfrm>
-              <a:off x="127000" y="277550"/>
-              <a:ext cx="558800" cy="353750"/>
-            </a:xfrm>
-            <a:prstGeom prst="rect">
-              <a:avLst/>
-            </a:prstGeom>
-          </p:spPr>
-          <p:txBody>
-            <a:bodyPr lIns="50800" tIns="50800" rIns="50800" bIns="50800" rtlCol="0" anchor="ctr"/>
-            <a:lstStyle/>
-            <a:p>
-              <a:pPr algn="ctr">
-                <a:lnSpc>
-                  <a:spcPts val="2659"/>
-                </a:lnSpc>
-              </a:pPr>
-              <a:endParaRPr/>
-            </a:p>
-          </p:txBody>
-        </p:sp>
-      </p:grpSp>
-      <p:grpSp>
-        <p:nvGrpSpPr>
-          <p:cNvPr id="11" name="Group 11"/>
-          <p:cNvGrpSpPr/>
-          <p:nvPr/>
-        </p:nvGrpSpPr>
-        <p:grpSpPr>
-          <a:xfrm rot="6210201">
-            <a:off x="586729" y="5264790"/>
-            <a:ext cx="3388296" cy="2964759"/>
-            <a:chOff x="0" y="0"/>
-            <a:chExt cx="812800" cy="711200"/>
-          </a:xfrm>
-        </p:grpSpPr>
-        <p:sp>
-          <p:nvSpPr>
-            <p:cNvPr id="12" name="Freeform 12"/>
-            <p:cNvSpPr/>
-            <p:nvPr/>
-          </p:nvSpPr>
-          <p:spPr>
-            <a:xfrm>
-              <a:off x="22478" y="33149"/>
-              <a:ext cx="767844" cy="678051"/>
-            </a:xfrm>
-            <a:custGeom>
-              <a:avLst/>
-              <a:gdLst/>
-              <a:ahLst/>
-              <a:cxnLst/>
-              <a:rect l="l" t="t" r="r" b="b"/>
-              <a:pathLst>
-                <a:path w="767844" h="678051">
-                  <a:moveTo>
-                    <a:pt x="412263" y="16447"/>
-                  </a:moveTo>
-                  <a:lnTo>
-                    <a:pt x="761981" y="628455"/>
-                  </a:lnTo>
-                  <a:cubicBezTo>
-                    <a:pt x="767844" y="638715"/>
-                    <a:pt x="767802" y="651320"/>
-                    <a:pt x="761871" y="661540"/>
-                  </a:cubicBezTo>
-                  <a:cubicBezTo>
-                    <a:pt x="755940" y="671761"/>
-                    <a:pt x="745016" y="678051"/>
-                    <a:pt x="733199" y="678051"/>
-                  </a:cubicBezTo>
-                  <a:lnTo>
-                    <a:pt x="34645" y="678051"/>
-                  </a:lnTo>
-                  <a:cubicBezTo>
-                    <a:pt x="22828" y="678051"/>
-                    <a:pt x="11904" y="671761"/>
-                    <a:pt x="5973" y="661540"/>
-                  </a:cubicBezTo>
-                  <a:cubicBezTo>
-                    <a:pt x="42" y="651320"/>
-                    <a:pt x="0" y="638715"/>
-                    <a:pt x="5863" y="628455"/>
-                  </a:cubicBezTo>
-                  <a:lnTo>
-                    <a:pt x="355581" y="16447"/>
-                  </a:lnTo>
-                  <a:cubicBezTo>
-                    <a:pt x="361393" y="6277"/>
-                    <a:pt x="372208" y="0"/>
-                    <a:pt x="383922" y="0"/>
-                  </a:cubicBezTo>
-                  <a:cubicBezTo>
-                    <a:pt x="395636" y="0"/>
-                    <a:pt x="406451" y="6277"/>
-                    <a:pt x="412263" y="16447"/>
-                  </a:cubicBezTo>
-                  <a:close/>
-                </a:path>
-              </a:pathLst>
-            </a:custGeom>
-            <a:solidFill>
-              <a:srgbClr val="000000">
-                <a:alpha val="0"/>
-              </a:srgbClr>
-            </a:solidFill>
-            <a:ln w="38100" cap="rnd">
-              <a:solidFill>
-                <a:srgbClr val="CACACA">
-                  <a:alpha val="29804"/>
-                </a:srgbClr>
-              </a:solidFill>
-              <a:prstDash val="solid"/>
-              <a:round/>
-            </a:ln>
-          </p:spPr>
-          <p:txBody>
-            <a:bodyPr/>
-            <a:lstStyle/>
-            <a:p>
-              <a:endParaRPr lang="en-US"/>
-            </a:p>
-          </p:txBody>
-        </p:sp>
-        <p:sp>
-          <p:nvSpPr>
-            <p:cNvPr id="13" name="TextBox 13"/>
-            <p:cNvSpPr txBox="1"/>
-            <p:nvPr/>
-          </p:nvSpPr>
-          <p:spPr>
-            <a:xfrm>
-              <a:off x="127000" y="292100"/>
-              <a:ext cx="558800" cy="368300"/>
-            </a:xfrm>
-            <a:prstGeom prst="rect">
-              <a:avLst/>
-            </a:prstGeom>
-          </p:spPr>
-          <p:txBody>
-            <a:bodyPr lIns="50800" tIns="50800" rIns="50800" bIns="50800" rtlCol="0" anchor="ctr"/>
-            <a:lstStyle/>
-            <a:p>
-              <a:pPr algn="ctr">
-                <a:lnSpc>
-                  <a:spcPts val="2659"/>
-                </a:lnSpc>
-              </a:pPr>
-              <a:endParaRPr/>
-            </a:p>
-          </p:txBody>
-        </p:sp>
-      </p:grpSp>
-      <p:grpSp>
-        <p:nvGrpSpPr>
-          <p:cNvPr id="14" name="Group 14"/>
-          <p:cNvGrpSpPr/>
-          <p:nvPr/>
-        </p:nvGrpSpPr>
-        <p:grpSpPr>
-          <a:xfrm rot="2036903">
-            <a:off x="767147" y="6947428"/>
-            <a:ext cx="4576506" cy="2700338"/>
-            <a:chOff x="0" y="0"/>
-            <a:chExt cx="1205335" cy="711200"/>
-          </a:xfrm>
-        </p:grpSpPr>
-        <p:sp>
-          <p:nvSpPr>
-            <p:cNvPr id="15" name="Freeform 15"/>
-            <p:cNvSpPr/>
-            <p:nvPr/>
-          </p:nvSpPr>
-          <p:spPr>
-            <a:xfrm>
-              <a:off x="21302" y="19596"/>
-              <a:ext cx="1162730" cy="691604"/>
-            </a:xfrm>
-            <a:custGeom>
-              <a:avLst/>
-              <a:gdLst/>
-              <a:ahLst/>
-              <a:cxnLst/>
-              <a:rect l="l" t="t" r="r" b="b"/>
-              <a:pathLst>
-                <a:path w="1162730" h="691604">
-                  <a:moveTo>
-                    <a:pt x="608707" y="12669"/>
-                  </a:moveTo>
-                  <a:lnTo>
-                    <a:pt x="1156692" y="659339"/>
-                  </a:lnTo>
-                  <a:cubicBezTo>
-                    <a:pt x="1161626" y="665162"/>
-                    <a:pt x="1162731" y="673321"/>
-                    <a:pt x="1159522" y="680246"/>
-                  </a:cubicBezTo>
-                  <a:cubicBezTo>
-                    <a:pt x="1156313" y="687172"/>
-                    <a:pt x="1149374" y="691604"/>
-                    <a:pt x="1141741" y="691604"/>
-                  </a:cubicBezTo>
-                  <a:lnTo>
-                    <a:pt x="20990" y="691604"/>
-                  </a:lnTo>
-                  <a:cubicBezTo>
-                    <a:pt x="13357" y="691604"/>
-                    <a:pt x="6418" y="687172"/>
-                    <a:pt x="3209" y="680246"/>
-                  </a:cubicBezTo>
-                  <a:cubicBezTo>
-                    <a:pt x="0" y="673321"/>
-                    <a:pt x="1105" y="665162"/>
-                    <a:pt x="6039" y="659339"/>
-                  </a:cubicBezTo>
-                  <a:lnTo>
-                    <a:pt x="554024" y="12669"/>
-                  </a:lnTo>
-                  <a:cubicBezTo>
-                    <a:pt x="560833" y="4634"/>
-                    <a:pt x="570833" y="0"/>
-                    <a:pt x="581366" y="0"/>
-                  </a:cubicBezTo>
-                  <a:cubicBezTo>
-                    <a:pt x="591898" y="0"/>
-                    <a:pt x="601898" y="4634"/>
-                    <a:pt x="608707" y="12669"/>
-                  </a:cubicBezTo>
-                  <a:close/>
-                </a:path>
-              </a:pathLst>
-            </a:custGeom>
-            <a:solidFill>
-              <a:srgbClr val="000000">
-                <a:alpha val="0"/>
-              </a:srgbClr>
-            </a:solidFill>
-            <a:ln w="38100" cap="rnd">
-              <a:solidFill>
-                <a:srgbClr val="CACACA">
-                  <a:alpha val="29804"/>
-                </a:srgbClr>
-              </a:solidFill>
-              <a:prstDash val="solid"/>
-              <a:round/>
-            </a:ln>
-          </p:spPr>
-          <p:txBody>
-            <a:bodyPr/>
-            <a:lstStyle/>
-            <a:p>
-              <a:endParaRPr lang="en-US"/>
-            </a:p>
-          </p:txBody>
-        </p:sp>
-        <p:sp>
-          <p:nvSpPr>
-            <p:cNvPr id="16" name="TextBox 16"/>
-            <p:cNvSpPr txBox="1"/>
-            <p:nvPr/>
-          </p:nvSpPr>
-          <p:spPr>
-            <a:xfrm>
-              <a:off x="188334" y="292100"/>
-              <a:ext cx="828668" cy="368300"/>
-            </a:xfrm>
-            <a:prstGeom prst="rect">
-              <a:avLst/>
-            </a:prstGeom>
-          </p:spPr>
-          <p:txBody>
-            <a:bodyPr lIns="50800" tIns="50800" rIns="50800" bIns="50800" rtlCol="0" anchor="ctr"/>
-            <a:lstStyle/>
-            <a:p>
-              <a:pPr algn="ctr">
-                <a:lnSpc>
-                  <a:spcPts val="2659"/>
-                </a:lnSpc>
-              </a:pPr>
-              <a:endParaRPr/>
-            </a:p>
-          </p:txBody>
-        </p:sp>
-      </p:grpSp>
-      <p:grpSp>
-        <p:nvGrpSpPr>
-          <p:cNvPr id="17" name="Group 17"/>
-          <p:cNvGrpSpPr/>
-          <p:nvPr/>
-        </p:nvGrpSpPr>
-        <p:grpSpPr>
-          <a:xfrm rot="-1478810">
-            <a:off x="-1228088" y="7827131"/>
-            <a:ext cx="3798903" cy="3153939"/>
-            <a:chOff x="0" y="0"/>
-            <a:chExt cx="1000534" cy="830667"/>
-          </a:xfrm>
-        </p:grpSpPr>
-        <p:sp>
-          <p:nvSpPr>
-            <p:cNvPr id="18" name="Freeform 18"/>
-            <p:cNvSpPr/>
-            <p:nvPr/>
-          </p:nvSpPr>
-          <p:spPr>
-            <a:xfrm>
-              <a:off x="20775" y="28791"/>
-              <a:ext cx="958983" cy="801876"/>
-            </a:xfrm>
-            <a:custGeom>
-              <a:avLst/>
-              <a:gdLst/>
-              <a:ahLst/>
-              <a:cxnLst/>
-              <a:rect l="l" t="t" r="r" b="b"/>
-              <a:pathLst>
-                <a:path w="958983" h="801876">
-                  <a:moveTo>
-                    <a:pt x="505777" y="14854"/>
-                  </a:moveTo>
-                  <a:lnTo>
-                    <a:pt x="953474" y="758232"/>
-                  </a:lnTo>
-                  <a:cubicBezTo>
-                    <a:pt x="958830" y="767125"/>
-                    <a:pt x="958984" y="778212"/>
-                    <a:pt x="953876" y="787250"/>
-                  </a:cubicBezTo>
-                  <a:cubicBezTo>
-                    <a:pt x="948769" y="796288"/>
-                    <a:pt x="939192" y="801876"/>
-                    <a:pt x="928811" y="801876"/>
-                  </a:cubicBezTo>
-                  <a:lnTo>
-                    <a:pt x="30173" y="801876"/>
-                  </a:lnTo>
-                  <a:cubicBezTo>
-                    <a:pt x="19792" y="801876"/>
-                    <a:pt x="10215" y="796288"/>
-                    <a:pt x="5108" y="787250"/>
-                  </a:cubicBezTo>
-                  <a:cubicBezTo>
-                    <a:pt x="0" y="778212"/>
-                    <a:pt x="154" y="767125"/>
-                    <a:pt x="5510" y="758232"/>
-                  </a:cubicBezTo>
-                  <a:lnTo>
-                    <a:pt x="453207" y="14854"/>
-                  </a:lnTo>
-                  <a:cubicBezTo>
-                    <a:pt x="458758" y="5636"/>
-                    <a:pt x="468732" y="0"/>
-                    <a:pt x="479492" y="0"/>
-                  </a:cubicBezTo>
-                  <a:cubicBezTo>
-                    <a:pt x="490252" y="0"/>
-                    <a:pt x="500226" y="5636"/>
-                    <a:pt x="505777" y="14854"/>
-                  </a:cubicBezTo>
-                  <a:close/>
-                </a:path>
-              </a:pathLst>
-            </a:custGeom>
-            <a:solidFill>
-              <a:srgbClr val="000000">
-                <a:alpha val="0"/>
-              </a:srgbClr>
-            </a:solidFill>
-            <a:ln w="38100" cap="rnd">
-              <a:solidFill>
-                <a:srgbClr val="CACACA">
-                  <a:alpha val="29804"/>
-                </a:srgbClr>
-              </a:solidFill>
-              <a:prstDash val="solid"/>
-              <a:round/>
-            </a:ln>
-          </p:spPr>
-          <p:txBody>
-            <a:bodyPr/>
-            <a:lstStyle/>
-            <a:p>
-              <a:endParaRPr lang="en-US"/>
-            </a:p>
-          </p:txBody>
-        </p:sp>
-        <p:sp>
-          <p:nvSpPr>
-            <p:cNvPr id="19" name="TextBox 19"/>
-            <p:cNvSpPr txBox="1"/>
-            <p:nvPr/>
-          </p:nvSpPr>
-          <p:spPr>
-            <a:xfrm>
-              <a:off x="156333" y="347567"/>
-              <a:ext cx="687867" cy="423767"/>
-            </a:xfrm>
-            <a:prstGeom prst="rect">
-              <a:avLst/>
-            </a:prstGeom>
-          </p:spPr>
-          <p:txBody>
-            <a:bodyPr lIns="50800" tIns="50800" rIns="50800" bIns="50800" rtlCol="0" anchor="ctr"/>
-            <a:lstStyle/>
-            <a:p>
-              <a:pPr algn="ctr">
-                <a:lnSpc>
-                  <a:spcPts val="2659"/>
-                </a:lnSpc>
-              </a:pPr>
-              <a:endParaRPr/>
-            </a:p>
-          </p:txBody>
-        </p:sp>
-      </p:grpSp>
-      <p:grpSp>
-        <p:nvGrpSpPr>
-          <p:cNvPr id="20" name="Group 20"/>
-          <p:cNvGrpSpPr/>
-          <p:nvPr/>
-        </p:nvGrpSpPr>
-        <p:grpSpPr>
-          <a:xfrm>
-            <a:off x="1028700" y="2026771"/>
-            <a:ext cx="16230600" cy="7231529"/>
-            <a:chOff x="0" y="0"/>
-            <a:chExt cx="4274726" cy="1904600"/>
-          </a:xfrm>
-        </p:grpSpPr>
-        <p:sp>
-          <p:nvSpPr>
-            <p:cNvPr id="21" name="Freeform 21"/>
-            <p:cNvSpPr/>
-            <p:nvPr/>
-          </p:nvSpPr>
-          <p:spPr>
-            <a:xfrm>
-              <a:off x="0" y="0"/>
-              <a:ext cx="4274726" cy="1904600"/>
-            </a:xfrm>
-            <a:custGeom>
-              <a:avLst/>
-              <a:gdLst/>
-              <a:ahLst/>
-              <a:cxnLst/>
-              <a:rect l="l" t="t" r="r" b="b"/>
-              <a:pathLst>
-                <a:path w="4274726" h="1904600">
-                  <a:moveTo>
-                    <a:pt x="3816" y="0"/>
-                  </a:moveTo>
-                  <a:lnTo>
-                    <a:pt x="4270910" y="0"/>
-                  </a:lnTo>
-                  <a:cubicBezTo>
-                    <a:pt x="4271922" y="0"/>
-                    <a:pt x="4272893" y="402"/>
-                    <a:pt x="4273608" y="1118"/>
-                  </a:cubicBezTo>
-                  <a:cubicBezTo>
-                    <a:pt x="4274324" y="1833"/>
-                    <a:pt x="4274726" y="2804"/>
-                    <a:pt x="4274726" y="3816"/>
-                  </a:cubicBezTo>
-                  <a:lnTo>
-                    <a:pt x="4274726" y="1900784"/>
-                  </a:lnTo>
-                  <a:cubicBezTo>
-                    <a:pt x="4274726" y="1901796"/>
-                    <a:pt x="4274324" y="1902767"/>
-                    <a:pt x="4273608" y="1903482"/>
-                  </a:cubicBezTo>
-                  <a:cubicBezTo>
-                    <a:pt x="4272893" y="1904198"/>
-                    <a:pt x="4271922" y="1904600"/>
-                    <a:pt x="4270910" y="1904600"/>
-                  </a:cubicBezTo>
-                  <a:lnTo>
-                    <a:pt x="3816" y="1904600"/>
-                  </a:lnTo>
-                  <a:cubicBezTo>
-                    <a:pt x="2804" y="1904600"/>
-                    <a:pt x="1833" y="1904198"/>
-                    <a:pt x="1118" y="1903482"/>
-                  </a:cubicBezTo>
-                  <a:cubicBezTo>
-                    <a:pt x="402" y="1902767"/>
-                    <a:pt x="0" y="1901796"/>
-                    <a:pt x="0" y="1900784"/>
-                  </a:cubicBezTo>
-                  <a:lnTo>
-                    <a:pt x="0" y="3816"/>
-                  </a:lnTo>
-                  <a:cubicBezTo>
-                    <a:pt x="0" y="2804"/>
-                    <a:pt x="402" y="1833"/>
-                    <a:pt x="1118" y="1118"/>
-                  </a:cubicBezTo>
-                  <a:cubicBezTo>
-                    <a:pt x="1833" y="402"/>
-                    <a:pt x="2804" y="0"/>
-                    <a:pt x="3816" y="0"/>
-                  </a:cubicBezTo>
-                  <a:close/>
-                </a:path>
-              </a:pathLst>
-            </a:custGeom>
-            <a:solidFill>
-              <a:srgbClr val="000000">
-                <a:alpha val="0"/>
-              </a:srgbClr>
-            </a:solidFill>
-            <a:ln w="38100" cap="sq">
-              <a:solidFill>
-                <a:srgbClr val="0D291F"/>
-              </a:solidFill>
-              <a:prstDash val="solid"/>
-              <a:miter/>
-            </a:ln>
-          </p:spPr>
-          <p:txBody>
-            <a:bodyPr/>
-            <a:lstStyle/>
-            <a:p>
-              <a:endParaRPr lang="en-US"/>
-            </a:p>
-          </p:txBody>
-        </p:sp>
-        <p:sp>
-          <p:nvSpPr>
-            <p:cNvPr id="22" name="TextBox 22"/>
-            <p:cNvSpPr txBox="1"/>
-            <p:nvPr/>
-          </p:nvSpPr>
-          <p:spPr>
-            <a:xfrm>
-              <a:off x="0" y="-38100"/>
-              <a:ext cx="4274726" cy="1942700"/>
-            </a:xfrm>
-            <a:prstGeom prst="rect">
-              <a:avLst/>
-            </a:prstGeom>
-          </p:spPr>
-          <p:txBody>
-            <a:bodyPr lIns="50800" tIns="50800" rIns="50800" bIns="50800" rtlCol="0" anchor="ctr"/>
-            <a:lstStyle/>
-            <a:p>
-              <a:pPr algn="ctr">
-                <a:lnSpc>
-                  <a:spcPts val="2659"/>
-                </a:lnSpc>
-              </a:pPr>
-              <a:endParaRPr/>
-            </a:p>
-          </p:txBody>
-        </p:sp>
-      </p:grpSp>
-      <p:grpSp>
-        <p:nvGrpSpPr>
-          <p:cNvPr id="23" name="Group 23"/>
-          <p:cNvGrpSpPr/>
-          <p:nvPr/>
-        </p:nvGrpSpPr>
-        <p:grpSpPr>
-          <a:xfrm>
-            <a:off x="2027520" y="10081079"/>
-            <a:ext cx="2170062" cy="788923"/>
-            <a:chOff x="0" y="0"/>
-            <a:chExt cx="1956272" cy="711200"/>
-          </a:xfrm>
-        </p:grpSpPr>
-        <p:sp>
-          <p:nvSpPr>
-            <p:cNvPr id="24" name="Freeform 24"/>
-            <p:cNvSpPr/>
-            <p:nvPr/>
-          </p:nvSpPr>
-          <p:spPr>
-            <a:xfrm>
-              <a:off x="57730" y="21180"/>
-              <a:ext cx="1840812" cy="690020"/>
-            </a:xfrm>
-            <a:custGeom>
-              <a:avLst/>
-              <a:gdLst/>
-              <a:ahLst/>
-              <a:cxnLst/>
-              <a:rect l="l" t="t" r="r" b="b"/>
-              <a:pathLst>
-                <a:path w="1840812" h="690020">
-                  <a:moveTo>
-                    <a:pt x="992543" y="31271"/>
-                  </a:moveTo>
-                  <a:lnTo>
-                    <a:pt x="1826404" y="637569"/>
-                  </a:lnTo>
-                  <a:cubicBezTo>
-                    <a:pt x="1836563" y="644956"/>
-                    <a:pt x="1840812" y="658043"/>
-                    <a:pt x="1836928" y="669988"/>
-                  </a:cubicBezTo>
-                  <a:cubicBezTo>
-                    <a:pt x="1833045" y="681933"/>
-                    <a:pt x="1821912" y="690020"/>
-                    <a:pt x="1809352" y="690020"/>
-                  </a:cubicBezTo>
-                  <a:lnTo>
-                    <a:pt x="31460" y="690020"/>
-                  </a:lnTo>
-                  <a:cubicBezTo>
-                    <a:pt x="18900" y="690020"/>
-                    <a:pt x="7767" y="681933"/>
-                    <a:pt x="3883" y="669988"/>
-                  </a:cubicBezTo>
-                  <a:cubicBezTo>
-                    <a:pt x="0" y="658043"/>
-                    <a:pt x="4248" y="644956"/>
-                    <a:pt x="14407" y="637569"/>
-                  </a:cubicBezTo>
-                  <a:lnTo>
-                    <a:pt x="848269" y="31271"/>
-                  </a:lnTo>
-                  <a:cubicBezTo>
-                    <a:pt x="891277" y="0"/>
-                    <a:pt x="949535" y="0"/>
-                    <a:pt x="992543" y="31271"/>
-                  </a:cubicBezTo>
-                  <a:close/>
-                </a:path>
-              </a:pathLst>
-            </a:custGeom>
-            <a:solidFill>
-              <a:srgbClr val="000000">
-                <a:alpha val="0"/>
-              </a:srgbClr>
-            </a:solidFill>
-            <a:ln w="38100" cap="rnd">
-              <a:solidFill>
-                <a:srgbClr val="CACACA">
-                  <a:alpha val="29804"/>
-                </a:srgbClr>
-              </a:solidFill>
-              <a:prstDash val="solid"/>
-              <a:round/>
-            </a:ln>
-          </p:spPr>
-          <p:txBody>
-            <a:bodyPr/>
-            <a:lstStyle/>
-            <a:p>
-              <a:endParaRPr lang="en-US"/>
-            </a:p>
-          </p:txBody>
-        </p:sp>
-        <p:sp>
-          <p:nvSpPr>
-            <p:cNvPr id="25" name="TextBox 25"/>
-            <p:cNvSpPr txBox="1"/>
-            <p:nvPr/>
-          </p:nvSpPr>
-          <p:spPr>
-            <a:xfrm>
-              <a:off x="305667" y="292100"/>
-              <a:ext cx="1344937" cy="368300"/>
-            </a:xfrm>
-            <a:prstGeom prst="rect">
-              <a:avLst/>
-            </a:prstGeom>
-          </p:spPr>
-          <p:txBody>
-            <a:bodyPr lIns="50800" tIns="50800" rIns="50800" bIns="50800" rtlCol="0" anchor="ctr"/>
-            <a:lstStyle/>
-            <a:p>
-              <a:pPr algn="ctr">
-                <a:lnSpc>
-                  <a:spcPts val="2659"/>
-                </a:lnSpc>
-              </a:pPr>
-              <a:endParaRPr/>
-            </a:p>
-          </p:txBody>
-        </p:sp>
-      </p:grpSp>
-      <p:grpSp>
-        <p:nvGrpSpPr>
-          <p:cNvPr id="26" name="Group 26"/>
-          <p:cNvGrpSpPr/>
-          <p:nvPr/>
-        </p:nvGrpSpPr>
-        <p:grpSpPr>
-          <a:xfrm rot="5008937">
-            <a:off x="3804873" y="7300455"/>
-            <a:ext cx="3314236" cy="2700338"/>
-            <a:chOff x="0" y="0"/>
-            <a:chExt cx="872885" cy="711200"/>
-          </a:xfrm>
-        </p:grpSpPr>
-        <p:sp>
-          <p:nvSpPr>
-            <p:cNvPr id="27" name="Freeform 27"/>
-            <p:cNvSpPr/>
-            <p:nvPr/>
-          </p:nvSpPr>
-          <p:spPr>
-            <a:xfrm>
-              <a:off x="24102" y="32681"/>
-              <a:ext cx="824682" cy="678519"/>
-            </a:xfrm>
-            <a:custGeom>
-              <a:avLst/>
-              <a:gdLst/>
-              <a:ahLst/>
-              <a:cxnLst/>
-              <a:rect l="l" t="t" r="r" b="b"/>
-              <a:pathLst>
-                <a:path w="824682" h="678519">
-                  <a:moveTo>
-                    <a:pt x="442885" y="17093"/>
-                  </a:moveTo>
-                  <a:lnTo>
-                    <a:pt x="818238" y="628745"/>
-                  </a:lnTo>
-                  <a:cubicBezTo>
-                    <a:pt x="824427" y="638830"/>
-                    <a:pt x="824681" y="651472"/>
-                    <a:pt x="818903" y="661798"/>
-                  </a:cubicBezTo>
-                  <a:cubicBezTo>
-                    <a:pt x="813125" y="672123"/>
-                    <a:pt x="802217" y="678519"/>
-                    <a:pt x="790384" y="678519"/>
-                  </a:cubicBezTo>
-                  <a:lnTo>
-                    <a:pt x="34297" y="678519"/>
-                  </a:lnTo>
-                  <a:cubicBezTo>
-                    <a:pt x="22465" y="678519"/>
-                    <a:pt x="11556" y="672123"/>
-                    <a:pt x="5778" y="661798"/>
-                  </a:cubicBezTo>
-                  <a:cubicBezTo>
-                    <a:pt x="0" y="651472"/>
-                    <a:pt x="254" y="638830"/>
-                    <a:pt x="6443" y="628745"/>
-                  </a:cubicBezTo>
-                  <a:lnTo>
-                    <a:pt x="381796" y="17093"/>
-                  </a:lnTo>
-                  <a:cubicBezTo>
-                    <a:pt x="388313" y="6472"/>
-                    <a:pt x="399880" y="0"/>
-                    <a:pt x="412341" y="0"/>
-                  </a:cubicBezTo>
-                  <a:cubicBezTo>
-                    <a:pt x="424802" y="0"/>
-                    <a:pt x="436368" y="6472"/>
-                    <a:pt x="442885" y="17093"/>
-                  </a:cubicBezTo>
-                  <a:close/>
-                </a:path>
-              </a:pathLst>
-            </a:custGeom>
-            <a:solidFill>
-              <a:srgbClr val="000000">
-                <a:alpha val="0"/>
-              </a:srgbClr>
-            </a:solidFill>
-            <a:ln w="38100" cap="rnd">
-              <a:solidFill>
-                <a:srgbClr val="CACACA">
-                  <a:alpha val="29804"/>
-                </a:srgbClr>
-              </a:solidFill>
-              <a:prstDash val="solid"/>
-              <a:round/>
-            </a:ln>
-          </p:spPr>
-          <p:txBody>
-            <a:bodyPr/>
-            <a:lstStyle/>
-            <a:p>
-              <a:endParaRPr lang="en-US"/>
-            </a:p>
-          </p:txBody>
-        </p:sp>
-        <p:sp>
-          <p:nvSpPr>
-            <p:cNvPr id="28" name="TextBox 28"/>
-            <p:cNvSpPr txBox="1"/>
-            <p:nvPr/>
-          </p:nvSpPr>
-          <p:spPr>
-            <a:xfrm>
-              <a:off x="136388" y="292100"/>
-              <a:ext cx="600109" cy="368300"/>
-            </a:xfrm>
-            <a:prstGeom prst="rect">
-              <a:avLst/>
-            </a:prstGeom>
-          </p:spPr>
-          <p:txBody>
-            <a:bodyPr lIns="50800" tIns="50800" rIns="50800" bIns="50800" rtlCol="0" anchor="ctr"/>
-            <a:lstStyle/>
-            <a:p>
-              <a:pPr algn="ctr">
-                <a:lnSpc>
-                  <a:spcPts val="2659"/>
-                </a:lnSpc>
-              </a:pPr>
-              <a:endParaRPr/>
-            </a:p>
-          </p:txBody>
-        </p:sp>
-      </p:grpSp>
-      <p:grpSp>
-        <p:nvGrpSpPr>
-          <p:cNvPr id="29" name="Group 29"/>
-          <p:cNvGrpSpPr/>
-          <p:nvPr/>
-        </p:nvGrpSpPr>
-        <p:grpSpPr>
-          <a:xfrm rot="500708">
-            <a:off x="4285992" y="8395496"/>
-            <a:ext cx="5256909" cy="2700338"/>
-            <a:chOff x="0" y="0"/>
-            <a:chExt cx="1384536" cy="711200"/>
-          </a:xfrm>
-        </p:grpSpPr>
-        <p:sp>
-          <p:nvSpPr>
-            <p:cNvPr id="30" name="Freeform 30"/>
-            <p:cNvSpPr/>
-            <p:nvPr/>
-          </p:nvSpPr>
-          <p:spPr>
-            <a:xfrm>
-              <a:off x="20069" y="15542"/>
-              <a:ext cx="1344397" cy="695658"/>
-            </a:xfrm>
-            <a:custGeom>
-              <a:avLst/>
-              <a:gdLst/>
-              <a:ahLst/>
-              <a:cxnLst/>
-              <a:rect l="l" t="t" r="r" b="b"/>
-              <a:pathLst>
-                <a:path w="1344397" h="695658">
-                  <a:moveTo>
-                    <a:pt x="697880" y="10841"/>
-                  </a:moveTo>
-                  <a:lnTo>
-                    <a:pt x="1338786" y="669275"/>
-                  </a:lnTo>
-                  <a:cubicBezTo>
-                    <a:pt x="1343144" y="673752"/>
-                    <a:pt x="1344398" y="680404"/>
-                    <a:pt x="1341968" y="686160"/>
-                  </a:cubicBezTo>
-                  <a:cubicBezTo>
-                    <a:pt x="1339538" y="691916"/>
-                    <a:pt x="1333897" y="695658"/>
-                    <a:pt x="1327649" y="695658"/>
-                  </a:cubicBezTo>
-                  <a:lnTo>
-                    <a:pt x="16749" y="695658"/>
-                  </a:lnTo>
-                  <a:cubicBezTo>
-                    <a:pt x="10501" y="695658"/>
-                    <a:pt x="4860" y="691916"/>
-                    <a:pt x="2430" y="686160"/>
-                  </a:cubicBezTo>
-                  <a:cubicBezTo>
-                    <a:pt x="0" y="680404"/>
-                    <a:pt x="1254" y="673752"/>
-                    <a:pt x="5612" y="669275"/>
-                  </a:cubicBezTo>
-                  <a:lnTo>
-                    <a:pt x="646518" y="10841"/>
-                  </a:lnTo>
-                  <a:cubicBezTo>
-                    <a:pt x="653265" y="3910"/>
-                    <a:pt x="662527" y="0"/>
-                    <a:pt x="672199" y="0"/>
-                  </a:cubicBezTo>
-                  <a:cubicBezTo>
-                    <a:pt x="681871" y="0"/>
-                    <a:pt x="691133" y="3910"/>
-                    <a:pt x="697880" y="10841"/>
-                  </a:cubicBezTo>
-                  <a:close/>
-                </a:path>
-              </a:pathLst>
-            </a:custGeom>
-            <a:solidFill>
-              <a:srgbClr val="000000">
-                <a:alpha val="0"/>
-              </a:srgbClr>
-            </a:solidFill>
-            <a:ln w="38100" cap="rnd">
-              <a:solidFill>
-                <a:srgbClr val="CACACA">
-                  <a:alpha val="29804"/>
-                </a:srgbClr>
-              </a:solidFill>
-              <a:prstDash val="solid"/>
-              <a:round/>
-            </a:ln>
-          </p:spPr>
-          <p:txBody>
-            <a:bodyPr/>
-            <a:lstStyle/>
-            <a:p>
-              <a:endParaRPr lang="en-US"/>
-            </a:p>
-          </p:txBody>
-        </p:sp>
-        <p:sp>
-          <p:nvSpPr>
-            <p:cNvPr id="31" name="TextBox 31"/>
-            <p:cNvSpPr txBox="1"/>
-            <p:nvPr/>
-          </p:nvSpPr>
-          <p:spPr>
-            <a:xfrm>
-              <a:off x="216334" y="292100"/>
-              <a:ext cx="951868" cy="368300"/>
-            </a:xfrm>
-            <a:prstGeom prst="rect">
-              <a:avLst/>
-            </a:prstGeom>
-          </p:spPr>
-          <p:txBody>
-            <a:bodyPr lIns="50800" tIns="50800" rIns="50800" bIns="50800" rtlCol="0" anchor="ctr"/>
-            <a:lstStyle/>
-            <a:p>
-              <a:pPr algn="ctr">
-                <a:lnSpc>
-                  <a:spcPts val="2659"/>
-                </a:lnSpc>
-              </a:pPr>
-              <a:endParaRPr/>
-            </a:p>
-          </p:txBody>
-        </p:sp>
-      </p:grpSp>
-      <p:grpSp>
-        <p:nvGrpSpPr>
-          <p:cNvPr id="32" name="Group 32"/>
-          <p:cNvGrpSpPr/>
-          <p:nvPr/>
-        </p:nvGrpSpPr>
-        <p:grpSpPr>
-          <a:xfrm rot="2562940">
-            <a:off x="1840309" y="3475961"/>
-            <a:ext cx="3299599" cy="2700338"/>
-            <a:chOff x="0" y="0"/>
-            <a:chExt cx="869030" cy="711200"/>
-          </a:xfrm>
-        </p:grpSpPr>
-        <p:sp>
-          <p:nvSpPr>
-            <p:cNvPr id="33" name="Freeform 33"/>
-            <p:cNvSpPr/>
-            <p:nvPr/>
-          </p:nvSpPr>
-          <p:spPr>
-            <a:xfrm>
-              <a:off x="24140" y="32902"/>
-              <a:ext cx="820750" cy="678298"/>
-            </a:xfrm>
-            <a:custGeom>
-              <a:avLst/>
-              <a:gdLst/>
-              <a:ahLst/>
-              <a:cxnLst/>
-              <a:rect l="l" t="t" r="r" b="b"/>
-              <a:pathLst>
-                <a:path w="820750" h="678298">
-                  <a:moveTo>
-                    <a:pt x="440957" y="17153"/>
-                  </a:moveTo>
-                  <a:lnTo>
-                    <a:pt x="814308" y="628243"/>
-                  </a:lnTo>
-                  <a:cubicBezTo>
-                    <a:pt x="820513" y="638398"/>
-                    <a:pt x="820750" y="651112"/>
-                    <a:pt x="814928" y="661492"/>
-                  </a:cubicBezTo>
-                  <a:cubicBezTo>
-                    <a:pt x="809106" y="671871"/>
-                    <a:pt x="798133" y="678298"/>
-                    <a:pt x="786232" y="678298"/>
-                  </a:cubicBezTo>
-                  <a:lnTo>
-                    <a:pt x="34518" y="678298"/>
-                  </a:lnTo>
-                  <a:cubicBezTo>
-                    <a:pt x="22617" y="678298"/>
-                    <a:pt x="11644" y="671871"/>
-                    <a:pt x="5822" y="661492"/>
-                  </a:cubicBezTo>
-                  <a:cubicBezTo>
-                    <a:pt x="0" y="651112"/>
-                    <a:pt x="237" y="638398"/>
-                    <a:pt x="6442" y="628243"/>
-                  </a:cubicBezTo>
-                  <a:lnTo>
-                    <a:pt x="379793" y="17153"/>
-                  </a:lnTo>
-                  <a:cubicBezTo>
-                    <a:pt x="386303" y="6498"/>
-                    <a:pt x="397889" y="0"/>
-                    <a:pt x="410375" y="0"/>
-                  </a:cubicBezTo>
-                  <a:cubicBezTo>
-                    <a:pt x="422861" y="0"/>
-                    <a:pt x="434447" y="6498"/>
-                    <a:pt x="440957" y="17153"/>
-                  </a:cubicBezTo>
-                  <a:close/>
-                </a:path>
-              </a:pathLst>
-            </a:custGeom>
-            <a:solidFill>
-              <a:srgbClr val="000000">
-                <a:alpha val="0"/>
-              </a:srgbClr>
-            </a:solidFill>
-            <a:ln w="38100" cap="rnd">
-              <a:solidFill>
-                <a:srgbClr val="CACACA">
-                  <a:alpha val="29804"/>
-                </a:srgbClr>
-              </a:solidFill>
-              <a:prstDash val="solid"/>
-              <a:round/>
-            </a:ln>
-          </p:spPr>
-          <p:txBody>
-            <a:bodyPr/>
-            <a:lstStyle/>
-            <a:p>
-              <a:endParaRPr lang="en-US"/>
-            </a:p>
-          </p:txBody>
-        </p:sp>
-        <p:sp>
-          <p:nvSpPr>
-            <p:cNvPr id="34" name="TextBox 34"/>
-            <p:cNvSpPr txBox="1"/>
-            <p:nvPr/>
-          </p:nvSpPr>
-          <p:spPr>
-            <a:xfrm>
-              <a:off x="135786" y="292100"/>
-              <a:ext cx="597458" cy="368300"/>
-            </a:xfrm>
-            <a:prstGeom prst="rect">
-              <a:avLst/>
-            </a:prstGeom>
-          </p:spPr>
-          <p:txBody>
-            <a:bodyPr lIns="50800" tIns="50800" rIns="50800" bIns="50800" rtlCol="0" anchor="ctr"/>
-            <a:lstStyle/>
-            <a:p>
-              <a:pPr algn="ctr">
-                <a:lnSpc>
-                  <a:spcPts val="2659"/>
-                </a:lnSpc>
-              </a:pPr>
-              <a:endParaRPr/>
-            </a:p>
-          </p:txBody>
-        </p:sp>
-      </p:grpSp>
-      <p:grpSp>
-        <p:nvGrpSpPr>
-          <p:cNvPr id="35" name="Group 35"/>
-          <p:cNvGrpSpPr/>
-          <p:nvPr/>
-        </p:nvGrpSpPr>
-        <p:grpSpPr>
-          <a:xfrm rot="3684998">
-            <a:off x="4381538" y="4269048"/>
-            <a:ext cx="2652117" cy="3510222"/>
-            <a:chOff x="0" y="0"/>
-            <a:chExt cx="698500" cy="924503"/>
-          </a:xfrm>
-        </p:grpSpPr>
-        <p:sp>
-          <p:nvSpPr>
-            <p:cNvPr id="36" name="Freeform 36"/>
-            <p:cNvSpPr/>
-            <p:nvPr/>
-          </p:nvSpPr>
-          <p:spPr>
-            <a:xfrm>
-              <a:off x="0" y="12043"/>
-              <a:ext cx="698500" cy="900417"/>
-            </a:xfrm>
-            <a:custGeom>
-              <a:avLst/>
-              <a:gdLst/>
-              <a:ahLst/>
-              <a:cxnLst/>
-              <a:rect l="l" t="t" r="r" b="b"/>
-              <a:pathLst>
-                <a:path w="698500" h="900417">
-                  <a:moveTo>
-                    <a:pt x="403459" y="19496"/>
-                  </a:moveTo>
-                  <a:lnTo>
-                    <a:pt x="644291" y="159618"/>
-                  </a:lnTo>
-                  <a:cubicBezTo>
-                    <a:pt x="677853" y="179144"/>
-                    <a:pt x="698500" y="215044"/>
-                    <a:pt x="698500" y="253873"/>
-                  </a:cubicBezTo>
-                  <a:lnTo>
-                    <a:pt x="698500" y="646544"/>
-                  </a:lnTo>
-                  <a:cubicBezTo>
-                    <a:pt x="698500" y="685373"/>
-                    <a:pt x="677853" y="721272"/>
-                    <a:pt x="644291" y="740799"/>
-                  </a:cubicBezTo>
-                  <a:lnTo>
-                    <a:pt x="403459" y="880920"/>
-                  </a:lnTo>
-                  <a:cubicBezTo>
-                    <a:pt x="369949" y="900417"/>
-                    <a:pt x="328551" y="900417"/>
-                    <a:pt x="295041" y="880920"/>
-                  </a:cubicBezTo>
-                  <a:lnTo>
-                    <a:pt x="54209" y="740799"/>
-                  </a:lnTo>
-                  <a:cubicBezTo>
-                    <a:pt x="20647" y="721272"/>
-                    <a:pt x="0" y="685373"/>
-                    <a:pt x="0" y="646544"/>
-                  </a:cubicBezTo>
-                  <a:lnTo>
-                    <a:pt x="0" y="253873"/>
-                  </a:lnTo>
-                  <a:cubicBezTo>
-                    <a:pt x="0" y="215044"/>
-                    <a:pt x="20647" y="179144"/>
-                    <a:pt x="54209" y="159618"/>
-                  </a:cubicBezTo>
-                  <a:lnTo>
-                    <a:pt x="295041" y="19496"/>
-                  </a:lnTo>
-                  <a:cubicBezTo>
-                    <a:pt x="328551" y="0"/>
-                    <a:pt x="369949" y="0"/>
-                    <a:pt x="403459" y="19496"/>
-                  </a:cubicBezTo>
-                  <a:close/>
-                </a:path>
-              </a:pathLst>
-            </a:custGeom>
-            <a:solidFill>
-              <a:srgbClr val="000000">
-                <a:alpha val="0"/>
-              </a:srgbClr>
-            </a:solidFill>
-            <a:ln w="38100" cap="rnd">
-              <a:solidFill>
-                <a:srgbClr val="CACACA">
-                  <a:alpha val="29804"/>
-                </a:srgbClr>
-              </a:solidFill>
-              <a:prstDash val="solid"/>
-              <a:round/>
-            </a:ln>
-          </p:spPr>
-          <p:txBody>
-            <a:bodyPr/>
-            <a:lstStyle/>
-            <a:p>
-              <a:endParaRPr lang="en-US"/>
-            </a:p>
-          </p:txBody>
-        </p:sp>
-        <p:sp>
-          <p:nvSpPr>
-            <p:cNvPr id="37" name="TextBox 37"/>
-            <p:cNvSpPr txBox="1"/>
-            <p:nvPr/>
-          </p:nvSpPr>
-          <p:spPr>
-            <a:xfrm>
-              <a:off x="0" y="101600"/>
-              <a:ext cx="698500" cy="683203"/>
-            </a:xfrm>
-            <a:prstGeom prst="rect">
-              <a:avLst/>
-            </a:prstGeom>
-          </p:spPr>
-          <p:txBody>
-            <a:bodyPr lIns="50800" tIns="50800" rIns="50800" bIns="50800" rtlCol="0" anchor="ctr"/>
-            <a:lstStyle/>
-            <a:p>
-              <a:pPr algn="ctr">
-                <a:lnSpc>
-                  <a:spcPts val="2659"/>
-                </a:lnSpc>
-              </a:pPr>
-              <a:endParaRPr/>
-            </a:p>
-          </p:txBody>
-        </p:sp>
-      </p:grpSp>
-      <p:sp>
-        <p:nvSpPr>
-          <p:cNvPr id="38" name="Freeform 38"/>
-          <p:cNvSpPr/>
-          <p:nvPr/>
-        </p:nvSpPr>
-        <p:spPr>
-          <a:xfrm>
-            <a:off x="14699011" y="8009260"/>
-            <a:ext cx="2449657" cy="1168778"/>
-          </a:xfrm>
-          <a:custGeom>
-            <a:avLst/>
-            <a:gdLst/>
-            <a:ahLst/>
-            <a:cxnLst/>
-            <a:rect l="l" t="t" r="r" b="b"/>
-            <a:pathLst>
-              <a:path w="2449657" h="1168778">
-                <a:moveTo>
-                  <a:pt x="0" y="0"/>
-                </a:moveTo>
-                <a:lnTo>
-                  <a:pt x="2449657" y="0"/>
-                </a:lnTo>
-                <a:lnTo>
-                  <a:pt x="2449657" y="1168778"/>
-                </a:lnTo>
-                <a:lnTo>
-                  <a:pt x="0" y="1168778"/>
-                </a:lnTo>
-                <a:lnTo>
-                  <a:pt x="0" y="0"/>
-                </a:lnTo>
-                <a:close/>
-              </a:path>
-            </a:pathLst>
-          </a:custGeom>
-          <a:blipFill>
-            <a:blip r:embed="rId2"/>
-            <a:stretch>
-              <a:fillRect t="-1087" b="-1087"/>
-            </a:stretch>
-          </a:blipFill>
-        </p:spPr>
-        <p:txBody>
-          <a:bodyPr/>
-          <a:lstStyle/>
-          <a:p>
-            <a:endParaRPr lang="en-US"/>
-          </a:p>
-        </p:txBody>
-      </p:sp>
-      <p:sp>
-        <p:nvSpPr>
-          <p:cNvPr id="39" name="Freeform 39"/>
-          <p:cNvSpPr/>
-          <p:nvPr/>
-        </p:nvSpPr>
-        <p:spPr>
-          <a:xfrm>
-            <a:off x="11410475" y="2345237"/>
-            <a:ext cx="4958004" cy="5345557"/>
-          </a:xfrm>
-          <a:custGeom>
-            <a:avLst/>
-            <a:gdLst/>
-            <a:ahLst/>
-            <a:cxnLst/>
-            <a:rect l="l" t="t" r="r" b="b"/>
-            <a:pathLst>
-              <a:path w="4958004" h="5345557">
-                <a:moveTo>
-                  <a:pt x="0" y="0"/>
-                </a:moveTo>
-                <a:lnTo>
-                  <a:pt x="4958004" y="0"/>
-                </a:lnTo>
-                <a:lnTo>
-                  <a:pt x="4958004" y="5345557"/>
-                </a:lnTo>
-                <a:lnTo>
-                  <a:pt x="0" y="5345557"/>
-                </a:lnTo>
-                <a:lnTo>
-                  <a:pt x="0" y="0"/>
-                </a:lnTo>
-                <a:close/>
-              </a:path>
-            </a:pathLst>
-          </a:custGeom>
-          <a:blipFill>
-            <a:blip r:embed="rId3"/>
-            <a:stretch>
-              <a:fillRect/>
-            </a:stretch>
-          </a:blipFill>
-        </p:spPr>
-        <p:txBody>
-          <a:bodyPr/>
-          <a:lstStyle/>
-          <a:p>
-            <a:endParaRPr lang="en-US"/>
-          </a:p>
-        </p:txBody>
-      </p:sp>
-      <p:sp>
-        <p:nvSpPr>
-          <p:cNvPr id="40" name="TextBox 40"/>
-          <p:cNvSpPr txBox="1"/>
-          <p:nvPr/>
-        </p:nvSpPr>
-        <p:spPr>
-          <a:xfrm>
-            <a:off x="1271082" y="558110"/>
-            <a:ext cx="15988218" cy="1234401"/>
-          </a:xfrm>
-          <a:prstGeom prst="rect">
-            <a:avLst/>
-          </a:prstGeom>
-        </p:spPr>
-        <p:txBody>
-          <a:bodyPr lIns="0" tIns="0" rIns="0" bIns="0" rtlCol="0" anchor="t">
-            <a:spAutoFit/>
-          </a:bodyPr>
-          <a:lstStyle/>
-          <a:p>
-            <a:pPr algn="ctr">
-              <a:lnSpc>
-                <a:spcPts val="9660"/>
-              </a:lnSpc>
-            </a:pPr>
-            <a:r>
-              <a:rPr lang="en-US" sz="6900" b="1">
-                <a:solidFill>
-                  <a:srgbClr val="FFFEF9"/>
-                </a:solidFill>
-                <a:latin typeface="Poppins Bold"/>
-                <a:ea typeface="Poppins Bold"/>
-                <a:cs typeface="Poppins Bold"/>
-                <a:sym typeface="Poppins Bold"/>
-              </a:rPr>
-              <a:t>Feedback Results</a:t>
-            </a:r>
-          </a:p>
-        </p:txBody>
-      </p:sp>
-      <p:sp>
-        <p:nvSpPr>
-          <p:cNvPr id="41" name="TextBox 41"/>
-          <p:cNvSpPr txBox="1"/>
-          <p:nvPr/>
-        </p:nvSpPr>
-        <p:spPr>
-          <a:xfrm>
-            <a:off x="1271082" y="2440342"/>
-            <a:ext cx="8115300" cy="4690691"/>
-          </a:xfrm>
-          <a:prstGeom prst="rect">
-            <a:avLst/>
-          </a:prstGeom>
-        </p:spPr>
-        <p:txBody>
-          <a:bodyPr lIns="0" tIns="0" rIns="0" bIns="0" rtlCol="0" anchor="t">
-            <a:spAutoFit/>
-          </a:bodyPr>
-          <a:lstStyle/>
-          <a:p>
-            <a:pPr algn="l">
-              <a:lnSpc>
-                <a:spcPts val="3779"/>
-              </a:lnSpc>
-            </a:pPr>
-            <a:r>
-              <a:rPr lang="en-US" sz="2699" b="1">
-                <a:solidFill>
-                  <a:srgbClr val="000000"/>
-                </a:solidFill>
-                <a:latin typeface="Poppins Bold"/>
-                <a:ea typeface="Poppins Bold"/>
-                <a:cs typeface="Poppins Bold"/>
-                <a:sym typeface="Poppins Bold"/>
-              </a:rPr>
-              <a:t> Feedback Results in the sidebar shows the following inputs:</a:t>
-            </a:r>
-          </a:p>
-          <a:p>
-            <a:pPr marL="582927" lvl="1" indent="-291463" algn="l">
-              <a:lnSpc>
-                <a:spcPts val="3779"/>
-              </a:lnSpc>
-              <a:buFont typeface="Arial"/>
-              <a:buChar char="•"/>
-            </a:pPr>
-            <a:r>
-              <a:rPr lang="en-US" sz="2699" b="1">
-                <a:solidFill>
-                  <a:srgbClr val="000000"/>
-                </a:solidFill>
-                <a:latin typeface="Poppins Bold"/>
-                <a:ea typeface="Poppins Bold"/>
-                <a:cs typeface="Poppins Bold"/>
-                <a:sym typeface="Poppins Bold"/>
-              </a:rPr>
-              <a:t>Choose an event</a:t>
-            </a:r>
-          </a:p>
-          <a:p>
-            <a:pPr marL="1165854" lvl="2" indent="-388618" algn="l">
-              <a:lnSpc>
-                <a:spcPts val="3779"/>
-              </a:lnSpc>
-              <a:buFont typeface="Arial"/>
-              <a:buChar char="⚬"/>
-            </a:pPr>
-            <a:r>
-              <a:rPr lang="en-US" sz="2699" b="1">
-                <a:solidFill>
-                  <a:srgbClr val="000000"/>
-                </a:solidFill>
-                <a:latin typeface="Poppins Bold"/>
-                <a:ea typeface="Poppins Bold"/>
-                <a:cs typeface="Poppins Bold"/>
-                <a:sym typeface="Poppins Bold"/>
-              </a:rPr>
-              <a:t>After choosing an event, questions inputted, including the responses are shown. </a:t>
-            </a:r>
-          </a:p>
-          <a:p>
-            <a:pPr marL="582927" lvl="1" indent="-291463" algn="l">
-              <a:lnSpc>
-                <a:spcPts val="3779"/>
-              </a:lnSpc>
-              <a:buFont typeface="Arial"/>
-              <a:buChar char="•"/>
-            </a:pPr>
-            <a:r>
-              <a:rPr lang="en-US" sz="2699" b="1">
-                <a:solidFill>
-                  <a:srgbClr val="000000"/>
-                </a:solidFill>
-                <a:latin typeface="Poppins Bold"/>
-                <a:ea typeface="Poppins Bold"/>
-                <a:cs typeface="Poppins Bold"/>
-                <a:sym typeface="Poppins Bold"/>
-              </a:rPr>
-              <a:t>Export to CSV</a:t>
-            </a:r>
-          </a:p>
-          <a:p>
-            <a:pPr marL="1165854" lvl="2" indent="-388618" algn="l">
-              <a:lnSpc>
-                <a:spcPts val="3779"/>
-              </a:lnSpc>
-              <a:buFont typeface="Arial"/>
-              <a:buChar char="⚬"/>
-            </a:pPr>
-            <a:r>
-              <a:rPr lang="en-US" sz="2699" b="1">
-                <a:solidFill>
-                  <a:srgbClr val="000000"/>
-                </a:solidFill>
-                <a:latin typeface="Poppins Bold"/>
-                <a:ea typeface="Poppins Bold"/>
-                <a:cs typeface="Poppins Bold"/>
-                <a:sym typeface="Poppins Bold"/>
-              </a:rPr>
-              <a:t>When clicked, it would automatically download feedback results in a .csv file </a:t>
-            </a:r>
-          </a:p>
-          <a:p>
-            <a:pPr algn="l">
-              <a:lnSpc>
-                <a:spcPts val="3079"/>
-              </a:lnSpc>
-            </a:pPr>
-            <a:endParaRPr lang="en-US" sz="2699" b="1">
-              <a:solidFill>
-                <a:srgbClr val="000000"/>
-              </a:solidFill>
-              <a:latin typeface="Poppins Bold"/>
-              <a:ea typeface="Poppins Bold"/>
-              <a:cs typeface="Poppins Bold"/>
-              <a:sym typeface="Poppins Bold"/>
-            </a:endParaRPr>
-          </a:p>
-        </p:txBody>
-      </p:sp>
-    </p:spTree>
-  </p:cSld>
-  <p:clrMapOvr>
-    <a:masterClrMapping/>
-  </p:clrMapOvr>
-</p:sld>
-</file>
-
-<file path=ppt/slides/slide7.xml><?xml version="1.0" encoding="utf-8"?>
 <p:sld xmlns:a="http://schemas.openxmlformats.org/drawingml/2006/main" xmlns:r="http://schemas.openxmlformats.org/officeDocument/2006/relationships" xmlns:p="http://schemas.openxmlformats.org/presentationml/2006/main">
   <p:cSld>
     <p:bg>
@@ -16498,6 +14567,6280 @@
         </p:txBody>
       </p:sp>
     </p:spTree>
+  </p:cSld>
+  <p:clrMapOvr>
+    <a:masterClrMapping/>
+  </p:clrMapOvr>
+</p:sld>
+</file>
+
+<file path=ppt/slides/slide7.xml><?xml version="1.0" encoding="utf-8"?>
+<p:sld xmlns:a="http://schemas.openxmlformats.org/drawingml/2006/main" xmlns:r="http://schemas.openxmlformats.org/officeDocument/2006/relationships" xmlns:p="http://schemas.openxmlformats.org/presentationml/2006/main">
+  <p:cSld>
+    <p:bg>
+      <p:bgPr>
+        <a:solidFill>
+          <a:srgbClr val="FFFEF9"/>
+        </a:solidFill>
+        <a:effectLst/>
+      </p:bgPr>
+    </p:bg>
+    <p:spTree>
+      <p:nvGrpSpPr>
+        <p:cNvPr id="1" name=""/>
+        <p:cNvGrpSpPr/>
+        <p:nvPr/>
+      </p:nvGrpSpPr>
+      <p:grpSpPr>
+        <a:xfrm>
+          <a:off x="0" y="0"/>
+          <a:ext cx="0" cy="0"/>
+          <a:chOff x="0" y="0"/>
+          <a:chExt cx="0" cy="0"/>
+        </a:xfrm>
+      </p:grpSpPr>
+      <p:grpSp>
+        <p:nvGrpSpPr>
+          <p:cNvPr id="2" name="Group 2"/>
+          <p:cNvGrpSpPr/>
+          <p:nvPr/>
+        </p:nvGrpSpPr>
+        <p:grpSpPr>
+          <a:xfrm rot="-855552">
+            <a:off x="-514350" y="1897923"/>
+            <a:ext cx="3086100" cy="2700338"/>
+            <a:chOff x="0" y="0"/>
+            <a:chExt cx="812800" cy="711200"/>
+          </a:xfrm>
+        </p:grpSpPr>
+        <p:sp>
+          <p:nvSpPr>
+            <p:cNvPr id="3" name="Freeform 3"/>
+            <p:cNvSpPr/>
+            <p:nvPr/>
+          </p:nvSpPr>
+          <p:spPr>
+            <a:xfrm>
+              <a:off x="24679" y="36396"/>
+              <a:ext cx="763442" cy="674804"/>
+            </a:xfrm>
+            <a:custGeom>
+              <a:avLst/>
+              <a:gdLst/>
+              <a:ahLst/>
+              <a:cxnLst/>
+              <a:rect l="l" t="t" r="r" b="b"/>
+              <a:pathLst>
+                <a:path w="763442" h="674804">
+                  <a:moveTo>
+                    <a:pt x="412837" y="18057"/>
+                  </a:moveTo>
+                  <a:lnTo>
+                    <a:pt x="757005" y="620351"/>
+                  </a:lnTo>
+                  <a:cubicBezTo>
+                    <a:pt x="763442" y="631616"/>
+                    <a:pt x="763396" y="645455"/>
+                    <a:pt x="756884" y="656676"/>
+                  </a:cubicBezTo>
+                  <a:cubicBezTo>
+                    <a:pt x="750372" y="667898"/>
+                    <a:pt x="738379" y="674804"/>
+                    <a:pt x="725405" y="674804"/>
+                  </a:cubicBezTo>
+                  <a:lnTo>
+                    <a:pt x="38037" y="674804"/>
+                  </a:lnTo>
+                  <a:cubicBezTo>
+                    <a:pt x="25063" y="674804"/>
+                    <a:pt x="13070" y="667898"/>
+                    <a:pt x="6558" y="656676"/>
+                  </a:cubicBezTo>
+                  <a:cubicBezTo>
+                    <a:pt x="46" y="645455"/>
+                    <a:pt x="0" y="631616"/>
+                    <a:pt x="6437" y="620351"/>
+                  </a:cubicBezTo>
+                  <a:lnTo>
+                    <a:pt x="350605" y="18057"/>
+                  </a:lnTo>
+                  <a:cubicBezTo>
+                    <a:pt x="356986" y="6891"/>
+                    <a:pt x="368860" y="0"/>
+                    <a:pt x="381721" y="0"/>
+                  </a:cubicBezTo>
+                  <a:cubicBezTo>
+                    <a:pt x="394582" y="0"/>
+                    <a:pt x="406456" y="6891"/>
+                    <a:pt x="412837" y="18057"/>
+                  </a:cubicBezTo>
+                  <a:close/>
+                </a:path>
+              </a:pathLst>
+            </a:custGeom>
+            <a:solidFill>
+              <a:srgbClr val="000000">
+                <a:alpha val="0"/>
+              </a:srgbClr>
+            </a:solidFill>
+            <a:ln w="38100" cap="rnd">
+              <a:solidFill>
+                <a:srgbClr val="CACACA">
+                  <a:alpha val="29804"/>
+                </a:srgbClr>
+              </a:solidFill>
+              <a:prstDash val="solid"/>
+              <a:round/>
+            </a:ln>
+          </p:spPr>
+          <p:txBody>
+            <a:bodyPr/>
+            <a:lstStyle/>
+            <a:p>
+              <a:endParaRPr lang="en-US"/>
+            </a:p>
+          </p:txBody>
+        </p:sp>
+        <p:sp>
+          <p:nvSpPr>
+            <p:cNvPr id="4" name="TextBox 4"/>
+            <p:cNvSpPr txBox="1"/>
+            <p:nvPr/>
+          </p:nvSpPr>
+          <p:spPr>
+            <a:xfrm>
+              <a:off x="127000" y="292100"/>
+              <a:ext cx="558800" cy="368300"/>
+            </a:xfrm>
+            <a:prstGeom prst="rect">
+              <a:avLst/>
+            </a:prstGeom>
+          </p:spPr>
+          <p:txBody>
+            <a:bodyPr lIns="50800" tIns="50800" rIns="50800" bIns="50800" rtlCol="0" anchor="ctr"/>
+            <a:lstStyle/>
+            <a:p>
+              <a:pPr algn="ctr">
+                <a:lnSpc>
+                  <a:spcPts val="2659"/>
+                </a:lnSpc>
+              </a:pPr>
+              <a:endParaRPr/>
+            </a:p>
+          </p:txBody>
+        </p:sp>
+      </p:grpSp>
+      <p:grpSp>
+        <p:nvGrpSpPr>
+          <p:cNvPr id="5" name="Group 5"/>
+          <p:cNvGrpSpPr/>
+          <p:nvPr/>
+        </p:nvGrpSpPr>
+        <p:grpSpPr>
+          <a:xfrm>
+            <a:off x="1028700" y="514350"/>
+            <a:ext cx="16230600" cy="1512421"/>
+            <a:chOff x="0" y="0"/>
+            <a:chExt cx="4274726" cy="398333"/>
+          </a:xfrm>
+        </p:grpSpPr>
+        <p:sp>
+          <p:nvSpPr>
+            <p:cNvPr id="6" name="Freeform 6"/>
+            <p:cNvSpPr/>
+            <p:nvPr/>
+          </p:nvSpPr>
+          <p:spPr>
+            <a:xfrm>
+              <a:off x="0" y="0"/>
+              <a:ext cx="4274726" cy="398333"/>
+            </a:xfrm>
+            <a:custGeom>
+              <a:avLst/>
+              <a:gdLst/>
+              <a:ahLst/>
+              <a:cxnLst/>
+              <a:rect l="l" t="t" r="r" b="b"/>
+              <a:pathLst>
+                <a:path w="4274726" h="398333">
+                  <a:moveTo>
+                    <a:pt x="3816" y="0"/>
+                  </a:moveTo>
+                  <a:lnTo>
+                    <a:pt x="4270910" y="0"/>
+                  </a:lnTo>
+                  <a:cubicBezTo>
+                    <a:pt x="4271922" y="0"/>
+                    <a:pt x="4272893" y="402"/>
+                    <a:pt x="4273608" y="1118"/>
+                  </a:cubicBezTo>
+                  <a:cubicBezTo>
+                    <a:pt x="4274324" y="1833"/>
+                    <a:pt x="4274726" y="2804"/>
+                    <a:pt x="4274726" y="3816"/>
+                  </a:cubicBezTo>
+                  <a:lnTo>
+                    <a:pt x="4274726" y="394517"/>
+                  </a:lnTo>
+                  <a:cubicBezTo>
+                    <a:pt x="4274726" y="395529"/>
+                    <a:pt x="4274324" y="396500"/>
+                    <a:pt x="4273608" y="397216"/>
+                  </a:cubicBezTo>
+                  <a:cubicBezTo>
+                    <a:pt x="4272893" y="397931"/>
+                    <a:pt x="4271922" y="398333"/>
+                    <a:pt x="4270910" y="398333"/>
+                  </a:cubicBezTo>
+                  <a:lnTo>
+                    <a:pt x="3816" y="398333"/>
+                  </a:lnTo>
+                  <a:cubicBezTo>
+                    <a:pt x="2804" y="398333"/>
+                    <a:pt x="1833" y="397931"/>
+                    <a:pt x="1118" y="397216"/>
+                  </a:cubicBezTo>
+                  <a:cubicBezTo>
+                    <a:pt x="402" y="396500"/>
+                    <a:pt x="0" y="395529"/>
+                    <a:pt x="0" y="394517"/>
+                  </a:cubicBezTo>
+                  <a:lnTo>
+                    <a:pt x="0" y="3816"/>
+                  </a:lnTo>
+                  <a:cubicBezTo>
+                    <a:pt x="0" y="2804"/>
+                    <a:pt x="402" y="1833"/>
+                    <a:pt x="1118" y="1118"/>
+                  </a:cubicBezTo>
+                  <a:cubicBezTo>
+                    <a:pt x="1833" y="402"/>
+                    <a:pt x="2804" y="0"/>
+                    <a:pt x="3816" y="0"/>
+                  </a:cubicBezTo>
+                  <a:close/>
+                </a:path>
+              </a:pathLst>
+            </a:custGeom>
+            <a:solidFill>
+              <a:srgbClr val="0D291F"/>
+            </a:solidFill>
+          </p:spPr>
+          <p:txBody>
+            <a:bodyPr/>
+            <a:lstStyle/>
+            <a:p>
+              <a:endParaRPr lang="en-US"/>
+            </a:p>
+          </p:txBody>
+        </p:sp>
+        <p:sp>
+          <p:nvSpPr>
+            <p:cNvPr id="7" name="TextBox 7"/>
+            <p:cNvSpPr txBox="1"/>
+            <p:nvPr/>
+          </p:nvSpPr>
+          <p:spPr>
+            <a:xfrm>
+              <a:off x="0" y="-38100"/>
+              <a:ext cx="4274726" cy="436433"/>
+            </a:xfrm>
+            <a:prstGeom prst="rect">
+              <a:avLst/>
+            </a:prstGeom>
+          </p:spPr>
+          <p:txBody>
+            <a:bodyPr lIns="50800" tIns="50800" rIns="50800" bIns="50800" rtlCol="0" anchor="ctr"/>
+            <a:lstStyle/>
+            <a:p>
+              <a:pPr algn="ctr">
+                <a:lnSpc>
+                  <a:spcPts val="2659"/>
+                </a:lnSpc>
+              </a:pPr>
+              <a:endParaRPr/>
+            </a:p>
+          </p:txBody>
+        </p:sp>
+      </p:grpSp>
+      <p:grpSp>
+        <p:nvGrpSpPr>
+          <p:cNvPr id="8" name="Group 8"/>
+          <p:cNvGrpSpPr/>
+          <p:nvPr/>
+        </p:nvGrpSpPr>
+        <p:grpSpPr>
+          <a:xfrm rot="2620430">
+            <a:off x="-1606622" y="4317487"/>
+            <a:ext cx="3445361" cy="2881851"/>
+            <a:chOff x="0" y="0"/>
+            <a:chExt cx="812800" cy="679862"/>
+          </a:xfrm>
+        </p:grpSpPr>
+        <p:sp>
+          <p:nvSpPr>
+            <p:cNvPr id="9" name="Freeform 9"/>
+            <p:cNvSpPr/>
+            <p:nvPr/>
+          </p:nvSpPr>
+          <p:spPr>
+            <a:xfrm>
+              <a:off x="22798" y="31867"/>
+              <a:ext cx="767204" cy="647994"/>
+            </a:xfrm>
+            <a:custGeom>
+              <a:avLst/>
+              <a:gdLst/>
+              <a:ahLst/>
+              <a:cxnLst/>
+              <a:rect l="l" t="t" r="r" b="b"/>
+              <a:pathLst>
+                <a:path w="767204" h="647994">
+                  <a:moveTo>
+                    <a:pt x="412425" y="16351"/>
+                  </a:moveTo>
+                  <a:lnTo>
+                    <a:pt x="761179" y="599776"/>
+                  </a:lnTo>
+                  <a:cubicBezTo>
+                    <a:pt x="767065" y="609623"/>
+                    <a:pt x="767204" y="621873"/>
+                    <a:pt x="761544" y="631851"/>
+                  </a:cubicBezTo>
+                  <a:cubicBezTo>
+                    <a:pt x="755884" y="641829"/>
+                    <a:pt x="745297" y="647995"/>
+                    <a:pt x="733826" y="647995"/>
+                  </a:cubicBezTo>
+                  <a:lnTo>
+                    <a:pt x="33378" y="647995"/>
+                  </a:lnTo>
+                  <a:cubicBezTo>
+                    <a:pt x="21907" y="647995"/>
+                    <a:pt x="11320" y="641829"/>
+                    <a:pt x="5660" y="631851"/>
+                  </a:cubicBezTo>
+                  <a:cubicBezTo>
+                    <a:pt x="0" y="621873"/>
+                    <a:pt x="139" y="609623"/>
+                    <a:pt x="6025" y="599776"/>
+                  </a:cubicBezTo>
+                  <a:lnTo>
+                    <a:pt x="354779" y="16351"/>
+                  </a:lnTo>
+                  <a:cubicBezTo>
+                    <a:pt x="360841" y="6210"/>
+                    <a:pt x="371787" y="0"/>
+                    <a:pt x="383602" y="0"/>
+                  </a:cubicBezTo>
+                  <a:cubicBezTo>
+                    <a:pt x="395417" y="0"/>
+                    <a:pt x="406363" y="6210"/>
+                    <a:pt x="412425" y="16351"/>
+                  </a:cubicBezTo>
+                  <a:close/>
+                </a:path>
+              </a:pathLst>
+            </a:custGeom>
+            <a:solidFill>
+              <a:srgbClr val="000000">
+                <a:alpha val="0"/>
+              </a:srgbClr>
+            </a:solidFill>
+            <a:ln w="38100" cap="rnd">
+              <a:solidFill>
+                <a:srgbClr val="CACACA">
+                  <a:alpha val="29804"/>
+                </a:srgbClr>
+              </a:solidFill>
+              <a:prstDash val="solid"/>
+              <a:round/>
+            </a:ln>
+          </p:spPr>
+          <p:txBody>
+            <a:bodyPr/>
+            <a:lstStyle/>
+            <a:p>
+              <a:endParaRPr lang="en-US"/>
+            </a:p>
+          </p:txBody>
+        </p:sp>
+        <p:sp>
+          <p:nvSpPr>
+            <p:cNvPr id="10" name="TextBox 10"/>
+            <p:cNvSpPr txBox="1"/>
+            <p:nvPr/>
+          </p:nvSpPr>
+          <p:spPr>
+            <a:xfrm>
+              <a:off x="127000" y="277550"/>
+              <a:ext cx="558800" cy="353750"/>
+            </a:xfrm>
+            <a:prstGeom prst="rect">
+              <a:avLst/>
+            </a:prstGeom>
+          </p:spPr>
+          <p:txBody>
+            <a:bodyPr lIns="50800" tIns="50800" rIns="50800" bIns="50800" rtlCol="0" anchor="ctr"/>
+            <a:lstStyle/>
+            <a:p>
+              <a:pPr algn="ctr">
+                <a:lnSpc>
+                  <a:spcPts val="2659"/>
+                </a:lnSpc>
+              </a:pPr>
+              <a:endParaRPr/>
+            </a:p>
+          </p:txBody>
+        </p:sp>
+      </p:grpSp>
+      <p:grpSp>
+        <p:nvGrpSpPr>
+          <p:cNvPr id="11" name="Group 11"/>
+          <p:cNvGrpSpPr/>
+          <p:nvPr/>
+        </p:nvGrpSpPr>
+        <p:grpSpPr>
+          <a:xfrm rot="6210201">
+            <a:off x="586729" y="5264790"/>
+            <a:ext cx="3388296" cy="2964759"/>
+            <a:chOff x="0" y="0"/>
+            <a:chExt cx="812800" cy="711200"/>
+          </a:xfrm>
+        </p:grpSpPr>
+        <p:sp>
+          <p:nvSpPr>
+            <p:cNvPr id="12" name="Freeform 12"/>
+            <p:cNvSpPr/>
+            <p:nvPr/>
+          </p:nvSpPr>
+          <p:spPr>
+            <a:xfrm>
+              <a:off x="22478" y="33149"/>
+              <a:ext cx="767844" cy="678051"/>
+            </a:xfrm>
+            <a:custGeom>
+              <a:avLst/>
+              <a:gdLst/>
+              <a:ahLst/>
+              <a:cxnLst/>
+              <a:rect l="l" t="t" r="r" b="b"/>
+              <a:pathLst>
+                <a:path w="767844" h="678051">
+                  <a:moveTo>
+                    <a:pt x="412263" y="16447"/>
+                  </a:moveTo>
+                  <a:lnTo>
+                    <a:pt x="761981" y="628455"/>
+                  </a:lnTo>
+                  <a:cubicBezTo>
+                    <a:pt x="767844" y="638715"/>
+                    <a:pt x="767802" y="651320"/>
+                    <a:pt x="761871" y="661540"/>
+                  </a:cubicBezTo>
+                  <a:cubicBezTo>
+                    <a:pt x="755940" y="671761"/>
+                    <a:pt x="745016" y="678051"/>
+                    <a:pt x="733199" y="678051"/>
+                  </a:cubicBezTo>
+                  <a:lnTo>
+                    <a:pt x="34645" y="678051"/>
+                  </a:lnTo>
+                  <a:cubicBezTo>
+                    <a:pt x="22828" y="678051"/>
+                    <a:pt x="11904" y="671761"/>
+                    <a:pt x="5973" y="661540"/>
+                  </a:cubicBezTo>
+                  <a:cubicBezTo>
+                    <a:pt x="42" y="651320"/>
+                    <a:pt x="0" y="638715"/>
+                    <a:pt x="5863" y="628455"/>
+                  </a:cubicBezTo>
+                  <a:lnTo>
+                    <a:pt x="355581" y="16447"/>
+                  </a:lnTo>
+                  <a:cubicBezTo>
+                    <a:pt x="361393" y="6277"/>
+                    <a:pt x="372208" y="0"/>
+                    <a:pt x="383922" y="0"/>
+                  </a:cubicBezTo>
+                  <a:cubicBezTo>
+                    <a:pt x="395636" y="0"/>
+                    <a:pt x="406451" y="6277"/>
+                    <a:pt x="412263" y="16447"/>
+                  </a:cubicBezTo>
+                  <a:close/>
+                </a:path>
+              </a:pathLst>
+            </a:custGeom>
+            <a:solidFill>
+              <a:srgbClr val="000000">
+                <a:alpha val="0"/>
+              </a:srgbClr>
+            </a:solidFill>
+            <a:ln w="38100" cap="rnd">
+              <a:solidFill>
+                <a:srgbClr val="CACACA">
+                  <a:alpha val="29804"/>
+                </a:srgbClr>
+              </a:solidFill>
+              <a:prstDash val="solid"/>
+              <a:round/>
+            </a:ln>
+          </p:spPr>
+          <p:txBody>
+            <a:bodyPr/>
+            <a:lstStyle/>
+            <a:p>
+              <a:endParaRPr lang="en-US"/>
+            </a:p>
+          </p:txBody>
+        </p:sp>
+        <p:sp>
+          <p:nvSpPr>
+            <p:cNvPr id="13" name="TextBox 13"/>
+            <p:cNvSpPr txBox="1"/>
+            <p:nvPr/>
+          </p:nvSpPr>
+          <p:spPr>
+            <a:xfrm>
+              <a:off x="127000" y="292100"/>
+              <a:ext cx="558800" cy="368300"/>
+            </a:xfrm>
+            <a:prstGeom prst="rect">
+              <a:avLst/>
+            </a:prstGeom>
+          </p:spPr>
+          <p:txBody>
+            <a:bodyPr lIns="50800" tIns="50800" rIns="50800" bIns="50800" rtlCol="0" anchor="ctr"/>
+            <a:lstStyle/>
+            <a:p>
+              <a:pPr algn="ctr">
+                <a:lnSpc>
+                  <a:spcPts val="2659"/>
+                </a:lnSpc>
+              </a:pPr>
+              <a:endParaRPr/>
+            </a:p>
+          </p:txBody>
+        </p:sp>
+      </p:grpSp>
+      <p:grpSp>
+        <p:nvGrpSpPr>
+          <p:cNvPr id="14" name="Group 14"/>
+          <p:cNvGrpSpPr/>
+          <p:nvPr/>
+        </p:nvGrpSpPr>
+        <p:grpSpPr>
+          <a:xfrm rot="2036903">
+            <a:off x="767147" y="6947428"/>
+            <a:ext cx="4576506" cy="2700338"/>
+            <a:chOff x="0" y="0"/>
+            <a:chExt cx="1205335" cy="711200"/>
+          </a:xfrm>
+        </p:grpSpPr>
+        <p:sp>
+          <p:nvSpPr>
+            <p:cNvPr id="15" name="Freeform 15"/>
+            <p:cNvSpPr/>
+            <p:nvPr/>
+          </p:nvSpPr>
+          <p:spPr>
+            <a:xfrm>
+              <a:off x="21302" y="19596"/>
+              <a:ext cx="1162730" cy="691604"/>
+            </a:xfrm>
+            <a:custGeom>
+              <a:avLst/>
+              <a:gdLst/>
+              <a:ahLst/>
+              <a:cxnLst/>
+              <a:rect l="l" t="t" r="r" b="b"/>
+              <a:pathLst>
+                <a:path w="1162730" h="691604">
+                  <a:moveTo>
+                    <a:pt x="608707" y="12669"/>
+                  </a:moveTo>
+                  <a:lnTo>
+                    <a:pt x="1156692" y="659339"/>
+                  </a:lnTo>
+                  <a:cubicBezTo>
+                    <a:pt x="1161626" y="665162"/>
+                    <a:pt x="1162731" y="673321"/>
+                    <a:pt x="1159522" y="680246"/>
+                  </a:cubicBezTo>
+                  <a:cubicBezTo>
+                    <a:pt x="1156313" y="687172"/>
+                    <a:pt x="1149374" y="691604"/>
+                    <a:pt x="1141741" y="691604"/>
+                  </a:cubicBezTo>
+                  <a:lnTo>
+                    <a:pt x="20990" y="691604"/>
+                  </a:lnTo>
+                  <a:cubicBezTo>
+                    <a:pt x="13357" y="691604"/>
+                    <a:pt x="6418" y="687172"/>
+                    <a:pt x="3209" y="680246"/>
+                  </a:cubicBezTo>
+                  <a:cubicBezTo>
+                    <a:pt x="0" y="673321"/>
+                    <a:pt x="1105" y="665162"/>
+                    <a:pt x="6039" y="659339"/>
+                  </a:cubicBezTo>
+                  <a:lnTo>
+                    <a:pt x="554024" y="12669"/>
+                  </a:lnTo>
+                  <a:cubicBezTo>
+                    <a:pt x="560833" y="4634"/>
+                    <a:pt x="570833" y="0"/>
+                    <a:pt x="581366" y="0"/>
+                  </a:cubicBezTo>
+                  <a:cubicBezTo>
+                    <a:pt x="591898" y="0"/>
+                    <a:pt x="601898" y="4634"/>
+                    <a:pt x="608707" y="12669"/>
+                  </a:cubicBezTo>
+                  <a:close/>
+                </a:path>
+              </a:pathLst>
+            </a:custGeom>
+            <a:solidFill>
+              <a:srgbClr val="000000">
+                <a:alpha val="0"/>
+              </a:srgbClr>
+            </a:solidFill>
+            <a:ln w="38100" cap="rnd">
+              <a:solidFill>
+                <a:srgbClr val="CACACA">
+                  <a:alpha val="29804"/>
+                </a:srgbClr>
+              </a:solidFill>
+              <a:prstDash val="solid"/>
+              <a:round/>
+            </a:ln>
+          </p:spPr>
+          <p:txBody>
+            <a:bodyPr/>
+            <a:lstStyle/>
+            <a:p>
+              <a:endParaRPr lang="en-US"/>
+            </a:p>
+          </p:txBody>
+        </p:sp>
+        <p:sp>
+          <p:nvSpPr>
+            <p:cNvPr id="16" name="TextBox 16"/>
+            <p:cNvSpPr txBox="1"/>
+            <p:nvPr/>
+          </p:nvSpPr>
+          <p:spPr>
+            <a:xfrm>
+              <a:off x="188334" y="292100"/>
+              <a:ext cx="828668" cy="368300"/>
+            </a:xfrm>
+            <a:prstGeom prst="rect">
+              <a:avLst/>
+            </a:prstGeom>
+          </p:spPr>
+          <p:txBody>
+            <a:bodyPr lIns="50800" tIns="50800" rIns="50800" bIns="50800" rtlCol="0" anchor="ctr"/>
+            <a:lstStyle/>
+            <a:p>
+              <a:pPr algn="ctr">
+                <a:lnSpc>
+                  <a:spcPts val="2659"/>
+                </a:lnSpc>
+              </a:pPr>
+              <a:endParaRPr/>
+            </a:p>
+          </p:txBody>
+        </p:sp>
+      </p:grpSp>
+      <p:grpSp>
+        <p:nvGrpSpPr>
+          <p:cNvPr id="17" name="Group 17"/>
+          <p:cNvGrpSpPr/>
+          <p:nvPr/>
+        </p:nvGrpSpPr>
+        <p:grpSpPr>
+          <a:xfrm rot="-1478810">
+            <a:off x="-1228088" y="7827131"/>
+            <a:ext cx="3798903" cy="3153939"/>
+            <a:chOff x="0" y="0"/>
+            <a:chExt cx="1000534" cy="830667"/>
+          </a:xfrm>
+        </p:grpSpPr>
+        <p:sp>
+          <p:nvSpPr>
+            <p:cNvPr id="18" name="Freeform 18"/>
+            <p:cNvSpPr/>
+            <p:nvPr/>
+          </p:nvSpPr>
+          <p:spPr>
+            <a:xfrm>
+              <a:off x="20775" y="28791"/>
+              <a:ext cx="958983" cy="801876"/>
+            </a:xfrm>
+            <a:custGeom>
+              <a:avLst/>
+              <a:gdLst/>
+              <a:ahLst/>
+              <a:cxnLst/>
+              <a:rect l="l" t="t" r="r" b="b"/>
+              <a:pathLst>
+                <a:path w="958983" h="801876">
+                  <a:moveTo>
+                    <a:pt x="505777" y="14854"/>
+                  </a:moveTo>
+                  <a:lnTo>
+                    <a:pt x="953474" y="758232"/>
+                  </a:lnTo>
+                  <a:cubicBezTo>
+                    <a:pt x="958830" y="767125"/>
+                    <a:pt x="958984" y="778212"/>
+                    <a:pt x="953876" y="787250"/>
+                  </a:cubicBezTo>
+                  <a:cubicBezTo>
+                    <a:pt x="948769" y="796288"/>
+                    <a:pt x="939192" y="801876"/>
+                    <a:pt x="928811" y="801876"/>
+                  </a:cubicBezTo>
+                  <a:lnTo>
+                    <a:pt x="30173" y="801876"/>
+                  </a:lnTo>
+                  <a:cubicBezTo>
+                    <a:pt x="19792" y="801876"/>
+                    <a:pt x="10215" y="796288"/>
+                    <a:pt x="5108" y="787250"/>
+                  </a:cubicBezTo>
+                  <a:cubicBezTo>
+                    <a:pt x="0" y="778212"/>
+                    <a:pt x="154" y="767125"/>
+                    <a:pt x="5510" y="758232"/>
+                  </a:cubicBezTo>
+                  <a:lnTo>
+                    <a:pt x="453207" y="14854"/>
+                  </a:lnTo>
+                  <a:cubicBezTo>
+                    <a:pt x="458758" y="5636"/>
+                    <a:pt x="468732" y="0"/>
+                    <a:pt x="479492" y="0"/>
+                  </a:cubicBezTo>
+                  <a:cubicBezTo>
+                    <a:pt x="490252" y="0"/>
+                    <a:pt x="500226" y="5636"/>
+                    <a:pt x="505777" y="14854"/>
+                  </a:cubicBezTo>
+                  <a:close/>
+                </a:path>
+              </a:pathLst>
+            </a:custGeom>
+            <a:solidFill>
+              <a:srgbClr val="000000">
+                <a:alpha val="0"/>
+              </a:srgbClr>
+            </a:solidFill>
+            <a:ln w="38100" cap="rnd">
+              <a:solidFill>
+                <a:srgbClr val="CACACA">
+                  <a:alpha val="29804"/>
+                </a:srgbClr>
+              </a:solidFill>
+              <a:prstDash val="solid"/>
+              <a:round/>
+            </a:ln>
+          </p:spPr>
+          <p:txBody>
+            <a:bodyPr/>
+            <a:lstStyle/>
+            <a:p>
+              <a:endParaRPr lang="en-US"/>
+            </a:p>
+          </p:txBody>
+        </p:sp>
+        <p:sp>
+          <p:nvSpPr>
+            <p:cNvPr id="19" name="TextBox 19"/>
+            <p:cNvSpPr txBox="1"/>
+            <p:nvPr/>
+          </p:nvSpPr>
+          <p:spPr>
+            <a:xfrm>
+              <a:off x="156333" y="347567"/>
+              <a:ext cx="687867" cy="423767"/>
+            </a:xfrm>
+            <a:prstGeom prst="rect">
+              <a:avLst/>
+            </a:prstGeom>
+          </p:spPr>
+          <p:txBody>
+            <a:bodyPr lIns="50800" tIns="50800" rIns="50800" bIns="50800" rtlCol="0" anchor="ctr"/>
+            <a:lstStyle/>
+            <a:p>
+              <a:pPr algn="ctr">
+                <a:lnSpc>
+                  <a:spcPts val="2659"/>
+                </a:lnSpc>
+              </a:pPr>
+              <a:endParaRPr/>
+            </a:p>
+          </p:txBody>
+        </p:sp>
+      </p:grpSp>
+      <p:grpSp>
+        <p:nvGrpSpPr>
+          <p:cNvPr id="20" name="Group 20"/>
+          <p:cNvGrpSpPr/>
+          <p:nvPr/>
+        </p:nvGrpSpPr>
+        <p:grpSpPr>
+          <a:xfrm>
+            <a:off x="1028700" y="2026771"/>
+            <a:ext cx="16230600" cy="7231529"/>
+            <a:chOff x="0" y="0"/>
+            <a:chExt cx="4274726" cy="1904600"/>
+          </a:xfrm>
+        </p:grpSpPr>
+        <p:sp>
+          <p:nvSpPr>
+            <p:cNvPr id="21" name="Freeform 21"/>
+            <p:cNvSpPr/>
+            <p:nvPr/>
+          </p:nvSpPr>
+          <p:spPr>
+            <a:xfrm>
+              <a:off x="0" y="0"/>
+              <a:ext cx="4274726" cy="1904600"/>
+            </a:xfrm>
+            <a:custGeom>
+              <a:avLst/>
+              <a:gdLst/>
+              <a:ahLst/>
+              <a:cxnLst/>
+              <a:rect l="l" t="t" r="r" b="b"/>
+              <a:pathLst>
+                <a:path w="4274726" h="1904600">
+                  <a:moveTo>
+                    <a:pt x="3816" y="0"/>
+                  </a:moveTo>
+                  <a:lnTo>
+                    <a:pt x="4270910" y="0"/>
+                  </a:lnTo>
+                  <a:cubicBezTo>
+                    <a:pt x="4271922" y="0"/>
+                    <a:pt x="4272893" y="402"/>
+                    <a:pt x="4273608" y="1118"/>
+                  </a:cubicBezTo>
+                  <a:cubicBezTo>
+                    <a:pt x="4274324" y="1833"/>
+                    <a:pt x="4274726" y="2804"/>
+                    <a:pt x="4274726" y="3816"/>
+                  </a:cubicBezTo>
+                  <a:lnTo>
+                    <a:pt x="4274726" y="1900784"/>
+                  </a:lnTo>
+                  <a:cubicBezTo>
+                    <a:pt x="4274726" y="1901796"/>
+                    <a:pt x="4274324" y="1902767"/>
+                    <a:pt x="4273608" y="1903482"/>
+                  </a:cubicBezTo>
+                  <a:cubicBezTo>
+                    <a:pt x="4272893" y="1904198"/>
+                    <a:pt x="4271922" y="1904600"/>
+                    <a:pt x="4270910" y="1904600"/>
+                  </a:cubicBezTo>
+                  <a:lnTo>
+                    <a:pt x="3816" y="1904600"/>
+                  </a:lnTo>
+                  <a:cubicBezTo>
+                    <a:pt x="2804" y="1904600"/>
+                    <a:pt x="1833" y="1904198"/>
+                    <a:pt x="1118" y="1903482"/>
+                  </a:cubicBezTo>
+                  <a:cubicBezTo>
+                    <a:pt x="402" y="1902767"/>
+                    <a:pt x="0" y="1901796"/>
+                    <a:pt x="0" y="1900784"/>
+                  </a:cubicBezTo>
+                  <a:lnTo>
+                    <a:pt x="0" y="3816"/>
+                  </a:lnTo>
+                  <a:cubicBezTo>
+                    <a:pt x="0" y="2804"/>
+                    <a:pt x="402" y="1833"/>
+                    <a:pt x="1118" y="1118"/>
+                  </a:cubicBezTo>
+                  <a:cubicBezTo>
+                    <a:pt x="1833" y="402"/>
+                    <a:pt x="2804" y="0"/>
+                    <a:pt x="3816" y="0"/>
+                  </a:cubicBezTo>
+                  <a:close/>
+                </a:path>
+              </a:pathLst>
+            </a:custGeom>
+            <a:solidFill>
+              <a:srgbClr val="000000">
+                <a:alpha val="0"/>
+              </a:srgbClr>
+            </a:solidFill>
+            <a:ln w="38100" cap="sq">
+              <a:solidFill>
+                <a:srgbClr val="0D291F"/>
+              </a:solidFill>
+              <a:prstDash val="solid"/>
+              <a:miter/>
+            </a:ln>
+          </p:spPr>
+          <p:txBody>
+            <a:bodyPr/>
+            <a:lstStyle/>
+            <a:p>
+              <a:endParaRPr lang="en-US"/>
+            </a:p>
+          </p:txBody>
+        </p:sp>
+        <p:sp>
+          <p:nvSpPr>
+            <p:cNvPr id="22" name="TextBox 22"/>
+            <p:cNvSpPr txBox="1"/>
+            <p:nvPr/>
+          </p:nvSpPr>
+          <p:spPr>
+            <a:xfrm>
+              <a:off x="0" y="-38100"/>
+              <a:ext cx="4274726" cy="1942700"/>
+            </a:xfrm>
+            <a:prstGeom prst="rect">
+              <a:avLst/>
+            </a:prstGeom>
+          </p:spPr>
+          <p:txBody>
+            <a:bodyPr lIns="50800" tIns="50800" rIns="50800" bIns="50800" rtlCol="0" anchor="ctr"/>
+            <a:lstStyle/>
+            <a:p>
+              <a:pPr algn="ctr">
+                <a:lnSpc>
+                  <a:spcPts val="2659"/>
+                </a:lnSpc>
+              </a:pPr>
+              <a:endParaRPr/>
+            </a:p>
+          </p:txBody>
+        </p:sp>
+      </p:grpSp>
+      <p:grpSp>
+        <p:nvGrpSpPr>
+          <p:cNvPr id="23" name="Group 23"/>
+          <p:cNvGrpSpPr/>
+          <p:nvPr/>
+        </p:nvGrpSpPr>
+        <p:grpSpPr>
+          <a:xfrm>
+            <a:off x="2027520" y="10081079"/>
+            <a:ext cx="2170062" cy="788923"/>
+            <a:chOff x="0" y="0"/>
+            <a:chExt cx="1956272" cy="711200"/>
+          </a:xfrm>
+        </p:grpSpPr>
+        <p:sp>
+          <p:nvSpPr>
+            <p:cNvPr id="24" name="Freeform 24"/>
+            <p:cNvSpPr/>
+            <p:nvPr/>
+          </p:nvSpPr>
+          <p:spPr>
+            <a:xfrm>
+              <a:off x="57730" y="21180"/>
+              <a:ext cx="1840812" cy="690020"/>
+            </a:xfrm>
+            <a:custGeom>
+              <a:avLst/>
+              <a:gdLst/>
+              <a:ahLst/>
+              <a:cxnLst/>
+              <a:rect l="l" t="t" r="r" b="b"/>
+              <a:pathLst>
+                <a:path w="1840812" h="690020">
+                  <a:moveTo>
+                    <a:pt x="992543" y="31271"/>
+                  </a:moveTo>
+                  <a:lnTo>
+                    <a:pt x="1826404" y="637569"/>
+                  </a:lnTo>
+                  <a:cubicBezTo>
+                    <a:pt x="1836563" y="644956"/>
+                    <a:pt x="1840812" y="658043"/>
+                    <a:pt x="1836928" y="669988"/>
+                  </a:cubicBezTo>
+                  <a:cubicBezTo>
+                    <a:pt x="1833045" y="681933"/>
+                    <a:pt x="1821912" y="690020"/>
+                    <a:pt x="1809352" y="690020"/>
+                  </a:cubicBezTo>
+                  <a:lnTo>
+                    <a:pt x="31460" y="690020"/>
+                  </a:lnTo>
+                  <a:cubicBezTo>
+                    <a:pt x="18900" y="690020"/>
+                    <a:pt x="7767" y="681933"/>
+                    <a:pt x="3883" y="669988"/>
+                  </a:cubicBezTo>
+                  <a:cubicBezTo>
+                    <a:pt x="0" y="658043"/>
+                    <a:pt x="4248" y="644956"/>
+                    <a:pt x="14407" y="637569"/>
+                  </a:cubicBezTo>
+                  <a:lnTo>
+                    <a:pt x="848269" y="31271"/>
+                  </a:lnTo>
+                  <a:cubicBezTo>
+                    <a:pt x="891277" y="0"/>
+                    <a:pt x="949535" y="0"/>
+                    <a:pt x="992543" y="31271"/>
+                  </a:cubicBezTo>
+                  <a:close/>
+                </a:path>
+              </a:pathLst>
+            </a:custGeom>
+            <a:solidFill>
+              <a:srgbClr val="000000">
+                <a:alpha val="0"/>
+              </a:srgbClr>
+            </a:solidFill>
+            <a:ln w="38100" cap="rnd">
+              <a:solidFill>
+                <a:srgbClr val="CACACA">
+                  <a:alpha val="29804"/>
+                </a:srgbClr>
+              </a:solidFill>
+              <a:prstDash val="solid"/>
+              <a:round/>
+            </a:ln>
+          </p:spPr>
+          <p:txBody>
+            <a:bodyPr/>
+            <a:lstStyle/>
+            <a:p>
+              <a:endParaRPr lang="en-US"/>
+            </a:p>
+          </p:txBody>
+        </p:sp>
+        <p:sp>
+          <p:nvSpPr>
+            <p:cNvPr id="25" name="TextBox 25"/>
+            <p:cNvSpPr txBox="1"/>
+            <p:nvPr/>
+          </p:nvSpPr>
+          <p:spPr>
+            <a:xfrm>
+              <a:off x="305667" y="292100"/>
+              <a:ext cx="1344937" cy="368300"/>
+            </a:xfrm>
+            <a:prstGeom prst="rect">
+              <a:avLst/>
+            </a:prstGeom>
+          </p:spPr>
+          <p:txBody>
+            <a:bodyPr lIns="50800" tIns="50800" rIns="50800" bIns="50800" rtlCol="0" anchor="ctr"/>
+            <a:lstStyle/>
+            <a:p>
+              <a:pPr algn="ctr">
+                <a:lnSpc>
+                  <a:spcPts val="2659"/>
+                </a:lnSpc>
+              </a:pPr>
+              <a:endParaRPr/>
+            </a:p>
+          </p:txBody>
+        </p:sp>
+      </p:grpSp>
+      <p:grpSp>
+        <p:nvGrpSpPr>
+          <p:cNvPr id="26" name="Group 26"/>
+          <p:cNvGrpSpPr/>
+          <p:nvPr/>
+        </p:nvGrpSpPr>
+        <p:grpSpPr>
+          <a:xfrm rot="5008937">
+            <a:off x="3804873" y="7300455"/>
+            <a:ext cx="3314236" cy="2700338"/>
+            <a:chOff x="0" y="0"/>
+            <a:chExt cx="872885" cy="711200"/>
+          </a:xfrm>
+        </p:grpSpPr>
+        <p:sp>
+          <p:nvSpPr>
+            <p:cNvPr id="27" name="Freeform 27"/>
+            <p:cNvSpPr/>
+            <p:nvPr/>
+          </p:nvSpPr>
+          <p:spPr>
+            <a:xfrm>
+              <a:off x="24102" y="32681"/>
+              <a:ext cx="824682" cy="678519"/>
+            </a:xfrm>
+            <a:custGeom>
+              <a:avLst/>
+              <a:gdLst/>
+              <a:ahLst/>
+              <a:cxnLst/>
+              <a:rect l="l" t="t" r="r" b="b"/>
+              <a:pathLst>
+                <a:path w="824682" h="678519">
+                  <a:moveTo>
+                    <a:pt x="442885" y="17093"/>
+                  </a:moveTo>
+                  <a:lnTo>
+                    <a:pt x="818238" y="628745"/>
+                  </a:lnTo>
+                  <a:cubicBezTo>
+                    <a:pt x="824427" y="638830"/>
+                    <a:pt x="824681" y="651472"/>
+                    <a:pt x="818903" y="661798"/>
+                  </a:cubicBezTo>
+                  <a:cubicBezTo>
+                    <a:pt x="813125" y="672123"/>
+                    <a:pt x="802217" y="678519"/>
+                    <a:pt x="790384" y="678519"/>
+                  </a:cubicBezTo>
+                  <a:lnTo>
+                    <a:pt x="34297" y="678519"/>
+                  </a:lnTo>
+                  <a:cubicBezTo>
+                    <a:pt x="22465" y="678519"/>
+                    <a:pt x="11556" y="672123"/>
+                    <a:pt x="5778" y="661798"/>
+                  </a:cubicBezTo>
+                  <a:cubicBezTo>
+                    <a:pt x="0" y="651472"/>
+                    <a:pt x="254" y="638830"/>
+                    <a:pt x="6443" y="628745"/>
+                  </a:cubicBezTo>
+                  <a:lnTo>
+                    <a:pt x="381796" y="17093"/>
+                  </a:lnTo>
+                  <a:cubicBezTo>
+                    <a:pt x="388313" y="6472"/>
+                    <a:pt x="399880" y="0"/>
+                    <a:pt x="412341" y="0"/>
+                  </a:cubicBezTo>
+                  <a:cubicBezTo>
+                    <a:pt x="424802" y="0"/>
+                    <a:pt x="436368" y="6472"/>
+                    <a:pt x="442885" y="17093"/>
+                  </a:cubicBezTo>
+                  <a:close/>
+                </a:path>
+              </a:pathLst>
+            </a:custGeom>
+            <a:solidFill>
+              <a:srgbClr val="000000">
+                <a:alpha val="0"/>
+              </a:srgbClr>
+            </a:solidFill>
+            <a:ln w="38100" cap="rnd">
+              <a:solidFill>
+                <a:srgbClr val="CACACA">
+                  <a:alpha val="29804"/>
+                </a:srgbClr>
+              </a:solidFill>
+              <a:prstDash val="solid"/>
+              <a:round/>
+            </a:ln>
+          </p:spPr>
+          <p:txBody>
+            <a:bodyPr/>
+            <a:lstStyle/>
+            <a:p>
+              <a:endParaRPr lang="en-US"/>
+            </a:p>
+          </p:txBody>
+        </p:sp>
+        <p:sp>
+          <p:nvSpPr>
+            <p:cNvPr id="28" name="TextBox 28"/>
+            <p:cNvSpPr txBox="1"/>
+            <p:nvPr/>
+          </p:nvSpPr>
+          <p:spPr>
+            <a:xfrm>
+              <a:off x="136388" y="292100"/>
+              <a:ext cx="600109" cy="368300"/>
+            </a:xfrm>
+            <a:prstGeom prst="rect">
+              <a:avLst/>
+            </a:prstGeom>
+          </p:spPr>
+          <p:txBody>
+            <a:bodyPr lIns="50800" tIns="50800" rIns="50800" bIns="50800" rtlCol="0" anchor="ctr"/>
+            <a:lstStyle/>
+            <a:p>
+              <a:pPr algn="ctr">
+                <a:lnSpc>
+                  <a:spcPts val="2659"/>
+                </a:lnSpc>
+              </a:pPr>
+              <a:endParaRPr/>
+            </a:p>
+          </p:txBody>
+        </p:sp>
+      </p:grpSp>
+      <p:grpSp>
+        <p:nvGrpSpPr>
+          <p:cNvPr id="29" name="Group 29"/>
+          <p:cNvGrpSpPr/>
+          <p:nvPr/>
+        </p:nvGrpSpPr>
+        <p:grpSpPr>
+          <a:xfrm rot="500708">
+            <a:off x="4285992" y="8395496"/>
+            <a:ext cx="5256909" cy="2700338"/>
+            <a:chOff x="0" y="0"/>
+            <a:chExt cx="1384536" cy="711200"/>
+          </a:xfrm>
+        </p:grpSpPr>
+        <p:sp>
+          <p:nvSpPr>
+            <p:cNvPr id="30" name="Freeform 30"/>
+            <p:cNvSpPr/>
+            <p:nvPr/>
+          </p:nvSpPr>
+          <p:spPr>
+            <a:xfrm>
+              <a:off x="20069" y="15542"/>
+              <a:ext cx="1344397" cy="695658"/>
+            </a:xfrm>
+            <a:custGeom>
+              <a:avLst/>
+              <a:gdLst/>
+              <a:ahLst/>
+              <a:cxnLst/>
+              <a:rect l="l" t="t" r="r" b="b"/>
+              <a:pathLst>
+                <a:path w="1344397" h="695658">
+                  <a:moveTo>
+                    <a:pt x="697880" y="10841"/>
+                  </a:moveTo>
+                  <a:lnTo>
+                    <a:pt x="1338786" y="669275"/>
+                  </a:lnTo>
+                  <a:cubicBezTo>
+                    <a:pt x="1343144" y="673752"/>
+                    <a:pt x="1344398" y="680404"/>
+                    <a:pt x="1341968" y="686160"/>
+                  </a:cubicBezTo>
+                  <a:cubicBezTo>
+                    <a:pt x="1339538" y="691916"/>
+                    <a:pt x="1333897" y="695658"/>
+                    <a:pt x="1327649" y="695658"/>
+                  </a:cubicBezTo>
+                  <a:lnTo>
+                    <a:pt x="16749" y="695658"/>
+                  </a:lnTo>
+                  <a:cubicBezTo>
+                    <a:pt x="10501" y="695658"/>
+                    <a:pt x="4860" y="691916"/>
+                    <a:pt x="2430" y="686160"/>
+                  </a:cubicBezTo>
+                  <a:cubicBezTo>
+                    <a:pt x="0" y="680404"/>
+                    <a:pt x="1254" y="673752"/>
+                    <a:pt x="5612" y="669275"/>
+                  </a:cubicBezTo>
+                  <a:lnTo>
+                    <a:pt x="646518" y="10841"/>
+                  </a:lnTo>
+                  <a:cubicBezTo>
+                    <a:pt x="653265" y="3910"/>
+                    <a:pt x="662527" y="0"/>
+                    <a:pt x="672199" y="0"/>
+                  </a:cubicBezTo>
+                  <a:cubicBezTo>
+                    <a:pt x="681871" y="0"/>
+                    <a:pt x="691133" y="3910"/>
+                    <a:pt x="697880" y="10841"/>
+                  </a:cubicBezTo>
+                  <a:close/>
+                </a:path>
+              </a:pathLst>
+            </a:custGeom>
+            <a:solidFill>
+              <a:srgbClr val="000000">
+                <a:alpha val="0"/>
+              </a:srgbClr>
+            </a:solidFill>
+            <a:ln w="38100" cap="rnd">
+              <a:solidFill>
+                <a:srgbClr val="CACACA">
+                  <a:alpha val="29804"/>
+                </a:srgbClr>
+              </a:solidFill>
+              <a:prstDash val="solid"/>
+              <a:round/>
+            </a:ln>
+          </p:spPr>
+          <p:txBody>
+            <a:bodyPr/>
+            <a:lstStyle/>
+            <a:p>
+              <a:endParaRPr lang="en-US"/>
+            </a:p>
+          </p:txBody>
+        </p:sp>
+        <p:sp>
+          <p:nvSpPr>
+            <p:cNvPr id="31" name="TextBox 31"/>
+            <p:cNvSpPr txBox="1"/>
+            <p:nvPr/>
+          </p:nvSpPr>
+          <p:spPr>
+            <a:xfrm>
+              <a:off x="216334" y="292100"/>
+              <a:ext cx="951868" cy="368300"/>
+            </a:xfrm>
+            <a:prstGeom prst="rect">
+              <a:avLst/>
+            </a:prstGeom>
+          </p:spPr>
+          <p:txBody>
+            <a:bodyPr lIns="50800" tIns="50800" rIns="50800" bIns="50800" rtlCol="0" anchor="ctr"/>
+            <a:lstStyle/>
+            <a:p>
+              <a:pPr algn="ctr">
+                <a:lnSpc>
+                  <a:spcPts val="2659"/>
+                </a:lnSpc>
+              </a:pPr>
+              <a:endParaRPr/>
+            </a:p>
+          </p:txBody>
+        </p:sp>
+      </p:grpSp>
+      <p:grpSp>
+        <p:nvGrpSpPr>
+          <p:cNvPr id="32" name="Group 32"/>
+          <p:cNvGrpSpPr/>
+          <p:nvPr/>
+        </p:nvGrpSpPr>
+        <p:grpSpPr>
+          <a:xfrm rot="2562940">
+            <a:off x="1840309" y="3475961"/>
+            <a:ext cx="3299599" cy="2700338"/>
+            <a:chOff x="0" y="0"/>
+            <a:chExt cx="869030" cy="711200"/>
+          </a:xfrm>
+        </p:grpSpPr>
+        <p:sp>
+          <p:nvSpPr>
+            <p:cNvPr id="33" name="Freeform 33"/>
+            <p:cNvSpPr/>
+            <p:nvPr/>
+          </p:nvSpPr>
+          <p:spPr>
+            <a:xfrm>
+              <a:off x="24140" y="32902"/>
+              <a:ext cx="820750" cy="678298"/>
+            </a:xfrm>
+            <a:custGeom>
+              <a:avLst/>
+              <a:gdLst/>
+              <a:ahLst/>
+              <a:cxnLst/>
+              <a:rect l="l" t="t" r="r" b="b"/>
+              <a:pathLst>
+                <a:path w="820750" h="678298">
+                  <a:moveTo>
+                    <a:pt x="440957" y="17153"/>
+                  </a:moveTo>
+                  <a:lnTo>
+                    <a:pt x="814308" y="628243"/>
+                  </a:lnTo>
+                  <a:cubicBezTo>
+                    <a:pt x="820513" y="638398"/>
+                    <a:pt x="820750" y="651112"/>
+                    <a:pt x="814928" y="661492"/>
+                  </a:cubicBezTo>
+                  <a:cubicBezTo>
+                    <a:pt x="809106" y="671871"/>
+                    <a:pt x="798133" y="678298"/>
+                    <a:pt x="786232" y="678298"/>
+                  </a:cubicBezTo>
+                  <a:lnTo>
+                    <a:pt x="34518" y="678298"/>
+                  </a:lnTo>
+                  <a:cubicBezTo>
+                    <a:pt x="22617" y="678298"/>
+                    <a:pt x="11644" y="671871"/>
+                    <a:pt x="5822" y="661492"/>
+                  </a:cubicBezTo>
+                  <a:cubicBezTo>
+                    <a:pt x="0" y="651112"/>
+                    <a:pt x="237" y="638398"/>
+                    <a:pt x="6442" y="628243"/>
+                  </a:cubicBezTo>
+                  <a:lnTo>
+                    <a:pt x="379793" y="17153"/>
+                  </a:lnTo>
+                  <a:cubicBezTo>
+                    <a:pt x="386303" y="6498"/>
+                    <a:pt x="397889" y="0"/>
+                    <a:pt x="410375" y="0"/>
+                  </a:cubicBezTo>
+                  <a:cubicBezTo>
+                    <a:pt x="422861" y="0"/>
+                    <a:pt x="434447" y="6498"/>
+                    <a:pt x="440957" y="17153"/>
+                  </a:cubicBezTo>
+                  <a:close/>
+                </a:path>
+              </a:pathLst>
+            </a:custGeom>
+            <a:solidFill>
+              <a:srgbClr val="000000">
+                <a:alpha val="0"/>
+              </a:srgbClr>
+            </a:solidFill>
+            <a:ln w="38100" cap="rnd">
+              <a:solidFill>
+                <a:srgbClr val="CACACA">
+                  <a:alpha val="29804"/>
+                </a:srgbClr>
+              </a:solidFill>
+              <a:prstDash val="solid"/>
+              <a:round/>
+            </a:ln>
+          </p:spPr>
+          <p:txBody>
+            <a:bodyPr/>
+            <a:lstStyle/>
+            <a:p>
+              <a:endParaRPr lang="en-US"/>
+            </a:p>
+          </p:txBody>
+        </p:sp>
+        <p:sp>
+          <p:nvSpPr>
+            <p:cNvPr id="34" name="TextBox 34"/>
+            <p:cNvSpPr txBox="1"/>
+            <p:nvPr/>
+          </p:nvSpPr>
+          <p:spPr>
+            <a:xfrm>
+              <a:off x="135786" y="292100"/>
+              <a:ext cx="597458" cy="368300"/>
+            </a:xfrm>
+            <a:prstGeom prst="rect">
+              <a:avLst/>
+            </a:prstGeom>
+          </p:spPr>
+          <p:txBody>
+            <a:bodyPr lIns="50800" tIns="50800" rIns="50800" bIns="50800" rtlCol="0" anchor="ctr"/>
+            <a:lstStyle/>
+            <a:p>
+              <a:pPr algn="ctr">
+                <a:lnSpc>
+                  <a:spcPts val="2659"/>
+                </a:lnSpc>
+              </a:pPr>
+              <a:endParaRPr/>
+            </a:p>
+          </p:txBody>
+        </p:sp>
+      </p:grpSp>
+      <p:grpSp>
+        <p:nvGrpSpPr>
+          <p:cNvPr id="35" name="Group 35"/>
+          <p:cNvGrpSpPr/>
+          <p:nvPr/>
+        </p:nvGrpSpPr>
+        <p:grpSpPr>
+          <a:xfrm rot="3684998">
+            <a:off x="4381538" y="4269048"/>
+            <a:ext cx="2652117" cy="3510222"/>
+            <a:chOff x="0" y="0"/>
+            <a:chExt cx="698500" cy="924503"/>
+          </a:xfrm>
+        </p:grpSpPr>
+        <p:sp>
+          <p:nvSpPr>
+            <p:cNvPr id="36" name="Freeform 36"/>
+            <p:cNvSpPr/>
+            <p:nvPr/>
+          </p:nvSpPr>
+          <p:spPr>
+            <a:xfrm>
+              <a:off x="0" y="12043"/>
+              <a:ext cx="698500" cy="900417"/>
+            </a:xfrm>
+            <a:custGeom>
+              <a:avLst/>
+              <a:gdLst/>
+              <a:ahLst/>
+              <a:cxnLst/>
+              <a:rect l="l" t="t" r="r" b="b"/>
+              <a:pathLst>
+                <a:path w="698500" h="900417">
+                  <a:moveTo>
+                    <a:pt x="403459" y="19496"/>
+                  </a:moveTo>
+                  <a:lnTo>
+                    <a:pt x="644291" y="159618"/>
+                  </a:lnTo>
+                  <a:cubicBezTo>
+                    <a:pt x="677853" y="179144"/>
+                    <a:pt x="698500" y="215044"/>
+                    <a:pt x="698500" y="253873"/>
+                  </a:cubicBezTo>
+                  <a:lnTo>
+                    <a:pt x="698500" y="646544"/>
+                  </a:lnTo>
+                  <a:cubicBezTo>
+                    <a:pt x="698500" y="685373"/>
+                    <a:pt x="677853" y="721272"/>
+                    <a:pt x="644291" y="740799"/>
+                  </a:cubicBezTo>
+                  <a:lnTo>
+                    <a:pt x="403459" y="880920"/>
+                  </a:lnTo>
+                  <a:cubicBezTo>
+                    <a:pt x="369949" y="900417"/>
+                    <a:pt x="328551" y="900417"/>
+                    <a:pt x="295041" y="880920"/>
+                  </a:cubicBezTo>
+                  <a:lnTo>
+                    <a:pt x="54209" y="740799"/>
+                  </a:lnTo>
+                  <a:cubicBezTo>
+                    <a:pt x="20647" y="721272"/>
+                    <a:pt x="0" y="685373"/>
+                    <a:pt x="0" y="646544"/>
+                  </a:cubicBezTo>
+                  <a:lnTo>
+                    <a:pt x="0" y="253873"/>
+                  </a:lnTo>
+                  <a:cubicBezTo>
+                    <a:pt x="0" y="215044"/>
+                    <a:pt x="20647" y="179144"/>
+                    <a:pt x="54209" y="159618"/>
+                  </a:cubicBezTo>
+                  <a:lnTo>
+                    <a:pt x="295041" y="19496"/>
+                  </a:lnTo>
+                  <a:cubicBezTo>
+                    <a:pt x="328551" y="0"/>
+                    <a:pt x="369949" y="0"/>
+                    <a:pt x="403459" y="19496"/>
+                  </a:cubicBezTo>
+                  <a:close/>
+                </a:path>
+              </a:pathLst>
+            </a:custGeom>
+            <a:solidFill>
+              <a:srgbClr val="000000">
+                <a:alpha val="0"/>
+              </a:srgbClr>
+            </a:solidFill>
+            <a:ln w="38100" cap="rnd">
+              <a:solidFill>
+                <a:srgbClr val="CACACA">
+                  <a:alpha val="29804"/>
+                </a:srgbClr>
+              </a:solidFill>
+              <a:prstDash val="solid"/>
+              <a:round/>
+            </a:ln>
+          </p:spPr>
+          <p:txBody>
+            <a:bodyPr/>
+            <a:lstStyle/>
+            <a:p>
+              <a:endParaRPr lang="en-US"/>
+            </a:p>
+          </p:txBody>
+        </p:sp>
+        <p:sp>
+          <p:nvSpPr>
+            <p:cNvPr id="37" name="TextBox 37"/>
+            <p:cNvSpPr txBox="1"/>
+            <p:nvPr/>
+          </p:nvSpPr>
+          <p:spPr>
+            <a:xfrm>
+              <a:off x="0" y="101600"/>
+              <a:ext cx="698500" cy="683203"/>
+            </a:xfrm>
+            <a:prstGeom prst="rect">
+              <a:avLst/>
+            </a:prstGeom>
+          </p:spPr>
+          <p:txBody>
+            <a:bodyPr lIns="50800" tIns="50800" rIns="50800" bIns="50800" rtlCol="0" anchor="ctr"/>
+            <a:lstStyle/>
+            <a:p>
+              <a:pPr algn="ctr">
+                <a:lnSpc>
+                  <a:spcPts val="2659"/>
+                </a:lnSpc>
+              </a:pPr>
+              <a:endParaRPr/>
+            </a:p>
+          </p:txBody>
+        </p:sp>
+      </p:grpSp>
+      <p:sp>
+        <p:nvSpPr>
+          <p:cNvPr id="38" name="Freeform 38"/>
+          <p:cNvSpPr/>
+          <p:nvPr/>
+        </p:nvSpPr>
+        <p:spPr>
+          <a:xfrm>
+            <a:off x="14699011" y="8009260"/>
+            <a:ext cx="2449657" cy="1168778"/>
+          </a:xfrm>
+          <a:custGeom>
+            <a:avLst/>
+            <a:gdLst/>
+            <a:ahLst/>
+            <a:cxnLst/>
+            <a:rect l="l" t="t" r="r" b="b"/>
+            <a:pathLst>
+              <a:path w="2449657" h="1168778">
+                <a:moveTo>
+                  <a:pt x="0" y="0"/>
+                </a:moveTo>
+                <a:lnTo>
+                  <a:pt x="2449657" y="0"/>
+                </a:lnTo>
+                <a:lnTo>
+                  <a:pt x="2449657" y="1168778"/>
+                </a:lnTo>
+                <a:lnTo>
+                  <a:pt x="0" y="1168778"/>
+                </a:lnTo>
+                <a:lnTo>
+                  <a:pt x="0" y="0"/>
+                </a:lnTo>
+                <a:close/>
+              </a:path>
+            </a:pathLst>
+          </a:custGeom>
+          <a:blipFill>
+            <a:blip r:embed="rId2"/>
+            <a:stretch>
+              <a:fillRect t="-1087" b="-1087"/>
+            </a:stretch>
+          </a:blipFill>
+        </p:spPr>
+        <p:txBody>
+          <a:bodyPr/>
+          <a:lstStyle/>
+          <a:p>
+            <a:endParaRPr lang="en-US"/>
+          </a:p>
+        </p:txBody>
+      </p:sp>
+      <p:sp>
+        <p:nvSpPr>
+          <p:cNvPr id="39" name="Freeform 39"/>
+          <p:cNvSpPr/>
+          <p:nvPr/>
+        </p:nvSpPr>
+        <p:spPr>
+          <a:xfrm>
+            <a:off x="11410475" y="2345237"/>
+            <a:ext cx="4958004" cy="5345557"/>
+          </a:xfrm>
+          <a:custGeom>
+            <a:avLst/>
+            <a:gdLst/>
+            <a:ahLst/>
+            <a:cxnLst/>
+            <a:rect l="l" t="t" r="r" b="b"/>
+            <a:pathLst>
+              <a:path w="4958004" h="5345557">
+                <a:moveTo>
+                  <a:pt x="0" y="0"/>
+                </a:moveTo>
+                <a:lnTo>
+                  <a:pt x="4958004" y="0"/>
+                </a:lnTo>
+                <a:lnTo>
+                  <a:pt x="4958004" y="5345557"/>
+                </a:lnTo>
+                <a:lnTo>
+                  <a:pt x="0" y="5345557"/>
+                </a:lnTo>
+                <a:lnTo>
+                  <a:pt x="0" y="0"/>
+                </a:lnTo>
+                <a:close/>
+              </a:path>
+            </a:pathLst>
+          </a:custGeom>
+          <a:blipFill>
+            <a:blip r:embed="rId3"/>
+            <a:stretch>
+              <a:fillRect/>
+            </a:stretch>
+          </a:blipFill>
+        </p:spPr>
+        <p:txBody>
+          <a:bodyPr/>
+          <a:lstStyle/>
+          <a:p>
+            <a:endParaRPr lang="en-US"/>
+          </a:p>
+        </p:txBody>
+      </p:sp>
+      <p:sp>
+        <p:nvSpPr>
+          <p:cNvPr id="40" name="TextBox 40"/>
+          <p:cNvSpPr txBox="1"/>
+          <p:nvPr/>
+        </p:nvSpPr>
+        <p:spPr>
+          <a:xfrm>
+            <a:off x="1271082" y="558110"/>
+            <a:ext cx="15988218" cy="1234401"/>
+          </a:xfrm>
+          <a:prstGeom prst="rect">
+            <a:avLst/>
+          </a:prstGeom>
+        </p:spPr>
+        <p:txBody>
+          <a:bodyPr lIns="0" tIns="0" rIns="0" bIns="0" rtlCol="0" anchor="t">
+            <a:spAutoFit/>
+          </a:bodyPr>
+          <a:lstStyle/>
+          <a:p>
+            <a:pPr algn="ctr">
+              <a:lnSpc>
+                <a:spcPts val="9660"/>
+              </a:lnSpc>
+            </a:pPr>
+            <a:r>
+              <a:rPr lang="en-US" sz="6900" b="1">
+                <a:solidFill>
+                  <a:srgbClr val="FFFEF9"/>
+                </a:solidFill>
+                <a:latin typeface="Poppins Bold"/>
+                <a:ea typeface="Poppins Bold"/>
+                <a:cs typeface="Poppins Bold"/>
+                <a:sym typeface="Poppins Bold"/>
+              </a:rPr>
+              <a:t>Feedback Results</a:t>
+            </a:r>
+          </a:p>
+        </p:txBody>
+      </p:sp>
+      <p:sp>
+        <p:nvSpPr>
+          <p:cNvPr id="41" name="TextBox 41"/>
+          <p:cNvSpPr txBox="1"/>
+          <p:nvPr/>
+        </p:nvSpPr>
+        <p:spPr>
+          <a:xfrm>
+            <a:off x="1271082" y="2440342"/>
+            <a:ext cx="8115300" cy="4690691"/>
+          </a:xfrm>
+          <a:prstGeom prst="rect">
+            <a:avLst/>
+          </a:prstGeom>
+        </p:spPr>
+        <p:txBody>
+          <a:bodyPr lIns="0" tIns="0" rIns="0" bIns="0" rtlCol="0" anchor="t">
+            <a:spAutoFit/>
+          </a:bodyPr>
+          <a:lstStyle/>
+          <a:p>
+            <a:pPr algn="l">
+              <a:lnSpc>
+                <a:spcPts val="3779"/>
+              </a:lnSpc>
+            </a:pPr>
+            <a:r>
+              <a:rPr lang="en-US" sz="2699" b="1">
+                <a:solidFill>
+                  <a:srgbClr val="000000"/>
+                </a:solidFill>
+                <a:latin typeface="Poppins Bold"/>
+                <a:ea typeface="Poppins Bold"/>
+                <a:cs typeface="Poppins Bold"/>
+                <a:sym typeface="Poppins Bold"/>
+              </a:rPr>
+              <a:t> Feedback Results in the sidebar shows the following inputs:</a:t>
+            </a:r>
+          </a:p>
+          <a:p>
+            <a:pPr marL="582927" lvl="1" indent="-291463" algn="l">
+              <a:lnSpc>
+                <a:spcPts val="3779"/>
+              </a:lnSpc>
+              <a:buFont typeface="Arial"/>
+              <a:buChar char="•"/>
+            </a:pPr>
+            <a:r>
+              <a:rPr lang="en-US" sz="2699" b="1">
+                <a:solidFill>
+                  <a:srgbClr val="000000"/>
+                </a:solidFill>
+                <a:latin typeface="Poppins Bold"/>
+                <a:ea typeface="Poppins Bold"/>
+                <a:cs typeface="Poppins Bold"/>
+                <a:sym typeface="Poppins Bold"/>
+              </a:rPr>
+              <a:t>Choose an event</a:t>
+            </a:r>
+          </a:p>
+          <a:p>
+            <a:pPr marL="1165854" lvl="2" indent="-388618" algn="l">
+              <a:lnSpc>
+                <a:spcPts val="3779"/>
+              </a:lnSpc>
+              <a:buFont typeface="Arial"/>
+              <a:buChar char="⚬"/>
+            </a:pPr>
+            <a:r>
+              <a:rPr lang="en-US" sz="2699" b="1">
+                <a:solidFill>
+                  <a:srgbClr val="000000"/>
+                </a:solidFill>
+                <a:latin typeface="Poppins Bold"/>
+                <a:ea typeface="Poppins Bold"/>
+                <a:cs typeface="Poppins Bold"/>
+                <a:sym typeface="Poppins Bold"/>
+              </a:rPr>
+              <a:t>After choosing an event, questions inputted, including the responses are shown. </a:t>
+            </a:r>
+          </a:p>
+          <a:p>
+            <a:pPr marL="582927" lvl="1" indent="-291463" algn="l">
+              <a:lnSpc>
+                <a:spcPts val="3779"/>
+              </a:lnSpc>
+              <a:buFont typeface="Arial"/>
+              <a:buChar char="•"/>
+            </a:pPr>
+            <a:r>
+              <a:rPr lang="en-US" sz="2699" b="1">
+                <a:solidFill>
+                  <a:srgbClr val="000000"/>
+                </a:solidFill>
+                <a:latin typeface="Poppins Bold"/>
+                <a:ea typeface="Poppins Bold"/>
+                <a:cs typeface="Poppins Bold"/>
+                <a:sym typeface="Poppins Bold"/>
+              </a:rPr>
+              <a:t>Export to CSV</a:t>
+            </a:r>
+          </a:p>
+          <a:p>
+            <a:pPr marL="1165854" lvl="2" indent="-388618" algn="l">
+              <a:lnSpc>
+                <a:spcPts val="3779"/>
+              </a:lnSpc>
+              <a:buFont typeface="Arial"/>
+              <a:buChar char="⚬"/>
+            </a:pPr>
+            <a:r>
+              <a:rPr lang="en-US" sz="2699" b="1">
+                <a:solidFill>
+                  <a:srgbClr val="000000"/>
+                </a:solidFill>
+                <a:latin typeface="Poppins Bold"/>
+                <a:ea typeface="Poppins Bold"/>
+                <a:cs typeface="Poppins Bold"/>
+                <a:sym typeface="Poppins Bold"/>
+              </a:rPr>
+              <a:t>When clicked, it would automatically download feedback results in a .csv file </a:t>
+            </a:r>
+          </a:p>
+          <a:p>
+            <a:pPr algn="l">
+              <a:lnSpc>
+                <a:spcPts val="3079"/>
+              </a:lnSpc>
+            </a:pPr>
+            <a:endParaRPr lang="en-US" sz="2699" b="1">
+              <a:solidFill>
+                <a:srgbClr val="000000"/>
+              </a:solidFill>
+              <a:latin typeface="Poppins Bold"/>
+              <a:ea typeface="Poppins Bold"/>
+              <a:cs typeface="Poppins Bold"/>
+              <a:sym typeface="Poppins Bold"/>
+            </a:endParaRPr>
+          </a:p>
+        </p:txBody>
+      </p:sp>
+    </p:spTree>
+  </p:cSld>
+  <p:clrMapOvr>
+    <a:masterClrMapping/>
+  </p:clrMapOvr>
+</p:sld>
+</file>
+
+<file path=ppt/slides/slide8.xml><?xml version="1.0" encoding="utf-8"?>
+<p:sld xmlns:a="http://schemas.openxmlformats.org/drawingml/2006/main" xmlns:r="http://schemas.openxmlformats.org/officeDocument/2006/relationships" xmlns:p="http://schemas.openxmlformats.org/presentationml/2006/main">
+  <p:cSld>
+    <p:bg>
+      <p:bgPr>
+        <a:solidFill>
+          <a:srgbClr val="FFFEF9"/>
+        </a:solidFill>
+        <a:effectLst/>
+      </p:bgPr>
+    </p:bg>
+    <p:spTree>
+      <p:nvGrpSpPr>
+        <p:cNvPr id="1" name="">
+          <a:extLst>
+            <a:ext uri="{FF2B5EF4-FFF2-40B4-BE49-F238E27FC236}">
+              <a16:creationId xmlns:a16="http://schemas.microsoft.com/office/drawing/2014/main" id="{4626BCDC-F811-CB43-850F-49D5A27D2049}"/>
+            </a:ext>
+          </a:extLst>
+        </p:cNvPr>
+        <p:cNvGrpSpPr/>
+        <p:nvPr/>
+      </p:nvGrpSpPr>
+      <p:grpSpPr>
+        <a:xfrm>
+          <a:off x="0" y="0"/>
+          <a:ext cx="0" cy="0"/>
+          <a:chOff x="0" y="0"/>
+          <a:chExt cx="0" cy="0"/>
+        </a:xfrm>
+      </p:grpSpPr>
+      <p:grpSp>
+        <p:nvGrpSpPr>
+          <p:cNvPr id="2" name="Group 2">
+            <a:extLst>
+              <a:ext uri="{FF2B5EF4-FFF2-40B4-BE49-F238E27FC236}">
+                <a16:creationId xmlns:a16="http://schemas.microsoft.com/office/drawing/2014/main" id="{AFA2D2DC-CA23-F01A-17B6-92399374E989}"/>
+              </a:ext>
+            </a:extLst>
+          </p:cNvPr>
+          <p:cNvGrpSpPr/>
+          <p:nvPr/>
+        </p:nvGrpSpPr>
+        <p:grpSpPr>
+          <a:xfrm rot="-855552">
+            <a:off x="-514350" y="1897923"/>
+            <a:ext cx="3086100" cy="2700338"/>
+            <a:chOff x="0" y="0"/>
+            <a:chExt cx="812800" cy="711200"/>
+          </a:xfrm>
+        </p:grpSpPr>
+        <p:sp>
+          <p:nvSpPr>
+            <p:cNvPr id="3" name="Freeform 3">
+              <a:extLst>
+                <a:ext uri="{FF2B5EF4-FFF2-40B4-BE49-F238E27FC236}">
+                  <a16:creationId xmlns:a16="http://schemas.microsoft.com/office/drawing/2014/main" id="{EDE36613-BB30-7B3A-C581-B7EB6EB867FB}"/>
+                </a:ext>
+              </a:extLst>
+            </p:cNvPr>
+            <p:cNvSpPr/>
+            <p:nvPr/>
+          </p:nvSpPr>
+          <p:spPr>
+            <a:xfrm>
+              <a:off x="24679" y="36396"/>
+              <a:ext cx="763442" cy="674804"/>
+            </a:xfrm>
+            <a:custGeom>
+              <a:avLst/>
+              <a:gdLst/>
+              <a:ahLst/>
+              <a:cxnLst/>
+              <a:rect l="l" t="t" r="r" b="b"/>
+              <a:pathLst>
+                <a:path w="763442" h="674804">
+                  <a:moveTo>
+                    <a:pt x="412837" y="18057"/>
+                  </a:moveTo>
+                  <a:lnTo>
+                    <a:pt x="757005" y="620351"/>
+                  </a:lnTo>
+                  <a:cubicBezTo>
+                    <a:pt x="763442" y="631616"/>
+                    <a:pt x="763396" y="645455"/>
+                    <a:pt x="756884" y="656676"/>
+                  </a:cubicBezTo>
+                  <a:cubicBezTo>
+                    <a:pt x="750372" y="667898"/>
+                    <a:pt x="738379" y="674804"/>
+                    <a:pt x="725405" y="674804"/>
+                  </a:cubicBezTo>
+                  <a:lnTo>
+                    <a:pt x="38037" y="674804"/>
+                  </a:lnTo>
+                  <a:cubicBezTo>
+                    <a:pt x="25063" y="674804"/>
+                    <a:pt x="13070" y="667898"/>
+                    <a:pt x="6558" y="656676"/>
+                  </a:cubicBezTo>
+                  <a:cubicBezTo>
+                    <a:pt x="46" y="645455"/>
+                    <a:pt x="0" y="631616"/>
+                    <a:pt x="6437" y="620351"/>
+                  </a:cubicBezTo>
+                  <a:lnTo>
+                    <a:pt x="350605" y="18057"/>
+                  </a:lnTo>
+                  <a:cubicBezTo>
+                    <a:pt x="356986" y="6891"/>
+                    <a:pt x="368860" y="0"/>
+                    <a:pt x="381721" y="0"/>
+                  </a:cubicBezTo>
+                  <a:cubicBezTo>
+                    <a:pt x="394582" y="0"/>
+                    <a:pt x="406456" y="6891"/>
+                    <a:pt x="412837" y="18057"/>
+                  </a:cubicBezTo>
+                  <a:close/>
+                </a:path>
+              </a:pathLst>
+            </a:custGeom>
+            <a:solidFill>
+              <a:srgbClr val="000000">
+                <a:alpha val="0"/>
+              </a:srgbClr>
+            </a:solidFill>
+            <a:ln w="38100" cap="rnd">
+              <a:solidFill>
+                <a:srgbClr val="CACACA">
+                  <a:alpha val="29804"/>
+                </a:srgbClr>
+              </a:solidFill>
+              <a:prstDash val="solid"/>
+              <a:round/>
+            </a:ln>
+          </p:spPr>
+          <p:txBody>
+            <a:bodyPr/>
+            <a:lstStyle/>
+            <a:p>
+              <a:endParaRPr lang="en-US"/>
+            </a:p>
+          </p:txBody>
+        </p:sp>
+        <p:sp>
+          <p:nvSpPr>
+            <p:cNvPr id="4" name="TextBox 4">
+              <a:extLst>
+                <a:ext uri="{FF2B5EF4-FFF2-40B4-BE49-F238E27FC236}">
+                  <a16:creationId xmlns:a16="http://schemas.microsoft.com/office/drawing/2014/main" id="{62A3C9F0-47C7-4BB6-2381-D8D5A25F4126}"/>
+                </a:ext>
+              </a:extLst>
+            </p:cNvPr>
+            <p:cNvSpPr txBox="1"/>
+            <p:nvPr/>
+          </p:nvSpPr>
+          <p:spPr>
+            <a:xfrm>
+              <a:off x="127000" y="292100"/>
+              <a:ext cx="558800" cy="368300"/>
+            </a:xfrm>
+            <a:prstGeom prst="rect">
+              <a:avLst/>
+            </a:prstGeom>
+          </p:spPr>
+          <p:txBody>
+            <a:bodyPr lIns="50800" tIns="50800" rIns="50800" bIns="50800" rtlCol="0" anchor="ctr"/>
+            <a:lstStyle/>
+            <a:p>
+              <a:pPr algn="ctr">
+                <a:lnSpc>
+                  <a:spcPts val="2659"/>
+                </a:lnSpc>
+              </a:pPr>
+              <a:endParaRPr/>
+            </a:p>
+          </p:txBody>
+        </p:sp>
+      </p:grpSp>
+      <p:grpSp>
+        <p:nvGrpSpPr>
+          <p:cNvPr id="5" name="Group 5">
+            <a:extLst>
+              <a:ext uri="{FF2B5EF4-FFF2-40B4-BE49-F238E27FC236}">
+                <a16:creationId xmlns:a16="http://schemas.microsoft.com/office/drawing/2014/main" id="{FAB583CF-CB75-A970-E89E-31E88FBD48BA}"/>
+              </a:ext>
+            </a:extLst>
+          </p:cNvPr>
+          <p:cNvGrpSpPr/>
+          <p:nvPr/>
+        </p:nvGrpSpPr>
+        <p:grpSpPr>
+          <a:xfrm>
+            <a:off x="1028700" y="514350"/>
+            <a:ext cx="16230600" cy="1512421"/>
+            <a:chOff x="0" y="0"/>
+            <a:chExt cx="4274726" cy="398333"/>
+          </a:xfrm>
+        </p:grpSpPr>
+        <p:sp>
+          <p:nvSpPr>
+            <p:cNvPr id="6" name="Freeform 6">
+              <a:extLst>
+                <a:ext uri="{FF2B5EF4-FFF2-40B4-BE49-F238E27FC236}">
+                  <a16:creationId xmlns:a16="http://schemas.microsoft.com/office/drawing/2014/main" id="{18180632-6F97-8DEA-628D-ADB914B4FACA}"/>
+                </a:ext>
+              </a:extLst>
+            </p:cNvPr>
+            <p:cNvSpPr/>
+            <p:nvPr/>
+          </p:nvSpPr>
+          <p:spPr>
+            <a:xfrm>
+              <a:off x="0" y="0"/>
+              <a:ext cx="4274726" cy="398333"/>
+            </a:xfrm>
+            <a:custGeom>
+              <a:avLst/>
+              <a:gdLst/>
+              <a:ahLst/>
+              <a:cxnLst/>
+              <a:rect l="l" t="t" r="r" b="b"/>
+              <a:pathLst>
+                <a:path w="4274726" h="398333">
+                  <a:moveTo>
+                    <a:pt x="3816" y="0"/>
+                  </a:moveTo>
+                  <a:lnTo>
+                    <a:pt x="4270910" y="0"/>
+                  </a:lnTo>
+                  <a:cubicBezTo>
+                    <a:pt x="4271922" y="0"/>
+                    <a:pt x="4272893" y="402"/>
+                    <a:pt x="4273608" y="1118"/>
+                  </a:cubicBezTo>
+                  <a:cubicBezTo>
+                    <a:pt x="4274324" y="1833"/>
+                    <a:pt x="4274726" y="2804"/>
+                    <a:pt x="4274726" y="3816"/>
+                  </a:cubicBezTo>
+                  <a:lnTo>
+                    <a:pt x="4274726" y="394517"/>
+                  </a:lnTo>
+                  <a:cubicBezTo>
+                    <a:pt x="4274726" y="395529"/>
+                    <a:pt x="4274324" y="396500"/>
+                    <a:pt x="4273608" y="397216"/>
+                  </a:cubicBezTo>
+                  <a:cubicBezTo>
+                    <a:pt x="4272893" y="397931"/>
+                    <a:pt x="4271922" y="398333"/>
+                    <a:pt x="4270910" y="398333"/>
+                  </a:cubicBezTo>
+                  <a:lnTo>
+                    <a:pt x="3816" y="398333"/>
+                  </a:lnTo>
+                  <a:cubicBezTo>
+                    <a:pt x="2804" y="398333"/>
+                    <a:pt x="1833" y="397931"/>
+                    <a:pt x="1118" y="397216"/>
+                  </a:cubicBezTo>
+                  <a:cubicBezTo>
+                    <a:pt x="402" y="396500"/>
+                    <a:pt x="0" y="395529"/>
+                    <a:pt x="0" y="394517"/>
+                  </a:cubicBezTo>
+                  <a:lnTo>
+                    <a:pt x="0" y="3816"/>
+                  </a:lnTo>
+                  <a:cubicBezTo>
+                    <a:pt x="0" y="2804"/>
+                    <a:pt x="402" y="1833"/>
+                    <a:pt x="1118" y="1118"/>
+                  </a:cubicBezTo>
+                  <a:cubicBezTo>
+                    <a:pt x="1833" y="402"/>
+                    <a:pt x="2804" y="0"/>
+                    <a:pt x="3816" y="0"/>
+                  </a:cubicBezTo>
+                  <a:close/>
+                </a:path>
+              </a:pathLst>
+            </a:custGeom>
+            <a:solidFill>
+              <a:srgbClr val="0D291F"/>
+            </a:solidFill>
+          </p:spPr>
+          <p:txBody>
+            <a:bodyPr/>
+            <a:lstStyle/>
+            <a:p>
+              <a:endParaRPr lang="en-US"/>
+            </a:p>
+          </p:txBody>
+        </p:sp>
+        <p:sp>
+          <p:nvSpPr>
+            <p:cNvPr id="7" name="TextBox 7">
+              <a:extLst>
+                <a:ext uri="{FF2B5EF4-FFF2-40B4-BE49-F238E27FC236}">
+                  <a16:creationId xmlns:a16="http://schemas.microsoft.com/office/drawing/2014/main" id="{3CFDC3AE-6FD8-35D1-DDBB-6083979A625C}"/>
+                </a:ext>
+              </a:extLst>
+            </p:cNvPr>
+            <p:cNvSpPr txBox="1"/>
+            <p:nvPr/>
+          </p:nvSpPr>
+          <p:spPr>
+            <a:xfrm>
+              <a:off x="0" y="-38100"/>
+              <a:ext cx="4274726" cy="436433"/>
+            </a:xfrm>
+            <a:prstGeom prst="rect">
+              <a:avLst/>
+            </a:prstGeom>
+          </p:spPr>
+          <p:txBody>
+            <a:bodyPr lIns="50800" tIns="50800" rIns="50800" bIns="50800" rtlCol="0" anchor="ctr"/>
+            <a:lstStyle/>
+            <a:p>
+              <a:pPr algn="ctr">
+                <a:lnSpc>
+                  <a:spcPts val="2659"/>
+                </a:lnSpc>
+              </a:pPr>
+              <a:endParaRPr/>
+            </a:p>
+          </p:txBody>
+        </p:sp>
+      </p:grpSp>
+      <p:grpSp>
+        <p:nvGrpSpPr>
+          <p:cNvPr id="8" name="Group 8">
+            <a:extLst>
+              <a:ext uri="{FF2B5EF4-FFF2-40B4-BE49-F238E27FC236}">
+                <a16:creationId xmlns:a16="http://schemas.microsoft.com/office/drawing/2014/main" id="{DB64D0C0-3B83-6E35-66D0-31E6E0EC17C5}"/>
+              </a:ext>
+            </a:extLst>
+          </p:cNvPr>
+          <p:cNvGrpSpPr/>
+          <p:nvPr/>
+        </p:nvGrpSpPr>
+        <p:grpSpPr>
+          <a:xfrm rot="2620430">
+            <a:off x="-1606622" y="4317487"/>
+            <a:ext cx="3445361" cy="2881851"/>
+            <a:chOff x="0" y="0"/>
+            <a:chExt cx="812800" cy="679862"/>
+          </a:xfrm>
+        </p:grpSpPr>
+        <p:sp>
+          <p:nvSpPr>
+            <p:cNvPr id="9" name="Freeform 9">
+              <a:extLst>
+                <a:ext uri="{FF2B5EF4-FFF2-40B4-BE49-F238E27FC236}">
+                  <a16:creationId xmlns:a16="http://schemas.microsoft.com/office/drawing/2014/main" id="{46B670D6-EDB9-F32E-C3FB-D3AAA0B362AE}"/>
+                </a:ext>
+              </a:extLst>
+            </p:cNvPr>
+            <p:cNvSpPr/>
+            <p:nvPr/>
+          </p:nvSpPr>
+          <p:spPr>
+            <a:xfrm>
+              <a:off x="22798" y="31867"/>
+              <a:ext cx="767204" cy="647994"/>
+            </a:xfrm>
+            <a:custGeom>
+              <a:avLst/>
+              <a:gdLst/>
+              <a:ahLst/>
+              <a:cxnLst/>
+              <a:rect l="l" t="t" r="r" b="b"/>
+              <a:pathLst>
+                <a:path w="767204" h="647994">
+                  <a:moveTo>
+                    <a:pt x="412425" y="16351"/>
+                  </a:moveTo>
+                  <a:lnTo>
+                    <a:pt x="761179" y="599776"/>
+                  </a:lnTo>
+                  <a:cubicBezTo>
+                    <a:pt x="767065" y="609623"/>
+                    <a:pt x="767204" y="621873"/>
+                    <a:pt x="761544" y="631851"/>
+                  </a:cubicBezTo>
+                  <a:cubicBezTo>
+                    <a:pt x="755884" y="641829"/>
+                    <a:pt x="745297" y="647995"/>
+                    <a:pt x="733826" y="647995"/>
+                  </a:cubicBezTo>
+                  <a:lnTo>
+                    <a:pt x="33378" y="647995"/>
+                  </a:lnTo>
+                  <a:cubicBezTo>
+                    <a:pt x="21907" y="647995"/>
+                    <a:pt x="11320" y="641829"/>
+                    <a:pt x="5660" y="631851"/>
+                  </a:cubicBezTo>
+                  <a:cubicBezTo>
+                    <a:pt x="0" y="621873"/>
+                    <a:pt x="139" y="609623"/>
+                    <a:pt x="6025" y="599776"/>
+                  </a:cubicBezTo>
+                  <a:lnTo>
+                    <a:pt x="354779" y="16351"/>
+                  </a:lnTo>
+                  <a:cubicBezTo>
+                    <a:pt x="360841" y="6210"/>
+                    <a:pt x="371787" y="0"/>
+                    <a:pt x="383602" y="0"/>
+                  </a:cubicBezTo>
+                  <a:cubicBezTo>
+                    <a:pt x="395417" y="0"/>
+                    <a:pt x="406363" y="6210"/>
+                    <a:pt x="412425" y="16351"/>
+                  </a:cubicBezTo>
+                  <a:close/>
+                </a:path>
+              </a:pathLst>
+            </a:custGeom>
+            <a:solidFill>
+              <a:srgbClr val="000000">
+                <a:alpha val="0"/>
+              </a:srgbClr>
+            </a:solidFill>
+            <a:ln w="38100" cap="rnd">
+              <a:solidFill>
+                <a:srgbClr val="CACACA">
+                  <a:alpha val="29804"/>
+                </a:srgbClr>
+              </a:solidFill>
+              <a:prstDash val="solid"/>
+              <a:round/>
+            </a:ln>
+          </p:spPr>
+          <p:txBody>
+            <a:bodyPr/>
+            <a:lstStyle/>
+            <a:p>
+              <a:endParaRPr lang="en-US"/>
+            </a:p>
+          </p:txBody>
+        </p:sp>
+        <p:sp>
+          <p:nvSpPr>
+            <p:cNvPr id="10" name="TextBox 10">
+              <a:extLst>
+                <a:ext uri="{FF2B5EF4-FFF2-40B4-BE49-F238E27FC236}">
+                  <a16:creationId xmlns:a16="http://schemas.microsoft.com/office/drawing/2014/main" id="{9EA5A74F-100E-F7B4-D220-01A830ED8819}"/>
+                </a:ext>
+              </a:extLst>
+            </p:cNvPr>
+            <p:cNvSpPr txBox="1"/>
+            <p:nvPr/>
+          </p:nvSpPr>
+          <p:spPr>
+            <a:xfrm>
+              <a:off x="127000" y="277550"/>
+              <a:ext cx="558800" cy="353750"/>
+            </a:xfrm>
+            <a:prstGeom prst="rect">
+              <a:avLst/>
+            </a:prstGeom>
+          </p:spPr>
+          <p:txBody>
+            <a:bodyPr lIns="50800" tIns="50800" rIns="50800" bIns="50800" rtlCol="0" anchor="ctr"/>
+            <a:lstStyle/>
+            <a:p>
+              <a:pPr algn="ctr">
+                <a:lnSpc>
+                  <a:spcPts val="2659"/>
+                </a:lnSpc>
+              </a:pPr>
+              <a:endParaRPr/>
+            </a:p>
+          </p:txBody>
+        </p:sp>
+      </p:grpSp>
+      <p:grpSp>
+        <p:nvGrpSpPr>
+          <p:cNvPr id="11" name="Group 11">
+            <a:extLst>
+              <a:ext uri="{FF2B5EF4-FFF2-40B4-BE49-F238E27FC236}">
+                <a16:creationId xmlns:a16="http://schemas.microsoft.com/office/drawing/2014/main" id="{718047F6-DD6E-496A-6C36-094B85E26A59}"/>
+              </a:ext>
+            </a:extLst>
+          </p:cNvPr>
+          <p:cNvGrpSpPr/>
+          <p:nvPr/>
+        </p:nvGrpSpPr>
+        <p:grpSpPr>
+          <a:xfrm rot="6210201">
+            <a:off x="586729" y="5264790"/>
+            <a:ext cx="3388296" cy="2964759"/>
+            <a:chOff x="0" y="0"/>
+            <a:chExt cx="812800" cy="711200"/>
+          </a:xfrm>
+        </p:grpSpPr>
+        <p:sp>
+          <p:nvSpPr>
+            <p:cNvPr id="12" name="Freeform 12">
+              <a:extLst>
+                <a:ext uri="{FF2B5EF4-FFF2-40B4-BE49-F238E27FC236}">
+                  <a16:creationId xmlns:a16="http://schemas.microsoft.com/office/drawing/2014/main" id="{E007C48F-ED69-B8C7-2AF1-2BE600966BA7}"/>
+                </a:ext>
+              </a:extLst>
+            </p:cNvPr>
+            <p:cNvSpPr/>
+            <p:nvPr/>
+          </p:nvSpPr>
+          <p:spPr>
+            <a:xfrm>
+              <a:off x="22478" y="33149"/>
+              <a:ext cx="767844" cy="678051"/>
+            </a:xfrm>
+            <a:custGeom>
+              <a:avLst/>
+              <a:gdLst/>
+              <a:ahLst/>
+              <a:cxnLst/>
+              <a:rect l="l" t="t" r="r" b="b"/>
+              <a:pathLst>
+                <a:path w="767844" h="678051">
+                  <a:moveTo>
+                    <a:pt x="412263" y="16447"/>
+                  </a:moveTo>
+                  <a:lnTo>
+                    <a:pt x="761981" y="628455"/>
+                  </a:lnTo>
+                  <a:cubicBezTo>
+                    <a:pt x="767844" y="638715"/>
+                    <a:pt x="767802" y="651320"/>
+                    <a:pt x="761871" y="661540"/>
+                  </a:cubicBezTo>
+                  <a:cubicBezTo>
+                    <a:pt x="755940" y="671761"/>
+                    <a:pt x="745016" y="678051"/>
+                    <a:pt x="733199" y="678051"/>
+                  </a:cubicBezTo>
+                  <a:lnTo>
+                    <a:pt x="34645" y="678051"/>
+                  </a:lnTo>
+                  <a:cubicBezTo>
+                    <a:pt x="22828" y="678051"/>
+                    <a:pt x="11904" y="671761"/>
+                    <a:pt x="5973" y="661540"/>
+                  </a:cubicBezTo>
+                  <a:cubicBezTo>
+                    <a:pt x="42" y="651320"/>
+                    <a:pt x="0" y="638715"/>
+                    <a:pt x="5863" y="628455"/>
+                  </a:cubicBezTo>
+                  <a:lnTo>
+                    <a:pt x="355581" y="16447"/>
+                  </a:lnTo>
+                  <a:cubicBezTo>
+                    <a:pt x="361393" y="6277"/>
+                    <a:pt x="372208" y="0"/>
+                    <a:pt x="383922" y="0"/>
+                  </a:cubicBezTo>
+                  <a:cubicBezTo>
+                    <a:pt x="395636" y="0"/>
+                    <a:pt x="406451" y="6277"/>
+                    <a:pt x="412263" y="16447"/>
+                  </a:cubicBezTo>
+                  <a:close/>
+                </a:path>
+              </a:pathLst>
+            </a:custGeom>
+            <a:solidFill>
+              <a:srgbClr val="000000">
+                <a:alpha val="0"/>
+              </a:srgbClr>
+            </a:solidFill>
+            <a:ln w="38100" cap="rnd">
+              <a:solidFill>
+                <a:srgbClr val="CACACA">
+                  <a:alpha val="29804"/>
+                </a:srgbClr>
+              </a:solidFill>
+              <a:prstDash val="solid"/>
+              <a:round/>
+            </a:ln>
+          </p:spPr>
+          <p:txBody>
+            <a:bodyPr/>
+            <a:lstStyle/>
+            <a:p>
+              <a:endParaRPr lang="en-US"/>
+            </a:p>
+          </p:txBody>
+        </p:sp>
+        <p:sp>
+          <p:nvSpPr>
+            <p:cNvPr id="13" name="TextBox 13">
+              <a:extLst>
+                <a:ext uri="{FF2B5EF4-FFF2-40B4-BE49-F238E27FC236}">
+                  <a16:creationId xmlns:a16="http://schemas.microsoft.com/office/drawing/2014/main" id="{73E5F27A-16A5-C899-DE7F-9BBFF08876B4}"/>
+                </a:ext>
+              </a:extLst>
+            </p:cNvPr>
+            <p:cNvSpPr txBox="1"/>
+            <p:nvPr/>
+          </p:nvSpPr>
+          <p:spPr>
+            <a:xfrm>
+              <a:off x="127000" y="292100"/>
+              <a:ext cx="558800" cy="368300"/>
+            </a:xfrm>
+            <a:prstGeom prst="rect">
+              <a:avLst/>
+            </a:prstGeom>
+          </p:spPr>
+          <p:txBody>
+            <a:bodyPr lIns="50800" tIns="50800" rIns="50800" bIns="50800" rtlCol="0" anchor="ctr"/>
+            <a:lstStyle/>
+            <a:p>
+              <a:pPr algn="ctr">
+                <a:lnSpc>
+                  <a:spcPts val="2659"/>
+                </a:lnSpc>
+              </a:pPr>
+              <a:endParaRPr/>
+            </a:p>
+          </p:txBody>
+        </p:sp>
+      </p:grpSp>
+      <p:grpSp>
+        <p:nvGrpSpPr>
+          <p:cNvPr id="14" name="Group 14">
+            <a:extLst>
+              <a:ext uri="{FF2B5EF4-FFF2-40B4-BE49-F238E27FC236}">
+                <a16:creationId xmlns:a16="http://schemas.microsoft.com/office/drawing/2014/main" id="{1414AB57-FF71-8C91-70FB-7FCA31127735}"/>
+              </a:ext>
+            </a:extLst>
+          </p:cNvPr>
+          <p:cNvGrpSpPr/>
+          <p:nvPr/>
+        </p:nvGrpSpPr>
+        <p:grpSpPr>
+          <a:xfrm rot="2036903">
+            <a:off x="767147" y="6947428"/>
+            <a:ext cx="4576506" cy="2700338"/>
+            <a:chOff x="0" y="0"/>
+            <a:chExt cx="1205335" cy="711200"/>
+          </a:xfrm>
+        </p:grpSpPr>
+        <p:sp>
+          <p:nvSpPr>
+            <p:cNvPr id="15" name="Freeform 15">
+              <a:extLst>
+                <a:ext uri="{FF2B5EF4-FFF2-40B4-BE49-F238E27FC236}">
+                  <a16:creationId xmlns:a16="http://schemas.microsoft.com/office/drawing/2014/main" id="{3BB4D4CB-9739-F624-0DB5-01D50DCE0030}"/>
+                </a:ext>
+              </a:extLst>
+            </p:cNvPr>
+            <p:cNvSpPr/>
+            <p:nvPr/>
+          </p:nvSpPr>
+          <p:spPr>
+            <a:xfrm>
+              <a:off x="21302" y="19596"/>
+              <a:ext cx="1162730" cy="691604"/>
+            </a:xfrm>
+            <a:custGeom>
+              <a:avLst/>
+              <a:gdLst/>
+              <a:ahLst/>
+              <a:cxnLst/>
+              <a:rect l="l" t="t" r="r" b="b"/>
+              <a:pathLst>
+                <a:path w="1162730" h="691604">
+                  <a:moveTo>
+                    <a:pt x="608707" y="12669"/>
+                  </a:moveTo>
+                  <a:lnTo>
+                    <a:pt x="1156692" y="659339"/>
+                  </a:lnTo>
+                  <a:cubicBezTo>
+                    <a:pt x="1161626" y="665162"/>
+                    <a:pt x="1162731" y="673321"/>
+                    <a:pt x="1159522" y="680246"/>
+                  </a:cubicBezTo>
+                  <a:cubicBezTo>
+                    <a:pt x="1156313" y="687172"/>
+                    <a:pt x="1149374" y="691604"/>
+                    <a:pt x="1141741" y="691604"/>
+                  </a:cubicBezTo>
+                  <a:lnTo>
+                    <a:pt x="20990" y="691604"/>
+                  </a:lnTo>
+                  <a:cubicBezTo>
+                    <a:pt x="13357" y="691604"/>
+                    <a:pt x="6418" y="687172"/>
+                    <a:pt x="3209" y="680246"/>
+                  </a:cubicBezTo>
+                  <a:cubicBezTo>
+                    <a:pt x="0" y="673321"/>
+                    <a:pt x="1105" y="665162"/>
+                    <a:pt x="6039" y="659339"/>
+                  </a:cubicBezTo>
+                  <a:lnTo>
+                    <a:pt x="554024" y="12669"/>
+                  </a:lnTo>
+                  <a:cubicBezTo>
+                    <a:pt x="560833" y="4634"/>
+                    <a:pt x="570833" y="0"/>
+                    <a:pt x="581366" y="0"/>
+                  </a:cubicBezTo>
+                  <a:cubicBezTo>
+                    <a:pt x="591898" y="0"/>
+                    <a:pt x="601898" y="4634"/>
+                    <a:pt x="608707" y="12669"/>
+                  </a:cubicBezTo>
+                  <a:close/>
+                </a:path>
+              </a:pathLst>
+            </a:custGeom>
+            <a:solidFill>
+              <a:srgbClr val="000000">
+                <a:alpha val="0"/>
+              </a:srgbClr>
+            </a:solidFill>
+            <a:ln w="38100" cap="rnd">
+              <a:solidFill>
+                <a:srgbClr val="CACACA">
+                  <a:alpha val="29804"/>
+                </a:srgbClr>
+              </a:solidFill>
+              <a:prstDash val="solid"/>
+              <a:round/>
+            </a:ln>
+          </p:spPr>
+          <p:txBody>
+            <a:bodyPr/>
+            <a:lstStyle/>
+            <a:p>
+              <a:endParaRPr lang="en-US"/>
+            </a:p>
+          </p:txBody>
+        </p:sp>
+        <p:sp>
+          <p:nvSpPr>
+            <p:cNvPr id="16" name="TextBox 16">
+              <a:extLst>
+                <a:ext uri="{FF2B5EF4-FFF2-40B4-BE49-F238E27FC236}">
+                  <a16:creationId xmlns:a16="http://schemas.microsoft.com/office/drawing/2014/main" id="{48F6D14A-6719-BAC4-1C50-DCE9CBB58056}"/>
+                </a:ext>
+              </a:extLst>
+            </p:cNvPr>
+            <p:cNvSpPr txBox="1"/>
+            <p:nvPr/>
+          </p:nvSpPr>
+          <p:spPr>
+            <a:xfrm>
+              <a:off x="188334" y="292100"/>
+              <a:ext cx="828668" cy="368300"/>
+            </a:xfrm>
+            <a:prstGeom prst="rect">
+              <a:avLst/>
+            </a:prstGeom>
+          </p:spPr>
+          <p:txBody>
+            <a:bodyPr lIns="50800" tIns="50800" rIns="50800" bIns="50800" rtlCol="0" anchor="ctr"/>
+            <a:lstStyle/>
+            <a:p>
+              <a:pPr algn="ctr">
+                <a:lnSpc>
+                  <a:spcPts val="2659"/>
+                </a:lnSpc>
+              </a:pPr>
+              <a:endParaRPr/>
+            </a:p>
+          </p:txBody>
+        </p:sp>
+      </p:grpSp>
+      <p:grpSp>
+        <p:nvGrpSpPr>
+          <p:cNvPr id="17" name="Group 17">
+            <a:extLst>
+              <a:ext uri="{FF2B5EF4-FFF2-40B4-BE49-F238E27FC236}">
+                <a16:creationId xmlns:a16="http://schemas.microsoft.com/office/drawing/2014/main" id="{59D518E4-E51E-81E9-04BA-338A14B2829D}"/>
+              </a:ext>
+            </a:extLst>
+          </p:cNvPr>
+          <p:cNvGrpSpPr/>
+          <p:nvPr/>
+        </p:nvGrpSpPr>
+        <p:grpSpPr>
+          <a:xfrm rot="-1478810">
+            <a:off x="-1228088" y="7827131"/>
+            <a:ext cx="3798903" cy="3153939"/>
+            <a:chOff x="0" y="0"/>
+            <a:chExt cx="1000534" cy="830667"/>
+          </a:xfrm>
+        </p:grpSpPr>
+        <p:sp>
+          <p:nvSpPr>
+            <p:cNvPr id="18" name="Freeform 18">
+              <a:extLst>
+                <a:ext uri="{FF2B5EF4-FFF2-40B4-BE49-F238E27FC236}">
+                  <a16:creationId xmlns:a16="http://schemas.microsoft.com/office/drawing/2014/main" id="{A4C2128A-E3B7-44B4-7E60-77D914325D8C}"/>
+                </a:ext>
+              </a:extLst>
+            </p:cNvPr>
+            <p:cNvSpPr/>
+            <p:nvPr/>
+          </p:nvSpPr>
+          <p:spPr>
+            <a:xfrm>
+              <a:off x="20775" y="28791"/>
+              <a:ext cx="958983" cy="801876"/>
+            </a:xfrm>
+            <a:custGeom>
+              <a:avLst/>
+              <a:gdLst/>
+              <a:ahLst/>
+              <a:cxnLst/>
+              <a:rect l="l" t="t" r="r" b="b"/>
+              <a:pathLst>
+                <a:path w="958983" h="801876">
+                  <a:moveTo>
+                    <a:pt x="505777" y="14854"/>
+                  </a:moveTo>
+                  <a:lnTo>
+                    <a:pt x="953474" y="758232"/>
+                  </a:lnTo>
+                  <a:cubicBezTo>
+                    <a:pt x="958830" y="767125"/>
+                    <a:pt x="958984" y="778212"/>
+                    <a:pt x="953876" y="787250"/>
+                  </a:cubicBezTo>
+                  <a:cubicBezTo>
+                    <a:pt x="948769" y="796288"/>
+                    <a:pt x="939192" y="801876"/>
+                    <a:pt x="928811" y="801876"/>
+                  </a:cubicBezTo>
+                  <a:lnTo>
+                    <a:pt x="30173" y="801876"/>
+                  </a:lnTo>
+                  <a:cubicBezTo>
+                    <a:pt x="19792" y="801876"/>
+                    <a:pt x="10215" y="796288"/>
+                    <a:pt x="5108" y="787250"/>
+                  </a:cubicBezTo>
+                  <a:cubicBezTo>
+                    <a:pt x="0" y="778212"/>
+                    <a:pt x="154" y="767125"/>
+                    <a:pt x="5510" y="758232"/>
+                  </a:cubicBezTo>
+                  <a:lnTo>
+                    <a:pt x="453207" y="14854"/>
+                  </a:lnTo>
+                  <a:cubicBezTo>
+                    <a:pt x="458758" y="5636"/>
+                    <a:pt x="468732" y="0"/>
+                    <a:pt x="479492" y="0"/>
+                  </a:cubicBezTo>
+                  <a:cubicBezTo>
+                    <a:pt x="490252" y="0"/>
+                    <a:pt x="500226" y="5636"/>
+                    <a:pt x="505777" y="14854"/>
+                  </a:cubicBezTo>
+                  <a:close/>
+                </a:path>
+              </a:pathLst>
+            </a:custGeom>
+            <a:solidFill>
+              <a:srgbClr val="000000">
+                <a:alpha val="0"/>
+              </a:srgbClr>
+            </a:solidFill>
+            <a:ln w="38100" cap="rnd">
+              <a:solidFill>
+                <a:srgbClr val="CACACA">
+                  <a:alpha val="29804"/>
+                </a:srgbClr>
+              </a:solidFill>
+              <a:prstDash val="solid"/>
+              <a:round/>
+            </a:ln>
+          </p:spPr>
+          <p:txBody>
+            <a:bodyPr/>
+            <a:lstStyle/>
+            <a:p>
+              <a:endParaRPr lang="en-US"/>
+            </a:p>
+          </p:txBody>
+        </p:sp>
+        <p:sp>
+          <p:nvSpPr>
+            <p:cNvPr id="19" name="TextBox 19">
+              <a:extLst>
+                <a:ext uri="{FF2B5EF4-FFF2-40B4-BE49-F238E27FC236}">
+                  <a16:creationId xmlns:a16="http://schemas.microsoft.com/office/drawing/2014/main" id="{D62C3315-96E3-A255-1087-F4BD08E4511E}"/>
+                </a:ext>
+              </a:extLst>
+            </p:cNvPr>
+            <p:cNvSpPr txBox="1"/>
+            <p:nvPr/>
+          </p:nvSpPr>
+          <p:spPr>
+            <a:xfrm>
+              <a:off x="156333" y="347567"/>
+              <a:ext cx="687867" cy="423767"/>
+            </a:xfrm>
+            <a:prstGeom prst="rect">
+              <a:avLst/>
+            </a:prstGeom>
+          </p:spPr>
+          <p:txBody>
+            <a:bodyPr lIns="50800" tIns="50800" rIns="50800" bIns="50800" rtlCol="0" anchor="ctr"/>
+            <a:lstStyle/>
+            <a:p>
+              <a:pPr algn="ctr">
+                <a:lnSpc>
+                  <a:spcPts val="2659"/>
+                </a:lnSpc>
+              </a:pPr>
+              <a:endParaRPr/>
+            </a:p>
+          </p:txBody>
+        </p:sp>
+      </p:grpSp>
+      <p:grpSp>
+        <p:nvGrpSpPr>
+          <p:cNvPr id="20" name="Group 20">
+            <a:extLst>
+              <a:ext uri="{FF2B5EF4-FFF2-40B4-BE49-F238E27FC236}">
+                <a16:creationId xmlns:a16="http://schemas.microsoft.com/office/drawing/2014/main" id="{15952C0B-DDDA-97AF-5FC3-CEEAEA84C853}"/>
+              </a:ext>
+            </a:extLst>
+          </p:cNvPr>
+          <p:cNvGrpSpPr/>
+          <p:nvPr/>
+        </p:nvGrpSpPr>
+        <p:grpSpPr>
+          <a:xfrm>
+            <a:off x="1028700" y="2026771"/>
+            <a:ext cx="16230600" cy="7231529"/>
+            <a:chOff x="0" y="0"/>
+            <a:chExt cx="4274726" cy="1904600"/>
+          </a:xfrm>
+        </p:grpSpPr>
+        <p:sp>
+          <p:nvSpPr>
+            <p:cNvPr id="21" name="Freeform 21">
+              <a:extLst>
+                <a:ext uri="{FF2B5EF4-FFF2-40B4-BE49-F238E27FC236}">
+                  <a16:creationId xmlns:a16="http://schemas.microsoft.com/office/drawing/2014/main" id="{44CAC4A7-1740-7D2F-51C1-84B123B83045}"/>
+                </a:ext>
+              </a:extLst>
+            </p:cNvPr>
+            <p:cNvSpPr/>
+            <p:nvPr/>
+          </p:nvSpPr>
+          <p:spPr>
+            <a:xfrm>
+              <a:off x="0" y="0"/>
+              <a:ext cx="4274726" cy="1904600"/>
+            </a:xfrm>
+            <a:custGeom>
+              <a:avLst/>
+              <a:gdLst/>
+              <a:ahLst/>
+              <a:cxnLst/>
+              <a:rect l="l" t="t" r="r" b="b"/>
+              <a:pathLst>
+                <a:path w="4274726" h="1904600">
+                  <a:moveTo>
+                    <a:pt x="3816" y="0"/>
+                  </a:moveTo>
+                  <a:lnTo>
+                    <a:pt x="4270910" y="0"/>
+                  </a:lnTo>
+                  <a:cubicBezTo>
+                    <a:pt x="4271922" y="0"/>
+                    <a:pt x="4272893" y="402"/>
+                    <a:pt x="4273608" y="1118"/>
+                  </a:cubicBezTo>
+                  <a:cubicBezTo>
+                    <a:pt x="4274324" y="1833"/>
+                    <a:pt x="4274726" y="2804"/>
+                    <a:pt x="4274726" y="3816"/>
+                  </a:cubicBezTo>
+                  <a:lnTo>
+                    <a:pt x="4274726" y="1900784"/>
+                  </a:lnTo>
+                  <a:cubicBezTo>
+                    <a:pt x="4274726" y="1901796"/>
+                    <a:pt x="4274324" y="1902767"/>
+                    <a:pt x="4273608" y="1903482"/>
+                  </a:cubicBezTo>
+                  <a:cubicBezTo>
+                    <a:pt x="4272893" y="1904198"/>
+                    <a:pt x="4271922" y="1904600"/>
+                    <a:pt x="4270910" y="1904600"/>
+                  </a:cubicBezTo>
+                  <a:lnTo>
+                    <a:pt x="3816" y="1904600"/>
+                  </a:lnTo>
+                  <a:cubicBezTo>
+                    <a:pt x="2804" y="1904600"/>
+                    <a:pt x="1833" y="1904198"/>
+                    <a:pt x="1118" y="1903482"/>
+                  </a:cubicBezTo>
+                  <a:cubicBezTo>
+                    <a:pt x="402" y="1902767"/>
+                    <a:pt x="0" y="1901796"/>
+                    <a:pt x="0" y="1900784"/>
+                  </a:cubicBezTo>
+                  <a:lnTo>
+                    <a:pt x="0" y="3816"/>
+                  </a:lnTo>
+                  <a:cubicBezTo>
+                    <a:pt x="0" y="2804"/>
+                    <a:pt x="402" y="1833"/>
+                    <a:pt x="1118" y="1118"/>
+                  </a:cubicBezTo>
+                  <a:cubicBezTo>
+                    <a:pt x="1833" y="402"/>
+                    <a:pt x="2804" y="0"/>
+                    <a:pt x="3816" y="0"/>
+                  </a:cubicBezTo>
+                  <a:close/>
+                </a:path>
+              </a:pathLst>
+            </a:custGeom>
+            <a:solidFill>
+              <a:srgbClr val="000000">
+                <a:alpha val="0"/>
+              </a:srgbClr>
+            </a:solidFill>
+            <a:ln w="38100" cap="sq">
+              <a:solidFill>
+                <a:srgbClr val="0D291F"/>
+              </a:solidFill>
+              <a:prstDash val="solid"/>
+              <a:miter/>
+            </a:ln>
+          </p:spPr>
+          <p:txBody>
+            <a:bodyPr/>
+            <a:lstStyle/>
+            <a:p>
+              <a:endParaRPr lang="en-US"/>
+            </a:p>
+          </p:txBody>
+        </p:sp>
+        <p:sp>
+          <p:nvSpPr>
+            <p:cNvPr id="22" name="TextBox 22">
+              <a:extLst>
+                <a:ext uri="{FF2B5EF4-FFF2-40B4-BE49-F238E27FC236}">
+                  <a16:creationId xmlns:a16="http://schemas.microsoft.com/office/drawing/2014/main" id="{BE064328-DDFF-90EC-1DF6-F028FC3B19FF}"/>
+                </a:ext>
+              </a:extLst>
+            </p:cNvPr>
+            <p:cNvSpPr txBox="1"/>
+            <p:nvPr/>
+          </p:nvSpPr>
+          <p:spPr>
+            <a:xfrm>
+              <a:off x="0" y="-38100"/>
+              <a:ext cx="4274726" cy="1942700"/>
+            </a:xfrm>
+            <a:prstGeom prst="rect">
+              <a:avLst/>
+            </a:prstGeom>
+          </p:spPr>
+          <p:txBody>
+            <a:bodyPr lIns="50800" tIns="50800" rIns="50800" bIns="50800" rtlCol="0" anchor="ctr"/>
+            <a:lstStyle/>
+            <a:p>
+              <a:pPr algn="ctr">
+                <a:lnSpc>
+                  <a:spcPts val="2659"/>
+                </a:lnSpc>
+              </a:pPr>
+              <a:endParaRPr/>
+            </a:p>
+          </p:txBody>
+        </p:sp>
+      </p:grpSp>
+      <p:grpSp>
+        <p:nvGrpSpPr>
+          <p:cNvPr id="23" name="Group 23">
+            <a:extLst>
+              <a:ext uri="{FF2B5EF4-FFF2-40B4-BE49-F238E27FC236}">
+                <a16:creationId xmlns:a16="http://schemas.microsoft.com/office/drawing/2014/main" id="{4DE0F566-F11E-B14E-5951-DF2A2CE6A5C2}"/>
+              </a:ext>
+            </a:extLst>
+          </p:cNvPr>
+          <p:cNvGrpSpPr/>
+          <p:nvPr/>
+        </p:nvGrpSpPr>
+        <p:grpSpPr>
+          <a:xfrm>
+            <a:off x="2027520" y="10081079"/>
+            <a:ext cx="2170062" cy="788923"/>
+            <a:chOff x="0" y="0"/>
+            <a:chExt cx="1956272" cy="711200"/>
+          </a:xfrm>
+        </p:grpSpPr>
+        <p:sp>
+          <p:nvSpPr>
+            <p:cNvPr id="24" name="Freeform 24">
+              <a:extLst>
+                <a:ext uri="{FF2B5EF4-FFF2-40B4-BE49-F238E27FC236}">
+                  <a16:creationId xmlns:a16="http://schemas.microsoft.com/office/drawing/2014/main" id="{E0FF8E68-C9E9-C8DB-5381-0145E7030CCB}"/>
+                </a:ext>
+              </a:extLst>
+            </p:cNvPr>
+            <p:cNvSpPr/>
+            <p:nvPr/>
+          </p:nvSpPr>
+          <p:spPr>
+            <a:xfrm>
+              <a:off x="57730" y="21180"/>
+              <a:ext cx="1840812" cy="690020"/>
+            </a:xfrm>
+            <a:custGeom>
+              <a:avLst/>
+              <a:gdLst/>
+              <a:ahLst/>
+              <a:cxnLst/>
+              <a:rect l="l" t="t" r="r" b="b"/>
+              <a:pathLst>
+                <a:path w="1840812" h="690020">
+                  <a:moveTo>
+                    <a:pt x="992543" y="31271"/>
+                  </a:moveTo>
+                  <a:lnTo>
+                    <a:pt x="1826404" y="637569"/>
+                  </a:lnTo>
+                  <a:cubicBezTo>
+                    <a:pt x="1836563" y="644956"/>
+                    <a:pt x="1840812" y="658043"/>
+                    <a:pt x="1836928" y="669988"/>
+                  </a:cubicBezTo>
+                  <a:cubicBezTo>
+                    <a:pt x="1833045" y="681933"/>
+                    <a:pt x="1821912" y="690020"/>
+                    <a:pt x="1809352" y="690020"/>
+                  </a:cubicBezTo>
+                  <a:lnTo>
+                    <a:pt x="31460" y="690020"/>
+                  </a:lnTo>
+                  <a:cubicBezTo>
+                    <a:pt x="18900" y="690020"/>
+                    <a:pt x="7767" y="681933"/>
+                    <a:pt x="3883" y="669988"/>
+                  </a:cubicBezTo>
+                  <a:cubicBezTo>
+                    <a:pt x="0" y="658043"/>
+                    <a:pt x="4248" y="644956"/>
+                    <a:pt x="14407" y="637569"/>
+                  </a:cubicBezTo>
+                  <a:lnTo>
+                    <a:pt x="848269" y="31271"/>
+                  </a:lnTo>
+                  <a:cubicBezTo>
+                    <a:pt x="891277" y="0"/>
+                    <a:pt x="949535" y="0"/>
+                    <a:pt x="992543" y="31271"/>
+                  </a:cubicBezTo>
+                  <a:close/>
+                </a:path>
+              </a:pathLst>
+            </a:custGeom>
+            <a:solidFill>
+              <a:srgbClr val="000000">
+                <a:alpha val="0"/>
+              </a:srgbClr>
+            </a:solidFill>
+            <a:ln w="38100" cap="rnd">
+              <a:solidFill>
+                <a:srgbClr val="CACACA">
+                  <a:alpha val="29804"/>
+                </a:srgbClr>
+              </a:solidFill>
+              <a:prstDash val="solid"/>
+              <a:round/>
+            </a:ln>
+          </p:spPr>
+          <p:txBody>
+            <a:bodyPr/>
+            <a:lstStyle/>
+            <a:p>
+              <a:endParaRPr lang="en-US"/>
+            </a:p>
+          </p:txBody>
+        </p:sp>
+        <p:sp>
+          <p:nvSpPr>
+            <p:cNvPr id="25" name="TextBox 25">
+              <a:extLst>
+                <a:ext uri="{FF2B5EF4-FFF2-40B4-BE49-F238E27FC236}">
+                  <a16:creationId xmlns:a16="http://schemas.microsoft.com/office/drawing/2014/main" id="{FD51F18A-F80A-14E2-E9D3-D2050456E3C1}"/>
+                </a:ext>
+              </a:extLst>
+            </p:cNvPr>
+            <p:cNvSpPr txBox="1"/>
+            <p:nvPr/>
+          </p:nvSpPr>
+          <p:spPr>
+            <a:xfrm>
+              <a:off x="305667" y="292100"/>
+              <a:ext cx="1344937" cy="368300"/>
+            </a:xfrm>
+            <a:prstGeom prst="rect">
+              <a:avLst/>
+            </a:prstGeom>
+          </p:spPr>
+          <p:txBody>
+            <a:bodyPr lIns="50800" tIns="50800" rIns="50800" bIns="50800" rtlCol="0" anchor="ctr"/>
+            <a:lstStyle/>
+            <a:p>
+              <a:pPr algn="ctr">
+                <a:lnSpc>
+                  <a:spcPts val="2659"/>
+                </a:lnSpc>
+              </a:pPr>
+              <a:endParaRPr/>
+            </a:p>
+          </p:txBody>
+        </p:sp>
+      </p:grpSp>
+      <p:grpSp>
+        <p:nvGrpSpPr>
+          <p:cNvPr id="26" name="Group 26">
+            <a:extLst>
+              <a:ext uri="{FF2B5EF4-FFF2-40B4-BE49-F238E27FC236}">
+                <a16:creationId xmlns:a16="http://schemas.microsoft.com/office/drawing/2014/main" id="{F980B232-E78A-DF51-D8A7-E44F61A9361A}"/>
+              </a:ext>
+            </a:extLst>
+          </p:cNvPr>
+          <p:cNvGrpSpPr/>
+          <p:nvPr/>
+        </p:nvGrpSpPr>
+        <p:grpSpPr>
+          <a:xfrm rot="5008937">
+            <a:off x="3804873" y="7300455"/>
+            <a:ext cx="3314236" cy="2700338"/>
+            <a:chOff x="0" y="0"/>
+            <a:chExt cx="872885" cy="711200"/>
+          </a:xfrm>
+        </p:grpSpPr>
+        <p:sp>
+          <p:nvSpPr>
+            <p:cNvPr id="27" name="Freeform 27">
+              <a:extLst>
+                <a:ext uri="{FF2B5EF4-FFF2-40B4-BE49-F238E27FC236}">
+                  <a16:creationId xmlns:a16="http://schemas.microsoft.com/office/drawing/2014/main" id="{9B4925DC-835F-6579-D342-250BFDCF5B9D}"/>
+                </a:ext>
+              </a:extLst>
+            </p:cNvPr>
+            <p:cNvSpPr/>
+            <p:nvPr/>
+          </p:nvSpPr>
+          <p:spPr>
+            <a:xfrm>
+              <a:off x="24102" y="32681"/>
+              <a:ext cx="824682" cy="678519"/>
+            </a:xfrm>
+            <a:custGeom>
+              <a:avLst/>
+              <a:gdLst/>
+              <a:ahLst/>
+              <a:cxnLst/>
+              <a:rect l="l" t="t" r="r" b="b"/>
+              <a:pathLst>
+                <a:path w="824682" h="678519">
+                  <a:moveTo>
+                    <a:pt x="442885" y="17093"/>
+                  </a:moveTo>
+                  <a:lnTo>
+                    <a:pt x="818238" y="628745"/>
+                  </a:lnTo>
+                  <a:cubicBezTo>
+                    <a:pt x="824427" y="638830"/>
+                    <a:pt x="824681" y="651472"/>
+                    <a:pt x="818903" y="661798"/>
+                  </a:cubicBezTo>
+                  <a:cubicBezTo>
+                    <a:pt x="813125" y="672123"/>
+                    <a:pt x="802217" y="678519"/>
+                    <a:pt x="790384" y="678519"/>
+                  </a:cubicBezTo>
+                  <a:lnTo>
+                    <a:pt x="34297" y="678519"/>
+                  </a:lnTo>
+                  <a:cubicBezTo>
+                    <a:pt x="22465" y="678519"/>
+                    <a:pt x="11556" y="672123"/>
+                    <a:pt x="5778" y="661798"/>
+                  </a:cubicBezTo>
+                  <a:cubicBezTo>
+                    <a:pt x="0" y="651472"/>
+                    <a:pt x="254" y="638830"/>
+                    <a:pt x="6443" y="628745"/>
+                  </a:cubicBezTo>
+                  <a:lnTo>
+                    <a:pt x="381796" y="17093"/>
+                  </a:lnTo>
+                  <a:cubicBezTo>
+                    <a:pt x="388313" y="6472"/>
+                    <a:pt x="399880" y="0"/>
+                    <a:pt x="412341" y="0"/>
+                  </a:cubicBezTo>
+                  <a:cubicBezTo>
+                    <a:pt x="424802" y="0"/>
+                    <a:pt x="436368" y="6472"/>
+                    <a:pt x="442885" y="17093"/>
+                  </a:cubicBezTo>
+                  <a:close/>
+                </a:path>
+              </a:pathLst>
+            </a:custGeom>
+            <a:solidFill>
+              <a:srgbClr val="000000">
+                <a:alpha val="0"/>
+              </a:srgbClr>
+            </a:solidFill>
+            <a:ln w="38100" cap="rnd">
+              <a:solidFill>
+                <a:srgbClr val="CACACA">
+                  <a:alpha val="29804"/>
+                </a:srgbClr>
+              </a:solidFill>
+              <a:prstDash val="solid"/>
+              <a:round/>
+            </a:ln>
+          </p:spPr>
+          <p:txBody>
+            <a:bodyPr/>
+            <a:lstStyle/>
+            <a:p>
+              <a:endParaRPr lang="en-US"/>
+            </a:p>
+          </p:txBody>
+        </p:sp>
+        <p:sp>
+          <p:nvSpPr>
+            <p:cNvPr id="28" name="TextBox 28">
+              <a:extLst>
+                <a:ext uri="{FF2B5EF4-FFF2-40B4-BE49-F238E27FC236}">
+                  <a16:creationId xmlns:a16="http://schemas.microsoft.com/office/drawing/2014/main" id="{292AD873-2892-EE12-3D4D-42C380F5456F}"/>
+                </a:ext>
+              </a:extLst>
+            </p:cNvPr>
+            <p:cNvSpPr txBox="1"/>
+            <p:nvPr/>
+          </p:nvSpPr>
+          <p:spPr>
+            <a:xfrm>
+              <a:off x="136388" y="292100"/>
+              <a:ext cx="600109" cy="368300"/>
+            </a:xfrm>
+            <a:prstGeom prst="rect">
+              <a:avLst/>
+            </a:prstGeom>
+          </p:spPr>
+          <p:txBody>
+            <a:bodyPr lIns="50800" tIns="50800" rIns="50800" bIns="50800" rtlCol="0" anchor="ctr"/>
+            <a:lstStyle/>
+            <a:p>
+              <a:pPr algn="ctr">
+                <a:lnSpc>
+                  <a:spcPts val="2659"/>
+                </a:lnSpc>
+              </a:pPr>
+              <a:endParaRPr/>
+            </a:p>
+          </p:txBody>
+        </p:sp>
+      </p:grpSp>
+      <p:grpSp>
+        <p:nvGrpSpPr>
+          <p:cNvPr id="29" name="Group 29">
+            <a:extLst>
+              <a:ext uri="{FF2B5EF4-FFF2-40B4-BE49-F238E27FC236}">
+                <a16:creationId xmlns:a16="http://schemas.microsoft.com/office/drawing/2014/main" id="{4A7CAB57-EDDE-624B-70DA-5E72DEFF2780}"/>
+              </a:ext>
+            </a:extLst>
+          </p:cNvPr>
+          <p:cNvGrpSpPr/>
+          <p:nvPr/>
+        </p:nvGrpSpPr>
+        <p:grpSpPr>
+          <a:xfrm rot="500708">
+            <a:off x="4285992" y="8395496"/>
+            <a:ext cx="5256909" cy="2700338"/>
+            <a:chOff x="0" y="0"/>
+            <a:chExt cx="1384536" cy="711200"/>
+          </a:xfrm>
+        </p:grpSpPr>
+        <p:sp>
+          <p:nvSpPr>
+            <p:cNvPr id="30" name="Freeform 30">
+              <a:extLst>
+                <a:ext uri="{FF2B5EF4-FFF2-40B4-BE49-F238E27FC236}">
+                  <a16:creationId xmlns:a16="http://schemas.microsoft.com/office/drawing/2014/main" id="{3F4F751D-5736-78A2-D6E4-3A515700BE28}"/>
+                </a:ext>
+              </a:extLst>
+            </p:cNvPr>
+            <p:cNvSpPr/>
+            <p:nvPr/>
+          </p:nvSpPr>
+          <p:spPr>
+            <a:xfrm>
+              <a:off x="20069" y="15542"/>
+              <a:ext cx="1344397" cy="695658"/>
+            </a:xfrm>
+            <a:custGeom>
+              <a:avLst/>
+              <a:gdLst/>
+              <a:ahLst/>
+              <a:cxnLst/>
+              <a:rect l="l" t="t" r="r" b="b"/>
+              <a:pathLst>
+                <a:path w="1344397" h="695658">
+                  <a:moveTo>
+                    <a:pt x="697880" y="10841"/>
+                  </a:moveTo>
+                  <a:lnTo>
+                    <a:pt x="1338786" y="669275"/>
+                  </a:lnTo>
+                  <a:cubicBezTo>
+                    <a:pt x="1343144" y="673752"/>
+                    <a:pt x="1344398" y="680404"/>
+                    <a:pt x="1341968" y="686160"/>
+                  </a:cubicBezTo>
+                  <a:cubicBezTo>
+                    <a:pt x="1339538" y="691916"/>
+                    <a:pt x="1333897" y="695658"/>
+                    <a:pt x="1327649" y="695658"/>
+                  </a:cubicBezTo>
+                  <a:lnTo>
+                    <a:pt x="16749" y="695658"/>
+                  </a:lnTo>
+                  <a:cubicBezTo>
+                    <a:pt x="10501" y="695658"/>
+                    <a:pt x="4860" y="691916"/>
+                    <a:pt x="2430" y="686160"/>
+                  </a:cubicBezTo>
+                  <a:cubicBezTo>
+                    <a:pt x="0" y="680404"/>
+                    <a:pt x="1254" y="673752"/>
+                    <a:pt x="5612" y="669275"/>
+                  </a:cubicBezTo>
+                  <a:lnTo>
+                    <a:pt x="646518" y="10841"/>
+                  </a:lnTo>
+                  <a:cubicBezTo>
+                    <a:pt x="653265" y="3910"/>
+                    <a:pt x="662527" y="0"/>
+                    <a:pt x="672199" y="0"/>
+                  </a:cubicBezTo>
+                  <a:cubicBezTo>
+                    <a:pt x="681871" y="0"/>
+                    <a:pt x="691133" y="3910"/>
+                    <a:pt x="697880" y="10841"/>
+                  </a:cubicBezTo>
+                  <a:close/>
+                </a:path>
+              </a:pathLst>
+            </a:custGeom>
+            <a:solidFill>
+              <a:srgbClr val="000000">
+                <a:alpha val="0"/>
+              </a:srgbClr>
+            </a:solidFill>
+            <a:ln w="38100" cap="rnd">
+              <a:solidFill>
+                <a:srgbClr val="CACACA">
+                  <a:alpha val="29804"/>
+                </a:srgbClr>
+              </a:solidFill>
+              <a:prstDash val="solid"/>
+              <a:round/>
+            </a:ln>
+          </p:spPr>
+          <p:txBody>
+            <a:bodyPr/>
+            <a:lstStyle/>
+            <a:p>
+              <a:endParaRPr lang="en-US"/>
+            </a:p>
+          </p:txBody>
+        </p:sp>
+        <p:sp>
+          <p:nvSpPr>
+            <p:cNvPr id="31" name="TextBox 31">
+              <a:extLst>
+                <a:ext uri="{FF2B5EF4-FFF2-40B4-BE49-F238E27FC236}">
+                  <a16:creationId xmlns:a16="http://schemas.microsoft.com/office/drawing/2014/main" id="{257FC0AA-E348-B214-89B5-4082465B4581}"/>
+                </a:ext>
+              </a:extLst>
+            </p:cNvPr>
+            <p:cNvSpPr txBox="1"/>
+            <p:nvPr/>
+          </p:nvSpPr>
+          <p:spPr>
+            <a:xfrm>
+              <a:off x="216334" y="292100"/>
+              <a:ext cx="951868" cy="368300"/>
+            </a:xfrm>
+            <a:prstGeom prst="rect">
+              <a:avLst/>
+            </a:prstGeom>
+          </p:spPr>
+          <p:txBody>
+            <a:bodyPr lIns="50800" tIns="50800" rIns="50800" bIns="50800" rtlCol="0" anchor="ctr"/>
+            <a:lstStyle/>
+            <a:p>
+              <a:pPr algn="ctr">
+                <a:lnSpc>
+                  <a:spcPts val="2659"/>
+                </a:lnSpc>
+              </a:pPr>
+              <a:endParaRPr/>
+            </a:p>
+          </p:txBody>
+        </p:sp>
+      </p:grpSp>
+      <p:grpSp>
+        <p:nvGrpSpPr>
+          <p:cNvPr id="32" name="Group 32">
+            <a:extLst>
+              <a:ext uri="{FF2B5EF4-FFF2-40B4-BE49-F238E27FC236}">
+                <a16:creationId xmlns:a16="http://schemas.microsoft.com/office/drawing/2014/main" id="{69A2287A-C58D-0EE8-17E8-1BFF4C656186}"/>
+              </a:ext>
+            </a:extLst>
+          </p:cNvPr>
+          <p:cNvGrpSpPr/>
+          <p:nvPr/>
+        </p:nvGrpSpPr>
+        <p:grpSpPr>
+          <a:xfrm rot="2562940">
+            <a:off x="1840309" y="3475961"/>
+            <a:ext cx="3299599" cy="2700338"/>
+            <a:chOff x="0" y="0"/>
+            <a:chExt cx="869030" cy="711200"/>
+          </a:xfrm>
+        </p:grpSpPr>
+        <p:sp>
+          <p:nvSpPr>
+            <p:cNvPr id="33" name="Freeform 33">
+              <a:extLst>
+                <a:ext uri="{FF2B5EF4-FFF2-40B4-BE49-F238E27FC236}">
+                  <a16:creationId xmlns:a16="http://schemas.microsoft.com/office/drawing/2014/main" id="{ED72F755-F9C2-085D-BA93-1A1B1693E04E}"/>
+                </a:ext>
+              </a:extLst>
+            </p:cNvPr>
+            <p:cNvSpPr/>
+            <p:nvPr/>
+          </p:nvSpPr>
+          <p:spPr>
+            <a:xfrm>
+              <a:off x="24140" y="32902"/>
+              <a:ext cx="820750" cy="678298"/>
+            </a:xfrm>
+            <a:custGeom>
+              <a:avLst/>
+              <a:gdLst/>
+              <a:ahLst/>
+              <a:cxnLst/>
+              <a:rect l="l" t="t" r="r" b="b"/>
+              <a:pathLst>
+                <a:path w="820750" h="678298">
+                  <a:moveTo>
+                    <a:pt x="440957" y="17153"/>
+                  </a:moveTo>
+                  <a:lnTo>
+                    <a:pt x="814308" y="628243"/>
+                  </a:lnTo>
+                  <a:cubicBezTo>
+                    <a:pt x="820513" y="638398"/>
+                    <a:pt x="820750" y="651112"/>
+                    <a:pt x="814928" y="661492"/>
+                  </a:cubicBezTo>
+                  <a:cubicBezTo>
+                    <a:pt x="809106" y="671871"/>
+                    <a:pt x="798133" y="678298"/>
+                    <a:pt x="786232" y="678298"/>
+                  </a:cubicBezTo>
+                  <a:lnTo>
+                    <a:pt x="34518" y="678298"/>
+                  </a:lnTo>
+                  <a:cubicBezTo>
+                    <a:pt x="22617" y="678298"/>
+                    <a:pt x="11644" y="671871"/>
+                    <a:pt x="5822" y="661492"/>
+                  </a:cubicBezTo>
+                  <a:cubicBezTo>
+                    <a:pt x="0" y="651112"/>
+                    <a:pt x="237" y="638398"/>
+                    <a:pt x="6442" y="628243"/>
+                  </a:cubicBezTo>
+                  <a:lnTo>
+                    <a:pt x="379793" y="17153"/>
+                  </a:lnTo>
+                  <a:cubicBezTo>
+                    <a:pt x="386303" y="6498"/>
+                    <a:pt x="397889" y="0"/>
+                    <a:pt x="410375" y="0"/>
+                  </a:cubicBezTo>
+                  <a:cubicBezTo>
+                    <a:pt x="422861" y="0"/>
+                    <a:pt x="434447" y="6498"/>
+                    <a:pt x="440957" y="17153"/>
+                  </a:cubicBezTo>
+                  <a:close/>
+                </a:path>
+              </a:pathLst>
+            </a:custGeom>
+            <a:solidFill>
+              <a:srgbClr val="000000">
+                <a:alpha val="0"/>
+              </a:srgbClr>
+            </a:solidFill>
+            <a:ln w="38100" cap="rnd">
+              <a:solidFill>
+                <a:srgbClr val="CACACA">
+                  <a:alpha val="29804"/>
+                </a:srgbClr>
+              </a:solidFill>
+              <a:prstDash val="solid"/>
+              <a:round/>
+            </a:ln>
+          </p:spPr>
+          <p:txBody>
+            <a:bodyPr/>
+            <a:lstStyle/>
+            <a:p>
+              <a:endParaRPr lang="en-US"/>
+            </a:p>
+          </p:txBody>
+        </p:sp>
+        <p:sp>
+          <p:nvSpPr>
+            <p:cNvPr id="34" name="TextBox 34">
+              <a:extLst>
+                <a:ext uri="{FF2B5EF4-FFF2-40B4-BE49-F238E27FC236}">
+                  <a16:creationId xmlns:a16="http://schemas.microsoft.com/office/drawing/2014/main" id="{1C7FC354-3EE2-043C-0D7E-293D8C6BD1DD}"/>
+                </a:ext>
+              </a:extLst>
+            </p:cNvPr>
+            <p:cNvSpPr txBox="1"/>
+            <p:nvPr/>
+          </p:nvSpPr>
+          <p:spPr>
+            <a:xfrm>
+              <a:off x="135786" y="292100"/>
+              <a:ext cx="597458" cy="368300"/>
+            </a:xfrm>
+            <a:prstGeom prst="rect">
+              <a:avLst/>
+            </a:prstGeom>
+          </p:spPr>
+          <p:txBody>
+            <a:bodyPr lIns="50800" tIns="50800" rIns="50800" bIns="50800" rtlCol="0" anchor="ctr"/>
+            <a:lstStyle/>
+            <a:p>
+              <a:pPr algn="ctr">
+                <a:lnSpc>
+                  <a:spcPts val="2659"/>
+                </a:lnSpc>
+              </a:pPr>
+              <a:endParaRPr/>
+            </a:p>
+          </p:txBody>
+        </p:sp>
+      </p:grpSp>
+      <p:grpSp>
+        <p:nvGrpSpPr>
+          <p:cNvPr id="35" name="Group 35">
+            <a:extLst>
+              <a:ext uri="{FF2B5EF4-FFF2-40B4-BE49-F238E27FC236}">
+                <a16:creationId xmlns:a16="http://schemas.microsoft.com/office/drawing/2014/main" id="{C8882597-4321-925A-70CB-14E865C457CB}"/>
+              </a:ext>
+            </a:extLst>
+          </p:cNvPr>
+          <p:cNvGrpSpPr/>
+          <p:nvPr/>
+        </p:nvGrpSpPr>
+        <p:grpSpPr>
+          <a:xfrm rot="3684998">
+            <a:off x="4381538" y="4269048"/>
+            <a:ext cx="2652117" cy="3510222"/>
+            <a:chOff x="0" y="0"/>
+            <a:chExt cx="698500" cy="924503"/>
+          </a:xfrm>
+        </p:grpSpPr>
+        <p:sp>
+          <p:nvSpPr>
+            <p:cNvPr id="36" name="Freeform 36">
+              <a:extLst>
+                <a:ext uri="{FF2B5EF4-FFF2-40B4-BE49-F238E27FC236}">
+                  <a16:creationId xmlns:a16="http://schemas.microsoft.com/office/drawing/2014/main" id="{18BA8756-0358-F8B5-1E84-FDE437B46E10}"/>
+                </a:ext>
+              </a:extLst>
+            </p:cNvPr>
+            <p:cNvSpPr/>
+            <p:nvPr/>
+          </p:nvSpPr>
+          <p:spPr>
+            <a:xfrm>
+              <a:off x="0" y="12043"/>
+              <a:ext cx="698500" cy="900417"/>
+            </a:xfrm>
+            <a:custGeom>
+              <a:avLst/>
+              <a:gdLst/>
+              <a:ahLst/>
+              <a:cxnLst/>
+              <a:rect l="l" t="t" r="r" b="b"/>
+              <a:pathLst>
+                <a:path w="698500" h="900417">
+                  <a:moveTo>
+                    <a:pt x="403459" y="19496"/>
+                  </a:moveTo>
+                  <a:lnTo>
+                    <a:pt x="644291" y="159618"/>
+                  </a:lnTo>
+                  <a:cubicBezTo>
+                    <a:pt x="677853" y="179144"/>
+                    <a:pt x="698500" y="215044"/>
+                    <a:pt x="698500" y="253873"/>
+                  </a:cubicBezTo>
+                  <a:lnTo>
+                    <a:pt x="698500" y="646544"/>
+                  </a:lnTo>
+                  <a:cubicBezTo>
+                    <a:pt x="698500" y="685373"/>
+                    <a:pt x="677853" y="721272"/>
+                    <a:pt x="644291" y="740799"/>
+                  </a:cubicBezTo>
+                  <a:lnTo>
+                    <a:pt x="403459" y="880920"/>
+                  </a:lnTo>
+                  <a:cubicBezTo>
+                    <a:pt x="369949" y="900417"/>
+                    <a:pt x="328551" y="900417"/>
+                    <a:pt x="295041" y="880920"/>
+                  </a:cubicBezTo>
+                  <a:lnTo>
+                    <a:pt x="54209" y="740799"/>
+                  </a:lnTo>
+                  <a:cubicBezTo>
+                    <a:pt x="20647" y="721272"/>
+                    <a:pt x="0" y="685373"/>
+                    <a:pt x="0" y="646544"/>
+                  </a:cubicBezTo>
+                  <a:lnTo>
+                    <a:pt x="0" y="253873"/>
+                  </a:lnTo>
+                  <a:cubicBezTo>
+                    <a:pt x="0" y="215044"/>
+                    <a:pt x="20647" y="179144"/>
+                    <a:pt x="54209" y="159618"/>
+                  </a:cubicBezTo>
+                  <a:lnTo>
+                    <a:pt x="295041" y="19496"/>
+                  </a:lnTo>
+                  <a:cubicBezTo>
+                    <a:pt x="328551" y="0"/>
+                    <a:pt x="369949" y="0"/>
+                    <a:pt x="403459" y="19496"/>
+                  </a:cubicBezTo>
+                  <a:close/>
+                </a:path>
+              </a:pathLst>
+            </a:custGeom>
+            <a:solidFill>
+              <a:srgbClr val="000000">
+                <a:alpha val="0"/>
+              </a:srgbClr>
+            </a:solidFill>
+            <a:ln w="38100" cap="rnd">
+              <a:solidFill>
+                <a:srgbClr val="CACACA">
+                  <a:alpha val="29804"/>
+                </a:srgbClr>
+              </a:solidFill>
+              <a:prstDash val="solid"/>
+              <a:round/>
+            </a:ln>
+          </p:spPr>
+          <p:txBody>
+            <a:bodyPr/>
+            <a:lstStyle/>
+            <a:p>
+              <a:endParaRPr lang="en-US"/>
+            </a:p>
+          </p:txBody>
+        </p:sp>
+        <p:sp>
+          <p:nvSpPr>
+            <p:cNvPr id="37" name="TextBox 37">
+              <a:extLst>
+                <a:ext uri="{FF2B5EF4-FFF2-40B4-BE49-F238E27FC236}">
+                  <a16:creationId xmlns:a16="http://schemas.microsoft.com/office/drawing/2014/main" id="{E030717A-BB94-BF85-F3B4-B0F3733B613D}"/>
+                </a:ext>
+              </a:extLst>
+            </p:cNvPr>
+            <p:cNvSpPr txBox="1"/>
+            <p:nvPr/>
+          </p:nvSpPr>
+          <p:spPr>
+            <a:xfrm>
+              <a:off x="0" y="101600"/>
+              <a:ext cx="698500" cy="683203"/>
+            </a:xfrm>
+            <a:prstGeom prst="rect">
+              <a:avLst/>
+            </a:prstGeom>
+          </p:spPr>
+          <p:txBody>
+            <a:bodyPr lIns="50800" tIns="50800" rIns="50800" bIns="50800" rtlCol="0" anchor="ctr"/>
+            <a:lstStyle/>
+            <a:p>
+              <a:pPr algn="ctr">
+                <a:lnSpc>
+                  <a:spcPts val="2659"/>
+                </a:lnSpc>
+              </a:pPr>
+              <a:endParaRPr/>
+            </a:p>
+          </p:txBody>
+        </p:sp>
+      </p:grpSp>
+      <p:sp>
+        <p:nvSpPr>
+          <p:cNvPr id="38" name="Freeform 38">
+            <a:extLst>
+              <a:ext uri="{FF2B5EF4-FFF2-40B4-BE49-F238E27FC236}">
+                <a16:creationId xmlns:a16="http://schemas.microsoft.com/office/drawing/2014/main" id="{F1EC6C72-7BF3-0F73-E51E-BF803D6358BF}"/>
+              </a:ext>
+            </a:extLst>
+          </p:cNvPr>
+          <p:cNvSpPr/>
+          <p:nvPr/>
+        </p:nvSpPr>
+        <p:spPr>
+          <a:xfrm>
+            <a:off x="14699011" y="8009260"/>
+            <a:ext cx="2449657" cy="1168778"/>
+          </a:xfrm>
+          <a:custGeom>
+            <a:avLst/>
+            <a:gdLst/>
+            <a:ahLst/>
+            <a:cxnLst/>
+            <a:rect l="l" t="t" r="r" b="b"/>
+            <a:pathLst>
+              <a:path w="2449657" h="1168778">
+                <a:moveTo>
+                  <a:pt x="0" y="0"/>
+                </a:moveTo>
+                <a:lnTo>
+                  <a:pt x="2449657" y="0"/>
+                </a:lnTo>
+                <a:lnTo>
+                  <a:pt x="2449657" y="1168778"/>
+                </a:lnTo>
+                <a:lnTo>
+                  <a:pt x="0" y="1168778"/>
+                </a:lnTo>
+                <a:lnTo>
+                  <a:pt x="0" y="0"/>
+                </a:lnTo>
+                <a:close/>
+              </a:path>
+            </a:pathLst>
+          </a:custGeom>
+          <a:blipFill>
+            <a:blip r:embed="rId2"/>
+            <a:stretch>
+              <a:fillRect t="-1087" b="-1087"/>
+            </a:stretch>
+          </a:blipFill>
+        </p:spPr>
+        <p:txBody>
+          <a:bodyPr/>
+          <a:lstStyle/>
+          <a:p>
+            <a:endParaRPr lang="en-US"/>
+          </a:p>
+        </p:txBody>
+      </p:sp>
+      <p:sp>
+        <p:nvSpPr>
+          <p:cNvPr id="40" name="TextBox 40">
+            <a:extLst>
+              <a:ext uri="{FF2B5EF4-FFF2-40B4-BE49-F238E27FC236}">
+                <a16:creationId xmlns:a16="http://schemas.microsoft.com/office/drawing/2014/main" id="{BF3C053B-8554-AE31-BD25-5C3FB9259212}"/>
+              </a:ext>
+            </a:extLst>
+          </p:cNvPr>
+          <p:cNvSpPr txBox="1"/>
+          <p:nvPr/>
+        </p:nvSpPr>
+        <p:spPr>
+          <a:xfrm>
+            <a:off x="1271082" y="558110"/>
+            <a:ext cx="15988218" cy="1180708"/>
+          </a:xfrm>
+          <a:prstGeom prst="rect">
+            <a:avLst/>
+          </a:prstGeom>
+        </p:spPr>
+        <p:txBody>
+          <a:bodyPr lIns="0" tIns="0" rIns="0" bIns="0" rtlCol="0" anchor="t">
+            <a:spAutoFit/>
+          </a:bodyPr>
+          <a:lstStyle/>
+          <a:p>
+            <a:pPr algn="ctr">
+              <a:lnSpc>
+                <a:spcPts val="9660"/>
+              </a:lnSpc>
+            </a:pPr>
+            <a:r>
+              <a:rPr lang="en-US" sz="6900" b="1" dirty="0">
+                <a:solidFill>
+                  <a:srgbClr val="FFFEF9"/>
+                </a:solidFill>
+                <a:latin typeface="Poppins Bold"/>
+                <a:ea typeface="Poppins Bold"/>
+                <a:cs typeface="Poppins Bold"/>
+                <a:sym typeface="Poppins Bold"/>
+              </a:rPr>
+              <a:t>Speaker Certificate</a:t>
+            </a:r>
+          </a:p>
+        </p:txBody>
+      </p:sp>
+      <p:sp>
+        <p:nvSpPr>
+          <p:cNvPr id="41" name="TextBox 41">
+            <a:extLst>
+              <a:ext uri="{FF2B5EF4-FFF2-40B4-BE49-F238E27FC236}">
+                <a16:creationId xmlns:a16="http://schemas.microsoft.com/office/drawing/2014/main" id="{095B4D72-5DC7-89CD-D811-747F5A122877}"/>
+              </a:ext>
+            </a:extLst>
+          </p:cNvPr>
+          <p:cNvSpPr txBox="1"/>
+          <p:nvPr/>
+        </p:nvSpPr>
+        <p:spPr>
+          <a:xfrm>
+            <a:off x="1271082" y="2440342"/>
+            <a:ext cx="8115300" cy="6052491"/>
+          </a:xfrm>
+          <a:prstGeom prst="rect">
+            <a:avLst/>
+          </a:prstGeom>
+        </p:spPr>
+        <p:txBody>
+          <a:bodyPr lIns="0" tIns="0" rIns="0" bIns="0" rtlCol="0" anchor="t">
+            <a:spAutoFit/>
+          </a:bodyPr>
+          <a:lstStyle/>
+          <a:p>
+            <a:pPr>
+              <a:lnSpc>
+                <a:spcPts val="3359"/>
+              </a:lnSpc>
+            </a:pPr>
+            <a:r>
+              <a:rPr lang="en-US" sz="2399" b="1" dirty="0">
+                <a:solidFill>
+                  <a:srgbClr val="000000"/>
+                </a:solidFill>
+                <a:latin typeface="Poppins Bold"/>
+                <a:ea typeface="Poppins Bold"/>
+                <a:cs typeface="Poppins Bold"/>
+                <a:sym typeface="Poppins Bold"/>
+              </a:rPr>
+              <a:t>Speaker Certificate in the sidebar shows the following inputs:</a:t>
+            </a:r>
+          </a:p>
+          <a:p>
+            <a:pPr marL="518158" lvl="1" indent="-259079">
+              <a:lnSpc>
+                <a:spcPts val="3359"/>
+              </a:lnSpc>
+              <a:buFont typeface="Arial"/>
+              <a:buChar char="•"/>
+            </a:pPr>
+            <a:r>
+              <a:rPr lang="en-US" sz="2399" b="1" dirty="0">
+                <a:solidFill>
+                  <a:srgbClr val="000000"/>
+                </a:solidFill>
+                <a:latin typeface="Poppins Bold"/>
+                <a:ea typeface="Poppins Bold"/>
+                <a:cs typeface="Poppins Bold"/>
+                <a:sym typeface="Poppins Bold"/>
+              </a:rPr>
+              <a:t>Upload Certificates</a:t>
+            </a:r>
+          </a:p>
+          <a:p>
+            <a:pPr marL="1059179" lvl="2" indent="-342900">
+              <a:lnSpc>
+                <a:spcPts val="3359"/>
+              </a:lnSpc>
+              <a:buFont typeface="Arial" panose="020B0604020202020204" pitchFamily="34" charset="0"/>
+              <a:buChar char="•"/>
+            </a:pPr>
+            <a:r>
+              <a:rPr lang="en-US" sz="2399" b="1" dirty="0">
+                <a:solidFill>
+                  <a:srgbClr val="000000"/>
+                </a:solidFill>
+                <a:latin typeface="Poppins Bold"/>
+                <a:ea typeface="Poppins Bold"/>
+                <a:cs typeface="Poppins Bold"/>
+                <a:sym typeface="Poppins Bold"/>
+              </a:rPr>
+              <a:t>Allows the admin to upload certificates</a:t>
+            </a:r>
+          </a:p>
+          <a:p>
+            <a:pPr marL="518158" lvl="1" indent="-259079">
+              <a:lnSpc>
+                <a:spcPts val="3359"/>
+              </a:lnSpc>
+              <a:buFont typeface="Arial"/>
+              <a:buChar char="•"/>
+            </a:pPr>
+            <a:r>
+              <a:rPr lang="en-US" sz="2399" b="1" dirty="0">
+                <a:solidFill>
+                  <a:srgbClr val="000000"/>
+                </a:solidFill>
+                <a:latin typeface="Poppins Bold"/>
+                <a:ea typeface="Poppins Bold"/>
+                <a:cs typeface="Poppins Bold"/>
+                <a:sym typeface="Poppins Bold"/>
+              </a:rPr>
+              <a:t>Add Names</a:t>
+            </a:r>
+          </a:p>
+          <a:p>
+            <a:pPr marL="975358" lvl="2" indent="-259079">
+              <a:lnSpc>
+                <a:spcPts val="3359"/>
+              </a:lnSpc>
+              <a:buFont typeface="Arial"/>
+              <a:buChar char="•"/>
+            </a:pPr>
+            <a:r>
+              <a:rPr lang="en-US" sz="2399" b="1" dirty="0">
+                <a:solidFill>
+                  <a:srgbClr val="000000"/>
+                </a:solidFill>
+                <a:latin typeface="Poppins Bold"/>
+                <a:ea typeface="Poppins Bold"/>
+                <a:cs typeface="Poppins Bold"/>
+                <a:sym typeface="Poppins Bold"/>
+              </a:rPr>
+              <a:t>Allows the admin to add multiple names to sign the certificates</a:t>
+            </a:r>
+          </a:p>
+          <a:p>
+            <a:pPr marL="518158" lvl="1" indent="-259079">
+              <a:lnSpc>
+                <a:spcPts val="3359"/>
+              </a:lnSpc>
+              <a:buFont typeface="Arial"/>
+              <a:buChar char="•"/>
+            </a:pPr>
+            <a:r>
+              <a:rPr lang="en-US" sz="2399" b="1" dirty="0">
+                <a:solidFill>
+                  <a:srgbClr val="000000"/>
+                </a:solidFill>
+                <a:latin typeface="Poppins Bold"/>
+                <a:ea typeface="Poppins Bold"/>
+                <a:cs typeface="Poppins Bold"/>
+                <a:sym typeface="Poppins Bold"/>
+              </a:rPr>
+              <a:t>Add Signatures</a:t>
+            </a:r>
+          </a:p>
+          <a:p>
+            <a:pPr marL="975358" lvl="2" indent="-259079">
+              <a:lnSpc>
+                <a:spcPts val="3359"/>
+              </a:lnSpc>
+              <a:buFont typeface="Arial"/>
+              <a:buChar char="•"/>
+            </a:pPr>
+            <a:r>
+              <a:rPr lang="en-US" sz="2399" b="1" dirty="0">
+                <a:solidFill>
+                  <a:srgbClr val="000000"/>
+                </a:solidFill>
+                <a:latin typeface="Poppins Bold"/>
+                <a:ea typeface="Poppins Bold"/>
+                <a:cs typeface="Poppins Bold"/>
+                <a:sym typeface="Poppins Bold"/>
+              </a:rPr>
+              <a:t>Allows the admin to upload signatures</a:t>
+            </a:r>
+          </a:p>
+          <a:p>
+            <a:pPr marL="518158" lvl="1" indent="-259079">
+              <a:lnSpc>
+                <a:spcPts val="3359"/>
+              </a:lnSpc>
+              <a:buFont typeface="Arial"/>
+              <a:buChar char="•"/>
+            </a:pPr>
+            <a:r>
+              <a:rPr lang="en-US" sz="2399" b="1" dirty="0">
+                <a:solidFill>
+                  <a:srgbClr val="000000"/>
+                </a:solidFill>
+                <a:latin typeface="Poppins Bold"/>
+                <a:ea typeface="Poppins Bold"/>
+                <a:cs typeface="Poppins Bold"/>
+                <a:sym typeface="Poppins Bold"/>
+              </a:rPr>
+              <a:t>Manage Signatures</a:t>
+            </a:r>
+          </a:p>
+          <a:p>
+            <a:pPr marL="975358" lvl="2" indent="-259079">
+              <a:lnSpc>
+                <a:spcPts val="3359"/>
+              </a:lnSpc>
+              <a:buFont typeface="Arial"/>
+              <a:buChar char="•"/>
+            </a:pPr>
+            <a:r>
+              <a:rPr lang="en-US" sz="2399" b="1" dirty="0">
+                <a:solidFill>
+                  <a:srgbClr val="000000"/>
+                </a:solidFill>
+                <a:latin typeface="Poppins Bold"/>
+                <a:ea typeface="Poppins Bold"/>
+                <a:cs typeface="Poppins Bold"/>
+                <a:sym typeface="Poppins Bold"/>
+              </a:rPr>
+              <a:t>Allows the admin to add or remove signatures.</a:t>
+            </a:r>
+          </a:p>
+          <a:p>
+            <a:pPr>
+              <a:lnSpc>
+                <a:spcPts val="3359"/>
+              </a:lnSpc>
+            </a:pPr>
+            <a:endParaRPr lang="en-US" sz="2399" b="1" dirty="0">
+              <a:solidFill>
+                <a:srgbClr val="000000"/>
+              </a:solidFill>
+              <a:latin typeface="Poppins Bold"/>
+              <a:ea typeface="Poppins Bold"/>
+              <a:cs typeface="Poppins Bold"/>
+              <a:sym typeface="Poppins Bold"/>
+            </a:endParaRPr>
+          </a:p>
+          <a:p>
+            <a:pPr>
+              <a:lnSpc>
+                <a:spcPts val="3079"/>
+              </a:lnSpc>
+            </a:pPr>
+            <a:endParaRPr lang="en-US" sz="2399" b="1" dirty="0">
+              <a:solidFill>
+                <a:srgbClr val="000000"/>
+              </a:solidFill>
+              <a:latin typeface="Poppins Bold"/>
+              <a:ea typeface="Poppins Bold"/>
+              <a:cs typeface="Poppins Bold"/>
+              <a:sym typeface="Poppins Bold"/>
+            </a:endParaRPr>
+          </a:p>
+        </p:txBody>
+      </p:sp>
+      <p:pic>
+        <p:nvPicPr>
+          <p:cNvPr id="43" name="Picture 42">
+            <a:extLst>
+              <a:ext uri="{FF2B5EF4-FFF2-40B4-BE49-F238E27FC236}">
+                <a16:creationId xmlns:a16="http://schemas.microsoft.com/office/drawing/2014/main" id="{CD3B8375-5638-F94E-F6C1-AC9ABFA49335}"/>
+              </a:ext>
+            </a:extLst>
+          </p:cNvPr>
+          <p:cNvPicPr>
+            <a:picLocks noChangeAspect="1"/>
+          </p:cNvPicPr>
+          <p:nvPr/>
+        </p:nvPicPr>
+        <p:blipFill>
+          <a:blip r:embed="rId3"/>
+          <a:stretch>
+            <a:fillRect/>
+          </a:stretch>
+        </p:blipFill>
+        <p:spPr>
+          <a:xfrm>
+            <a:off x="9692737" y="2458363"/>
+            <a:ext cx="6723570" cy="5465110"/>
+          </a:xfrm>
+          <a:prstGeom prst="rect">
+            <a:avLst/>
+          </a:prstGeom>
+        </p:spPr>
+      </p:pic>
+    </p:spTree>
+    <p:extLst>
+      <p:ext uri="{BB962C8B-B14F-4D97-AF65-F5344CB8AC3E}">
+        <p14:creationId xmlns:p14="http://schemas.microsoft.com/office/powerpoint/2010/main" val="1903795477"/>
+      </p:ext>
+    </p:extLst>
+  </p:cSld>
+  <p:clrMapOvr>
+    <a:masterClrMapping/>
+  </p:clrMapOvr>
+</p:sld>
+</file>
+
+<file path=ppt/slides/slide9.xml><?xml version="1.0" encoding="utf-8"?>
+<p:sld xmlns:a="http://schemas.openxmlformats.org/drawingml/2006/main" xmlns:r="http://schemas.openxmlformats.org/officeDocument/2006/relationships" xmlns:p="http://schemas.openxmlformats.org/presentationml/2006/main">
+  <p:cSld>
+    <p:bg>
+      <p:bgPr>
+        <a:solidFill>
+          <a:srgbClr val="FFFEF9"/>
+        </a:solidFill>
+        <a:effectLst/>
+      </p:bgPr>
+    </p:bg>
+    <p:spTree>
+      <p:nvGrpSpPr>
+        <p:cNvPr id="1" name="">
+          <a:extLst>
+            <a:ext uri="{FF2B5EF4-FFF2-40B4-BE49-F238E27FC236}">
+              <a16:creationId xmlns:a16="http://schemas.microsoft.com/office/drawing/2014/main" id="{F8C33A9B-D472-0B33-4B13-0D244B00E717}"/>
+            </a:ext>
+          </a:extLst>
+        </p:cNvPr>
+        <p:cNvGrpSpPr/>
+        <p:nvPr/>
+      </p:nvGrpSpPr>
+      <p:grpSpPr>
+        <a:xfrm>
+          <a:off x="0" y="0"/>
+          <a:ext cx="0" cy="0"/>
+          <a:chOff x="0" y="0"/>
+          <a:chExt cx="0" cy="0"/>
+        </a:xfrm>
+      </p:grpSpPr>
+      <p:grpSp>
+        <p:nvGrpSpPr>
+          <p:cNvPr id="2" name="Group 2">
+            <a:extLst>
+              <a:ext uri="{FF2B5EF4-FFF2-40B4-BE49-F238E27FC236}">
+                <a16:creationId xmlns:a16="http://schemas.microsoft.com/office/drawing/2014/main" id="{7953B7BD-D153-365C-AA6F-C36032C6BA50}"/>
+              </a:ext>
+            </a:extLst>
+          </p:cNvPr>
+          <p:cNvGrpSpPr/>
+          <p:nvPr/>
+        </p:nvGrpSpPr>
+        <p:grpSpPr>
+          <a:xfrm rot="-855552">
+            <a:off x="-514350" y="1897923"/>
+            <a:ext cx="3086100" cy="2700338"/>
+            <a:chOff x="0" y="0"/>
+            <a:chExt cx="812800" cy="711200"/>
+          </a:xfrm>
+        </p:grpSpPr>
+        <p:sp>
+          <p:nvSpPr>
+            <p:cNvPr id="3" name="Freeform 3">
+              <a:extLst>
+                <a:ext uri="{FF2B5EF4-FFF2-40B4-BE49-F238E27FC236}">
+                  <a16:creationId xmlns:a16="http://schemas.microsoft.com/office/drawing/2014/main" id="{75C63773-9D25-55A9-A0CB-5B2B6505473A}"/>
+                </a:ext>
+              </a:extLst>
+            </p:cNvPr>
+            <p:cNvSpPr/>
+            <p:nvPr/>
+          </p:nvSpPr>
+          <p:spPr>
+            <a:xfrm>
+              <a:off x="24679" y="36396"/>
+              <a:ext cx="763442" cy="674804"/>
+            </a:xfrm>
+            <a:custGeom>
+              <a:avLst/>
+              <a:gdLst/>
+              <a:ahLst/>
+              <a:cxnLst/>
+              <a:rect l="l" t="t" r="r" b="b"/>
+              <a:pathLst>
+                <a:path w="763442" h="674804">
+                  <a:moveTo>
+                    <a:pt x="412837" y="18057"/>
+                  </a:moveTo>
+                  <a:lnTo>
+                    <a:pt x="757005" y="620351"/>
+                  </a:lnTo>
+                  <a:cubicBezTo>
+                    <a:pt x="763442" y="631616"/>
+                    <a:pt x="763396" y="645455"/>
+                    <a:pt x="756884" y="656676"/>
+                  </a:cubicBezTo>
+                  <a:cubicBezTo>
+                    <a:pt x="750372" y="667898"/>
+                    <a:pt x="738379" y="674804"/>
+                    <a:pt x="725405" y="674804"/>
+                  </a:cubicBezTo>
+                  <a:lnTo>
+                    <a:pt x="38037" y="674804"/>
+                  </a:lnTo>
+                  <a:cubicBezTo>
+                    <a:pt x="25063" y="674804"/>
+                    <a:pt x="13070" y="667898"/>
+                    <a:pt x="6558" y="656676"/>
+                  </a:cubicBezTo>
+                  <a:cubicBezTo>
+                    <a:pt x="46" y="645455"/>
+                    <a:pt x="0" y="631616"/>
+                    <a:pt x="6437" y="620351"/>
+                  </a:cubicBezTo>
+                  <a:lnTo>
+                    <a:pt x="350605" y="18057"/>
+                  </a:lnTo>
+                  <a:cubicBezTo>
+                    <a:pt x="356986" y="6891"/>
+                    <a:pt x="368860" y="0"/>
+                    <a:pt x="381721" y="0"/>
+                  </a:cubicBezTo>
+                  <a:cubicBezTo>
+                    <a:pt x="394582" y="0"/>
+                    <a:pt x="406456" y="6891"/>
+                    <a:pt x="412837" y="18057"/>
+                  </a:cubicBezTo>
+                  <a:close/>
+                </a:path>
+              </a:pathLst>
+            </a:custGeom>
+            <a:solidFill>
+              <a:srgbClr val="000000">
+                <a:alpha val="0"/>
+              </a:srgbClr>
+            </a:solidFill>
+            <a:ln w="38100" cap="rnd">
+              <a:solidFill>
+                <a:srgbClr val="CACACA">
+                  <a:alpha val="29804"/>
+                </a:srgbClr>
+              </a:solidFill>
+              <a:prstDash val="solid"/>
+              <a:round/>
+            </a:ln>
+          </p:spPr>
+          <p:txBody>
+            <a:bodyPr/>
+            <a:lstStyle/>
+            <a:p>
+              <a:endParaRPr lang="en-US"/>
+            </a:p>
+          </p:txBody>
+        </p:sp>
+        <p:sp>
+          <p:nvSpPr>
+            <p:cNvPr id="4" name="TextBox 4">
+              <a:extLst>
+                <a:ext uri="{FF2B5EF4-FFF2-40B4-BE49-F238E27FC236}">
+                  <a16:creationId xmlns:a16="http://schemas.microsoft.com/office/drawing/2014/main" id="{6BE54329-36AA-5145-30E1-6DBD7BEC99B7}"/>
+                </a:ext>
+              </a:extLst>
+            </p:cNvPr>
+            <p:cNvSpPr txBox="1"/>
+            <p:nvPr/>
+          </p:nvSpPr>
+          <p:spPr>
+            <a:xfrm>
+              <a:off x="127000" y="292100"/>
+              <a:ext cx="558800" cy="368300"/>
+            </a:xfrm>
+            <a:prstGeom prst="rect">
+              <a:avLst/>
+            </a:prstGeom>
+          </p:spPr>
+          <p:txBody>
+            <a:bodyPr lIns="50800" tIns="50800" rIns="50800" bIns="50800" rtlCol="0" anchor="ctr"/>
+            <a:lstStyle/>
+            <a:p>
+              <a:pPr algn="ctr">
+                <a:lnSpc>
+                  <a:spcPts val="2659"/>
+                </a:lnSpc>
+              </a:pPr>
+              <a:endParaRPr/>
+            </a:p>
+          </p:txBody>
+        </p:sp>
+      </p:grpSp>
+      <p:grpSp>
+        <p:nvGrpSpPr>
+          <p:cNvPr id="5" name="Group 5">
+            <a:extLst>
+              <a:ext uri="{FF2B5EF4-FFF2-40B4-BE49-F238E27FC236}">
+                <a16:creationId xmlns:a16="http://schemas.microsoft.com/office/drawing/2014/main" id="{90BA939F-056C-ED3B-214F-01E526C7748B}"/>
+              </a:ext>
+            </a:extLst>
+          </p:cNvPr>
+          <p:cNvGrpSpPr/>
+          <p:nvPr/>
+        </p:nvGrpSpPr>
+        <p:grpSpPr>
+          <a:xfrm>
+            <a:off x="1028700" y="514350"/>
+            <a:ext cx="16230600" cy="1512421"/>
+            <a:chOff x="0" y="0"/>
+            <a:chExt cx="4274726" cy="398333"/>
+          </a:xfrm>
+        </p:grpSpPr>
+        <p:sp>
+          <p:nvSpPr>
+            <p:cNvPr id="6" name="Freeform 6">
+              <a:extLst>
+                <a:ext uri="{FF2B5EF4-FFF2-40B4-BE49-F238E27FC236}">
+                  <a16:creationId xmlns:a16="http://schemas.microsoft.com/office/drawing/2014/main" id="{B3FCBA50-549E-71CC-524D-AFC492D84603}"/>
+                </a:ext>
+              </a:extLst>
+            </p:cNvPr>
+            <p:cNvSpPr/>
+            <p:nvPr/>
+          </p:nvSpPr>
+          <p:spPr>
+            <a:xfrm>
+              <a:off x="0" y="0"/>
+              <a:ext cx="4274726" cy="398333"/>
+            </a:xfrm>
+            <a:custGeom>
+              <a:avLst/>
+              <a:gdLst/>
+              <a:ahLst/>
+              <a:cxnLst/>
+              <a:rect l="l" t="t" r="r" b="b"/>
+              <a:pathLst>
+                <a:path w="4274726" h="398333">
+                  <a:moveTo>
+                    <a:pt x="3816" y="0"/>
+                  </a:moveTo>
+                  <a:lnTo>
+                    <a:pt x="4270910" y="0"/>
+                  </a:lnTo>
+                  <a:cubicBezTo>
+                    <a:pt x="4271922" y="0"/>
+                    <a:pt x="4272893" y="402"/>
+                    <a:pt x="4273608" y="1118"/>
+                  </a:cubicBezTo>
+                  <a:cubicBezTo>
+                    <a:pt x="4274324" y="1833"/>
+                    <a:pt x="4274726" y="2804"/>
+                    <a:pt x="4274726" y="3816"/>
+                  </a:cubicBezTo>
+                  <a:lnTo>
+                    <a:pt x="4274726" y="394517"/>
+                  </a:lnTo>
+                  <a:cubicBezTo>
+                    <a:pt x="4274726" y="395529"/>
+                    <a:pt x="4274324" y="396500"/>
+                    <a:pt x="4273608" y="397216"/>
+                  </a:cubicBezTo>
+                  <a:cubicBezTo>
+                    <a:pt x="4272893" y="397931"/>
+                    <a:pt x="4271922" y="398333"/>
+                    <a:pt x="4270910" y="398333"/>
+                  </a:cubicBezTo>
+                  <a:lnTo>
+                    <a:pt x="3816" y="398333"/>
+                  </a:lnTo>
+                  <a:cubicBezTo>
+                    <a:pt x="2804" y="398333"/>
+                    <a:pt x="1833" y="397931"/>
+                    <a:pt x="1118" y="397216"/>
+                  </a:cubicBezTo>
+                  <a:cubicBezTo>
+                    <a:pt x="402" y="396500"/>
+                    <a:pt x="0" y="395529"/>
+                    <a:pt x="0" y="394517"/>
+                  </a:cubicBezTo>
+                  <a:lnTo>
+                    <a:pt x="0" y="3816"/>
+                  </a:lnTo>
+                  <a:cubicBezTo>
+                    <a:pt x="0" y="2804"/>
+                    <a:pt x="402" y="1833"/>
+                    <a:pt x="1118" y="1118"/>
+                  </a:cubicBezTo>
+                  <a:cubicBezTo>
+                    <a:pt x="1833" y="402"/>
+                    <a:pt x="2804" y="0"/>
+                    <a:pt x="3816" y="0"/>
+                  </a:cubicBezTo>
+                  <a:close/>
+                </a:path>
+              </a:pathLst>
+            </a:custGeom>
+            <a:solidFill>
+              <a:srgbClr val="0D291F"/>
+            </a:solidFill>
+          </p:spPr>
+          <p:txBody>
+            <a:bodyPr/>
+            <a:lstStyle/>
+            <a:p>
+              <a:endParaRPr lang="en-US"/>
+            </a:p>
+          </p:txBody>
+        </p:sp>
+        <p:sp>
+          <p:nvSpPr>
+            <p:cNvPr id="7" name="TextBox 7">
+              <a:extLst>
+                <a:ext uri="{FF2B5EF4-FFF2-40B4-BE49-F238E27FC236}">
+                  <a16:creationId xmlns:a16="http://schemas.microsoft.com/office/drawing/2014/main" id="{2615FA89-56D7-7AE8-1055-47C4720776E8}"/>
+                </a:ext>
+              </a:extLst>
+            </p:cNvPr>
+            <p:cNvSpPr txBox="1"/>
+            <p:nvPr/>
+          </p:nvSpPr>
+          <p:spPr>
+            <a:xfrm>
+              <a:off x="0" y="-38100"/>
+              <a:ext cx="4274726" cy="436433"/>
+            </a:xfrm>
+            <a:prstGeom prst="rect">
+              <a:avLst/>
+            </a:prstGeom>
+          </p:spPr>
+          <p:txBody>
+            <a:bodyPr lIns="50800" tIns="50800" rIns="50800" bIns="50800" rtlCol="0" anchor="ctr"/>
+            <a:lstStyle/>
+            <a:p>
+              <a:pPr algn="ctr">
+                <a:lnSpc>
+                  <a:spcPts val="2659"/>
+                </a:lnSpc>
+              </a:pPr>
+              <a:endParaRPr/>
+            </a:p>
+          </p:txBody>
+        </p:sp>
+      </p:grpSp>
+      <p:grpSp>
+        <p:nvGrpSpPr>
+          <p:cNvPr id="8" name="Group 8">
+            <a:extLst>
+              <a:ext uri="{FF2B5EF4-FFF2-40B4-BE49-F238E27FC236}">
+                <a16:creationId xmlns:a16="http://schemas.microsoft.com/office/drawing/2014/main" id="{01F11322-B86E-53BA-83FE-A855324192A3}"/>
+              </a:ext>
+            </a:extLst>
+          </p:cNvPr>
+          <p:cNvGrpSpPr/>
+          <p:nvPr/>
+        </p:nvGrpSpPr>
+        <p:grpSpPr>
+          <a:xfrm rot="2620430">
+            <a:off x="-1606622" y="4317487"/>
+            <a:ext cx="3445361" cy="2881851"/>
+            <a:chOff x="0" y="0"/>
+            <a:chExt cx="812800" cy="679862"/>
+          </a:xfrm>
+        </p:grpSpPr>
+        <p:sp>
+          <p:nvSpPr>
+            <p:cNvPr id="9" name="Freeform 9">
+              <a:extLst>
+                <a:ext uri="{FF2B5EF4-FFF2-40B4-BE49-F238E27FC236}">
+                  <a16:creationId xmlns:a16="http://schemas.microsoft.com/office/drawing/2014/main" id="{DAAF93D4-3BA9-3DBB-656C-1BA2D2D1ABBC}"/>
+                </a:ext>
+              </a:extLst>
+            </p:cNvPr>
+            <p:cNvSpPr/>
+            <p:nvPr/>
+          </p:nvSpPr>
+          <p:spPr>
+            <a:xfrm>
+              <a:off x="22798" y="31867"/>
+              <a:ext cx="767204" cy="647994"/>
+            </a:xfrm>
+            <a:custGeom>
+              <a:avLst/>
+              <a:gdLst/>
+              <a:ahLst/>
+              <a:cxnLst/>
+              <a:rect l="l" t="t" r="r" b="b"/>
+              <a:pathLst>
+                <a:path w="767204" h="647994">
+                  <a:moveTo>
+                    <a:pt x="412425" y="16351"/>
+                  </a:moveTo>
+                  <a:lnTo>
+                    <a:pt x="761179" y="599776"/>
+                  </a:lnTo>
+                  <a:cubicBezTo>
+                    <a:pt x="767065" y="609623"/>
+                    <a:pt x="767204" y="621873"/>
+                    <a:pt x="761544" y="631851"/>
+                  </a:cubicBezTo>
+                  <a:cubicBezTo>
+                    <a:pt x="755884" y="641829"/>
+                    <a:pt x="745297" y="647995"/>
+                    <a:pt x="733826" y="647995"/>
+                  </a:cubicBezTo>
+                  <a:lnTo>
+                    <a:pt x="33378" y="647995"/>
+                  </a:lnTo>
+                  <a:cubicBezTo>
+                    <a:pt x="21907" y="647995"/>
+                    <a:pt x="11320" y="641829"/>
+                    <a:pt x="5660" y="631851"/>
+                  </a:cubicBezTo>
+                  <a:cubicBezTo>
+                    <a:pt x="0" y="621873"/>
+                    <a:pt x="139" y="609623"/>
+                    <a:pt x="6025" y="599776"/>
+                  </a:cubicBezTo>
+                  <a:lnTo>
+                    <a:pt x="354779" y="16351"/>
+                  </a:lnTo>
+                  <a:cubicBezTo>
+                    <a:pt x="360841" y="6210"/>
+                    <a:pt x="371787" y="0"/>
+                    <a:pt x="383602" y="0"/>
+                  </a:cubicBezTo>
+                  <a:cubicBezTo>
+                    <a:pt x="395417" y="0"/>
+                    <a:pt x="406363" y="6210"/>
+                    <a:pt x="412425" y="16351"/>
+                  </a:cubicBezTo>
+                  <a:close/>
+                </a:path>
+              </a:pathLst>
+            </a:custGeom>
+            <a:solidFill>
+              <a:srgbClr val="000000">
+                <a:alpha val="0"/>
+              </a:srgbClr>
+            </a:solidFill>
+            <a:ln w="38100" cap="rnd">
+              <a:solidFill>
+                <a:srgbClr val="CACACA">
+                  <a:alpha val="29804"/>
+                </a:srgbClr>
+              </a:solidFill>
+              <a:prstDash val="solid"/>
+              <a:round/>
+            </a:ln>
+          </p:spPr>
+          <p:txBody>
+            <a:bodyPr/>
+            <a:lstStyle/>
+            <a:p>
+              <a:endParaRPr lang="en-US"/>
+            </a:p>
+          </p:txBody>
+        </p:sp>
+        <p:sp>
+          <p:nvSpPr>
+            <p:cNvPr id="10" name="TextBox 10">
+              <a:extLst>
+                <a:ext uri="{FF2B5EF4-FFF2-40B4-BE49-F238E27FC236}">
+                  <a16:creationId xmlns:a16="http://schemas.microsoft.com/office/drawing/2014/main" id="{991705E2-19FB-FFC2-3117-94552535B7F4}"/>
+                </a:ext>
+              </a:extLst>
+            </p:cNvPr>
+            <p:cNvSpPr txBox="1"/>
+            <p:nvPr/>
+          </p:nvSpPr>
+          <p:spPr>
+            <a:xfrm>
+              <a:off x="127000" y="277550"/>
+              <a:ext cx="558800" cy="353750"/>
+            </a:xfrm>
+            <a:prstGeom prst="rect">
+              <a:avLst/>
+            </a:prstGeom>
+          </p:spPr>
+          <p:txBody>
+            <a:bodyPr lIns="50800" tIns="50800" rIns="50800" bIns="50800" rtlCol="0" anchor="ctr"/>
+            <a:lstStyle/>
+            <a:p>
+              <a:pPr algn="ctr">
+                <a:lnSpc>
+                  <a:spcPts val="2659"/>
+                </a:lnSpc>
+              </a:pPr>
+              <a:endParaRPr/>
+            </a:p>
+          </p:txBody>
+        </p:sp>
+      </p:grpSp>
+      <p:grpSp>
+        <p:nvGrpSpPr>
+          <p:cNvPr id="11" name="Group 11">
+            <a:extLst>
+              <a:ext uri="{FF2B5EF4-FFF2-40B4-BE49-F238E27FC236}">
+                <a16:creationId xmlns:a16="http://schemas.microsoft.com/office/drawing/2014/main" id="{1A89A1D2-F53A-E06D-4EA7-E966C1B394E3}"/>
+              </a:ext>
+            </a:extLst>
+          </p:cNvPr>
+          <p:cNvGrpSpPr/>
+          <p:nvPr/>
+        </p:nvGrpSpPr>
+        <p:grpSpPr>
+          <a:xfrm rot="6210201">
+            <a:off x="586729" y="5264790"/>
+            <a:ext cx="3388296" cy="2964759"/>
+            <a:chOff x="0" y="0"/>
+            <a:chExt cx="812800" cy="711200"/>
+          </a:xfrm>
+        </p:grpSpPr>
+        <p:sp>
+          <p:nvSpPr>
+            <p:cNvPr id="12" name="Freeform 12">
+              <a:extLst>
+                <a:ext uri="{FF2B5EF4-FFF2-40B4-BE49-F238E27FC236}">
+                  <a16:creationId xmlns:a16="http://schemas.microsoft.com/office/drawing/2014/main" id="{57296E05-F356-2AF3-6600-0E5AC90F5F09}"/>
+                </a:ext>
+              </a:extLst>
+            </p:cNvPr>
+            <p:cNvSpPr/>
+            <p:nvPr/>
+          </p:nvSpPr>
+          <p:spPr>
+            <a:xfrm>
+              <a:off x="22478" y="33149"/>
+              <a:ext cx="767844" cy="678051"/>
+            </a:xfrm>
+            <a:custGeom>
+              <a:avLst/>
+              <a:gdLst/>
+              <a:ahLst/>
+              <a:cxnLst/>
+              <a:rect l="l" t="t" r="r" b="b"/>
+              <a:pathLst>
+                <a:path w="767844" h="678051">
+                  <a:moveTo>
+                    <a:pt x="412263" y="16447"/>
+                  </a:moveTo>
+                  <a:lnTo>
+                    <a:pt x="761981" y="628455"/>
+                  </a:lnTo>
+                  <a:cubicBezTo>
+                    <a:pt x="767844" y="638715"/>
+                    <a:pt x="767802" y="651320"/>
+                    <a:pt x="761871" y="661540"/>
+                  </a:cubicBezTo>
+                  <a:cubicBezTo>
+                    <a:pt x="755940" y="671761"/>
+                    <a:pt x="745016" y="678051"/>
+                    <a:pt x="733199" y="678051"/>
+                  </a:cubicBezTo>
+                  <a:lnTo>
+                    <a:pt x="34645" y="678051"/>
+                  </a:lnTo>
+                  <a:cubicBezTo>
+                    <a:pt x="22828" y="678051"/>
+                    <a:pt x="11904" y="671761"/>
+                    <a:pt x="5973" y="661540"/>
+                  </a:cubicBezTo>
+                  <a:cubicBezTo>
+                    <a:pt x="42" y="651320"/>
+                    <a:pt x="0" y="638715"/>
+                    <a:pt x="5863" y="628455"/>
+                  </a:cubicBezTo>
+                  <a:lnTo>
+                    <a:pt x="355581" y="16447"/>
+                  </a:lnTo>
+                  <a:cubicBezTo>
+                    <a:pt x="361393" y="6277"/>
+                    <a:pt x="372208" y="0"/>
+                    <a:pt x="383922" y="0"/>
+                  </a:cubicBezTo>
+                  <a:cubicBezTo>
+                    <a:pt x="395636" y="0"/>
+                    <a:pt x="406451" y="6277"/>
+                    <a:pt x="412263" y="16447"/>
+                  </a:cubicBezTo>
+                  <a:close/>
+                </a:path>
+              </a:pathLst>
+            </a:custGeom>
+            <a:solidFill>
+              <a:srgbClr val="000000">
+                <a:alpha val="0"/>
+              </a:srgbClr>
+            </a:solidFill>
+            <a:ln w="38100" cap="rnd">
+              <a:solidFill>
+                <a:srgbClr val="CACACA">
+                  <a:alpha val="29804"/>
+                </a:srgbClr>
+              </a:solidFill>
+              <a:prstDash val="solid"/>
+              <a:round/>
+            </a:ln>
+          </p:spPr>
+          <p:txBody>
+            <a:bodyPr/>
+            <a:lstStyle/>
+            <a:p>
+              <a:endParaRPr lang="en-US"/>
+            </a:p>
+          </p:txBody>
+        </p:sp>
+        <p:sp>
+          <p:nvSpPr>
+            <p:cNvPr id="13" name="TextBox 13">
+              <a:extLst>
+                <a:ext uri="{FF2B5EF4-FFF2-40B4-BE49-F238E27FC236}">
+                  <a16:creationId xmlns:a16="http://schemas.microsoft.com/office/drawing/2014/main" id="{47CF3D25-3449-B18B-34D8-C5FB8213D046}"/>
+                </a:ext>
+              </a:extLst>
+            </p:cNvPr>
+            <p:cNvSpPr txBox="1"/>
+            <p:nvPr/>
+          </p:nvSpPr>
+          <p:spPr>
+            <a:xfrm>
+              <a:off x="127000" y="292100"/>
+              <a:ext cx="558800" cy="368300"/>
+            </a:xfrm>
+            <a:prstGeom prst="rect">
+              <a:avLst/>
+            </a:prstGeom>
+          </p:spPr>
+          <p:txBody>
+            <a:bodyPr lIns="50800" tIns="50800" rIns="50800" bIns="50800" rtlCol="0" anchor="ctr"/>
+            <a:lstStyle/>
+            <a:p>
+              <a:pPr algn="ctr">
+                <a:lnSpc>
+                  <a:spcPts val="2659"/>
+                </a:lnSpc>
+              </a:pPr>
+              <a:endParaRPr/>
+            </a:p>
+          </p:txBody>
+        </p:sp>
+      </p:grpSp>
+      <p:grpSp>
+        <p:nvGrpSpPr>
+          <p:cNvPr id="14" name="Group 14">
+            <a:extLst>
+              <a:ext uri="{FF2B5EF4-FFF2-40B4-BE49-F238E27FC236}">
+                <a16:creationId xmlns:a16="http://schemas.microsoft.com/office/drawing/2014/main" id="{97698179-03C1-504E-4D40-65C6EA0FA31B}"/>
+              </a:ext>
+            </a:extLst>
+          </p:cNvPr>
+          <p:cNvGrpSpPr/>
+          <p:nvPr/>
+        </p:nvGrpSpPr>
+        <p:grpSpPr>
+          <a:xfrm rot="2036903">
+            <a:off x="767147" y="6947428"/>
+            <a:ext cx="4576506" cy="2700338"/>
+            <a:chOff x="0" y="0"/>
+            <a:chExt cx="1205335" cy="711200"/>
+          </a:xfrm>
+        </p:grpSpPr>
+        <p:sp>
+          <p:nvSpPr>
+            <p:cNvPr id="15" name="Freeform 15">
+              <a:extLst>
+                <a:ext uri="{FF2B5EF4-FFF2-40B4-BE49-F238E27FC236}">
+                  <a16:creationId xmlns:a16="http://schemas.microsoft.com/office/drawing/2014/main" id="{45E1656D-AE66-BACE-0580-DDB9066489B7}"/>
+                </a:ext>
+              </a:extLst>
+            </p:cNvPr>
+            <p:cNvSpPr/>
+            <p:nvPr/>
+          </p:nvSpPr>
+          <p:spPr>
+            <a:xfrm>
+              <a:off x="21302" y="19596"/>
+              <a:ext cx="1162730" cy="691604"/>
+            </a:xfrm>
+            <a:custGeom>
+              <a:avLst/>
+              <a:gdLst/>
+              <a:ahLst/>
+              <a:cxnLst/>
+              <a:rect l="l" t="t" r="r" b="b"/>
+              <a:pathLst>
+                <a:path w="1162730" h="691604">
+                  <a:moveTo>
+                    <a:pt x="608707" y="12669"/>
+                  </a:moveTo>
+                  <a:lnTo>
+                    <a:pt x="1156692" y="659339"/>
+                  </a:lnTo>
+                  <a:cubicBezTo>
+                    <a:pt x="1161626" y="665162"/>
+                    <a:pt x="1162731" y="673321"/>
+                    <a:pt x="1159522" y="680246"/>
+                  </a:cubicBezTo>
+                  <a:cubicBezTo>
+                    <a:pt x="1156313" y="687172"/>
+                    <a:pt x="1149374" y="691604"/>
+                    <a:pt x="1141741" y="691604"/>
+                  </a:cubicBezTo>
+                  <a:lnTo>
+                    <a:pt x="20990" y="691604"/>
+                  </a:lnTo>
+                  <a:cubicBezTo>
+                    <a:pt x="13357" y="691604"/>
+                    <a:pt x="6418" y="687172"/>
+                    <a:pt x="3209" y="680246"/>
+                  </a:cubicBezTo>
+                  <a:cubicBezTo>
+                    <a:pt x="0" y="673321"/>
+                    <a:pt x="1105" y="665162"/>
+                    <a:pt x="6039" y="659339"/>
+                  </a:cubicBezTo>
+                  <a:lnTo>
+                    <a:pt x="554024" y="12669"/>
+                  </a:lnTo>
+                  <a:cubicBezTo>
+                    <a:pt x="560833" y="4634"/>
+                    <a:pt x="570833" y="0"/>
+                    <a:pt x="581366" y="0"/>
+                  </a:cubicBezTo>
+                  <a:cubicBezTo>
+                    <a:pt x="591898" y="0"/>
+                    <a:pt x="601898" y="4634"/>
+                    <a:pt x="608707" y="12669"/>
+                  </a:cubicBezTo>
+                  <a:close/>
+                </a:path>
+              </a:pathLst>
+            </a:custGeom>
+            <a:solidFill>
+              <a:srgbClr val="000000">
+                <a:alpha val="0"/>
+              </a:srgbClr>
+            </a:solidFill>
+            <a:ln w="38100" cap="rnd">
+              <a:solidFill>
+                <a:srgbClr val="CACACA">
+                  <a:alpha val="29804"/>
+                </a:srgbClr>
+              </a:solidFill>
+              <a:prstDash val="solid"/>
+              <a:round/>
+            </a:ln>
+          </p:spPr>
+          <p:txBody>
+            <a:bodyPr/>
+            <a:lstStyle/>
+            <a:p>
+              <a:endParaRPr lang="en-US"/>
+            </a:p>
+          </p:txBody>
+        </p:sp>
+        <p:sp>
+          <p:nvSpPr>
+            <p:cNvPr id="16" name="TextBox 16">
+              <a:extLst>
+                <a:ext uri="{FF2B5EF4-FFF2-40B4-BE49-F238E27FC236}">
+                  <a16:creationId xmlns:a16="http://schemas.microsoft.com/office/drawing/2014/main" id="{2200E368-A339-CCFD-0980-2063D0657C02}"/>
+                </a:ext>
+              </a:extLst>
+            </p:cNvPr>
+            <p:cNvSpPr txBox="1"/>
+            <p:nvPr/>
+          </p:nvSpPr>
+          <p:spPr>
+            <a:xfrm>
+              <a:off x="188334" y="292100"/>
+              <a:ext cx="828668" cy="368300"/>
+            </a:xfrm>
+            <a:prstGeom prst="rect">
+              <a:avLst/>
+            </a:prstGeom>
+          </p:spPr>
+          <p:txBody>
+            <a:bodyPr lIns="50800" tIns="50800" rIns="50800" bIns="50800" rtlCol="0" anchor="ctr"/>
+            <a:lstStyle/>
+            <a:p>
+              <a:pPr algn="ctr">
+                <a:lnSpc>
+                  <a:spcPts val="2659"/>
+                </a:lnSpc>
+              </a:pPr>
+              <a:endParaRPr/>
+            </a:p>
+          </p:txBody>
+        </p:sp>
+      </p:grpSp>
+      <p:grpSp>
+        <p:nvGrpSpPr>
+          <p:cNvPr id="17" name="Group 17">
+            <a:extLst>
+              <a:ext uri="{FF2B5EF4-FFF2-40B4-BE49-F238E27FC236}">
+                <a16:creationId xmlns:a16="http://schemas.microsoft.com/office/drawing/2014/main" id="{78F40274-6DE2-68EE-348E-0D652449D28B}"/>
+              </a:ext>
+            </a:extLst>
+          </p:cNvPr>
+          <p:cNvGrpSpPr/>
+          <p:nvPr/>
+        </p:nvGrpSpPr>
+        <p:grpSpPr>
+          <a:xfrm rot="-1478810">
+            <a:off x="-1228088" y="7827131"/>
+            <a:ext cx="3798903" cy="3153939"/>
+            <a:chOff x="0" y="0"/>
+            <a:chExt cx="1000534" cy="830667"/>
+          </a:xfrm>
+        </p:grpSpPr>
+        <p:sp>
+          <p:nvSpPr>
+            <p:cNvPr id="18" name="Freeform 18">
+              <a:extLst>
+                <a:ext uri="{FF2B5EF4-FFF2-40B4-BE49-F238E27FC236}">
+                  <a16:creationId xmlns:a16="http://schemas.microsoft.com/office/drawing/2014/main" id="{945AB25E-808A-B128-78CB-30A09834D1C4}"/>
+                </a:ext>
+              </a:extLst>
+            </p:cNvPr>
+            <p:cNvSpPr/>
+            <p:nvPr/>
+          </p:nvSpPr>
+          <p:spPr>
+            <a:xfrm>
+              <a:off x="20775" y="28791"/>
+              <a:ext cx="958983" cy="801876"/>
+            </a:xfrm>
+            <a:custGeom>
+              <a:avLst/>
+              <a:gdLst/>
+              <a:ahLst/>
+              <a:cxnLst/>
+              <a:rect l="l" t="t" r="r" b="b"/>
+              <a:pathLst>
+                <a:path w="958983" h="801876">
+                  <a:moveTo>
+                    <a:pt x="505777" y="14854"/>
+                  </a:moveTo>
+                  <a:lnTo>
+                    <a:pt x="953474" y="758232"/>
+                  </a:lnTo>
+                  <a:cubicBezTo>
+                    <a:pt x="958830" y="767125"/>
+                    <a:pt x="958984" y="778212"/>
+                    <a:pt x="953876" y="787250"/>
+                  </a:cubicBezTo>
+                  <a:cubicBezTo>
+                    <a:pt x="948769" y="796288"/>
+                    <a:pt x="939192" y="801876"/>
+                    <a:pt x="928811" y="801876"/>
+                  </a:cubicBezTo>
+                  <a:lnTo>
+                    <a:pt x="30173" y="801876"/>
+                  </a:lnTo>
+                  <a:cubicBezTo>
+                    <a:pt x="19792" y="801876"/>
+                    <a:pt x="10215" y="796288"/>
+                    <a:pt x="5108" y="787250"/>
+                  </a:cubicBezTo>
+                  <a:cubicBezTo>
+                    <a:pt x="0" y="778212"/>
+                    <a:pt x="154" y="767125"/>
+                    <a:pt x="5510" y="758232"/>
+                  </a:cubicBezTo>
+                  <a:lnTo>
+                    <a:pt x="453207" y="14854"/>
+                  </a:lnTo>
+                  <a:cubicBezTo>
+                    <a:pt x="458758" y="5636"/>
+                    <a:pt x="468732" y="0"/>
+                    <a:pt x="479492" y="0"/>
+                  </a:cubicBezTo>
+                  <a:cubicBezTo>
+                    <a:pt x="490252" y="0"/>
+                    <a:pt x="500226" y="5636"/>
+                    <a:pt x="505777" y="14854"/>
+                  </a:cubicBezTo>
+                  <a:close/>
+                </a:path>
+              </a:pathLst>
+            </a:custGeom>
+            <a:solidFill>
+              <a:srgbClr val="000000">
+                <a:alpha val="0"/>
+              </a:srgbClr>
+            </a:solidFill>
+            <a:ln w="38100" cap="rnd">
+              <a:solidFill>
+                <a:srgbClr val="CACACA">
+                  <a:alpha val="29804"/>
+                </a:srgbClr>
+              </a:solidFill>
+              <a:prstDash val="solid"/>
+              <a:round/>
+            </a:ln>
+          </p:spPr>
+          <p:txBody>
+            <a:bodyPr/>
+            <a:lstStyle/>
+            <a:p>
+              <a:endParaRPr lang="en-US"/>
+            </a:p>
+          </p:txBody>
+        </p:sp>
+        <p:sp>
+          <p:nvSpPr>
+            <p:cNvPr id="19" name="TextBox 19">
+              <a:extLst>
+                <a:ext uri="{FF2B5EF4-FFF2-40B4-BE49-F238E27FC236}">
+                  <a16:creationId xmlns:a16="http://schemas.microsoft.com/office/drawing/2014/main" id="{F0ECEDD3-7FB6-27B8-5811-56624B34BEB7}"/>
+                </a:ext>
+              </a:extLst>
+            </p:cNvPr>
+            <p:cNvSpPr txBox="1"/>
+            <p:nvPr/>
+          </p:nvSpPr>
+          <p:spPr>
+            <a:xfrm>
+              <a:off x="156333" y="347567"/>
+              <a:ext cx="687867" cy="423767"/>
+            </a:xfrm>
+            <a:prstGeom prst="rect">
+              <a:avLst/>
+            </a:prstGeom>
+          </p:spPr>
+          <p:txBody>
+            <a:bodyPr lIns="50800" tIns="50800" rIns="50800" bIns="50800" rtlCol="0" anchor="ctr"/>
+            <a:lstStyle/>
+            <a:p>
+              <a:pPr algn="ctr">
+                <a:lnSpc>
+                  <a:spcPts val="2659"/>
+                </a:lnSpc>
+              </a:pPr>
+              <a:endParaRPr/>
+            </a:p>
+          </p:txBody>
+        </p:sp>
+      </p:grpSp>
+      <p:grpSp>
+        <p:nvGrpSpPr>
+          <p:cNvPr id="20" name="Group 20">
+            <a:extLst>
+              <a:ext uri="{FF2B5EF4-FFF2-40B4-BE49-F238E27FC236}">
+                <a16:creationId xmlns:a16="http://schemas.microsoft.com/office/drawing/2014/main" id="{281A09AF-1B46-7D67-5545-9926D7B96463}"/>
+              </a:ext>
+            </a:extLst>
+          </p:cNvPr>
+          <p:cNvGrpSpPr/>
+          <p:nvPr/>
+        </p:nvGrpSpPr>
+        <p:grpSpPr>
+          <a:xfrm>
+            <a:off x="1028700" y="2026771"/>
+            <a:ext cx="16230600" cy="7231529"/>
+            <a:chOff x="0" y="0"/>
+            <a:chExt cx="4274726" cy="1904600"/>
+          </a:xfrm>
+        </p:grpSpPr>
+        <p:sp>
+          <p:nvSpPr>
+            <p:cNvPr id="21" name="Freeform 21">
+              <a:extLst>
+                <a:ext uri="{FF2B5EF4-FFF2-40B4-BE49-F238E27FC236}">
+                  <a16:creationId xmlns:a16="http://schemas.microsoft.com/office/drawing/2014/main" id="{AE7AA2DA-4305-0B99-7396-0BA11AFFA342}"/>
+                </a:ext>
+              </a:extLst>
+            </p:cNvPr>
+            <p:cNvSpPr/>
+            <p:nvPr/>
+          </p:nvSpPr>
+          <p:spPr>
+            <a:xfrm>
+              <a:off x="0" y="0"/>
+              <a:ext cx="4274726" cy="1904600"/>
+            </a:xfrm>
+            <a:custGeom>
+              <a:avLst/>
+              <a:gdLst/>
+              <a:ahLst/>
+              <a:cxnLst/>
+              <a:rect l="l" t="t" r="r" b="b"/>
+              <a:pathLst>
+                <a:path w="4274726" h="1904600">
+                  <a:moveTo>
+                    <a:pt x="3816" y="0"/>
+                  </a:moveTo>
+                  <a:lnTo>
+                    <a:pt x="4270910" y="0"/>
+                  </a:lnTo>
+                  <a:cubicBezTo>
+                    <a:pt x="4271922" y="0"/>
+                    <a:pt x="4272893" y="402"/>
+                    <a:pt x="4273608" y="1118"/>
+                  </a:cubicBezTo>
+                  <a:cubicBezTo>
+                    <a:pt x="4274324" y="1833"/>
+                    <a:pt x="4274726" y="2804"/>
+                    <a:pt x="4274726" y="3816"/>
+                  </a:cubicBezTo>
+                  <a:lnTo>
+                    <a:pt x="4274726" y="1900784"/>
+                  </a:lnTo>
+                  <a:cubicBezTo>
+                    <a:pt x="4274726" y="1901796"/>
+                    <a:pt x="4274324" y="1902767"/>
+                    <a:pt x="4273608" y="1903482"/>
+                  </a:cubicBezTo>
+                  <a:cubicBezTo>
+                    <a:pt x="4272893" y="1904198"/>
+                    <a:pt x="4271922" y="1904600"/>
+                    <a:pt x="4270910" y="1904600"/>
+                  </a:cubicBezTo>
+                  <a:lnTo>
+                    <a:pt x="3816" y="1904600"/>
+                  </a:lnTo>
+                  <a:cubicBezTo>
+                    <a:pt x="2804" y="1904600"/>
+                    <a:pt x="1833" y="1904198"/>
+                    <a:pt x="1118" y="1903482"/>
+                  </a:cubicBezTo>
+                  <a:cubicBezTo>
+                    <a:pt x="402" y="1902767"/>
+                    <a:pt x="0" y="1901796"/>
+                    <a:pt x="0" y="1900784"/>
+                  </a:cubicBezTo>
+                  <a:lnTo>
+                    <a:pt x="0" y="3816"/>
+                  </a:lnTo>
+                  <a:cubicBezTo>
+                    <a:pt x="0" y="2804"/>
+                    <a:pt x="402" y="1833"/>
+                    <a:pt x="1118" y="1118"/>
+                  </a:cubicBezTo>
+                  <a:cubicBezTo>
+                    <a:pt x="1833" y="402"/>
+                    <a:pt x="2804" y="0"/>
+                    <a:pt x="3816" y="0"/>
+                  </a:cubicBezTo>
+                  <a:close/>
+                </a:path>
+              </a:pathLst>
+            </a:custGeom>
+            <a:solidFill>
+              <a:srgbClr val="000000">
+                <a:alpha val="0"/>
+              </a:srgbClr>
+            </a:solidFill>
+            <a:ln w="38100" cap="sq">
+              <a:solidFill>
+                <a:srgbClr val="0D291F"/>
+              </a:solidFill>
+              <a:prstDash val="solid"/>
+              <a:miter/>
+            </a:ln>
+          </p:spPr>
+          <p:txBody>
+            <a:bodyPr/>
+            <a:lstStyle/>
+            <a:p>
+              <a:endParaRPr lang="en-US"/>
+            </a:p>
+          </p:txBody>
+        </p:sp>
+        <p:sp>
+          <p:nvSpPr>
+            <p:cNvPr id="22" name="TextBox 22">
+              <a:extLst>
+                <a:ext uri="{FF2B5EF4-FFF2-40B4-BE49-F238E27FC236}">
+                  <a16:creationId xmlns:a16="http://schemas.microsoft.com/office/drawing/2014/main" id="{9BBC2078-B419-BE67-0A61-D01146726A61}"/>
+                </a:ext>
+              </a:extLst>
+            </p:cNvPr>
+            <p:cNvSpPr txBox="1"/>
+            <p:nvPr/>
+          </p:nvSpPr>
+          <p:spPr>
+            <a:xfrm>
+              <a:off x="0" y="-38100"/>
+              <a:ext cx="4274726" cy="1942700"/>
+            </a:xfrm>
+            <a:prstGeom prst="rect">
+              <a:avLst/>
+            </a:prstGeom>
+          </p:spPr>
+          <p:txBody>
+            <a:bodyPr lIns="50800" tIns="50800" rIns="50800" bIns="50800" rtlCol="0" anchor="ctr"/>
+            <a:lstStyle/>
+            <a:p>
+              <a:pPr algn="ctr">
+                <a:lnSpc>
+                  <a:spcPts val="2659"/>
+                </a:lnSpc>
+              </a:pPr>
+              <a:endParaRPr/>
+            </a:p>
+          </p:txBody>
+        </p:sp>
+      </p:grpSp>
+      <p:grpSp>
+        <p:nvGrpSpPr>
+          <p:cNvPr id="23" name="Group 23">
+            <a:extLst>
+              <a:ext uri="{FF2B5EF4-FFF2-40B4-BE49-F238E27FC236}">
+                <a16:creationId xmlns:a16="http://schemas.microsoft.com/office/drawing/2014/main" id="{9B671A4A-D2C6-DA9C-3B80-4647399F9719}"/>
+              </a:ext>
+            </a:extLst>
+          </p:cNvPr>
+          <p:cNvGrpSpPr/>
+          <p:nvPr/>
+        </p:nvGrpSpPr>
+        <p:grpSpPr>
+          <a:xfrm>
+            <a:off x="2027520" y="10081079"/>
+            <a:ext cx="2170062" cy="788923"/>
+            <a:chOff x="0" y="0"/>
+            <a:chExt cx="1956272" cy="711200"/>
+          </a:xfrm>
+        </p:grpSpPr>
+        <p:sp>
+          <p:nvSpPr>
+            <p:cNvPr id="24" name="Freeform 24">
+              <a:extLst>
+                <a:ext uri="{FF2B5EF4-FFF2-40B4-BE49-F238E27FC236}">
+                  <a16:creationId xmlns:a16="http://schemas.microsoft.com/office/drawing/2014/main" id="{FD50AD4B-D09C-C7B6-B4F6-90281D0C7FD2}"/>
+                </a:ext>
+              </a:extLst>
+            </p:cNvPr>
+            <p:cNvSpPr/>
+            <p:nvPr/>
+          </p:nvSpPr>
+          <p:spPr>
+            <a:xfrm>
+              <a:off x="57730" y="21180"/>
+              <a:ext cx="1840812" cy="690020"/>
+            </a:xfrm>
+            <a:custGeom>
+              <a:avLst/>
+              <a:gdLst/>
+              <a:ahLst/>
+              <a:cxnLst/>
+              <a:rect l="l" t="t" r="r" b="b"/>
+              <a:pathLst>
+                <a:path w="1840812" h="690020">
+                  <a:moveTo>
+                    <a:pt x="992543" y="31271"/>
+                  </a:moveTo>
+                  <a:lnTo>
+                    <a:pt x="1826404" y="637569"/>
+                  </a:lnTo>
+                  <a:cubicBezTo>
+                    <a:pt x="1836563" y="644956"/>
+                    <a:pt x="1840812" y="658043"/>
+                    <a:pt x="1836928" y="669988"/>
+                  </a:cubicBezTo>
+                  <a:cubicBezTo>
+                    <a:pt x="1833045" y="681933"/>
+                    <a:pt x="1821912" y="690020"/>
+                    <a:pt x="1809352" y="690020"/>
+                  </a:cubicBezTo>
+                  <a:lnTo>
+                    <a:pt x="31460" y="690020"/>
+                  </a:lnTo>
+                  <a:cubicBezTo>
+                    <a:pt x="18900" y="690020"/>
+                    <a:pt x="7767" y="681933"/>
+                    <a:pt x="3883" y="669988"/>
+                  </a:cubicBezTo>
+                  <a:cubicBezTo>
+                    <a:pt x="0" y="658043"/>
+                    <a:pt x="4248" y="644956"/>
+                    <a:pt x="14407" y="637569"/>
+                  </a:cubicBezTo>
+                  <a:lnTo>
+                    <a:pt x="848269" y="31271"/>
+                  </a:lnTo>
+                  <a:cubicBezTo>
+                    <a:pt x="891277" y="0"/>
+                    <a:pt x="949535" y="0"/>
+                    <a:pt x="992543" y="31271"/>
+                  </a:cubicBezTo>
+                  <a:close/>
+                </a:path>
+              </a:pathLst>
+            </a:custGeom>
+            <a:solidFill>
+              <a:srgbClr val="000000">
+                <a:alpha val="0"/>
+              </a:srgbClr>
+            </a:solidFill>
+            <a:ln w="38100" cap="rnd">
+              <a:solidFill>
+                <a:srgbClr val="CACACA">
+                  <a:alpha val="29804"/>
+                </a:srgbClr>
+              </a:solidFill>
+              <a:prstDash val="solid"/>
+              <a:round/>
+            </a:ln>
+          </p:spPr>
+          <p:txBody>
+            <a:bodyPr/>
+            <a:lstStyle/>
+            <a:p>
+              <a:endParaRPr lang="en-US"/>
+            </a:p>
+          </p:txBody>
+        </p:sp>
+        <p:sp>
+          <p:nvSpPr>
+            <p:cNvPr id="25" name="TextBox 25">
+              <a:extLst>
+                <a:ext uri="{FF2B5EF4-FFF2-40B4-BE49-F238E27FC236}">
+                  <a16:creationId xmlns:a16="http://schemas.microsoft.com/office/drawing/2014/main" id="{D14F54F5-8396-E240-0959-E24EA3966D5B}"/>
+                </a:ext>
+              </a:extLst>
+            </p:cNvPr>
+            <p:cNvSpPr txBox="1"/>
+            <p:nvPr/>
+          </p:nvSpPr>
+          <p:spPr>
+            <a:xfrm>
+              <a:off x="305667" y="292100"/>
+              <a:ext cx="1344937" cy="368300"/>
+            </a:xfrm>
+            <a:prstGeom prst="rect">
+              <a:avLst/>
+            </a:prstGeom>
+          </p:spPr>
+          <p:txBody>
+            <a:bodyPr lIns="50800" tIns="50800" rIns="50800" bIns="50800" rtlCol="0" anchor="ctr"/>
+            <a:lstStyle/>
+            <a:p>
+              <a:pPr algn="ctr">
+                <a:lnSpc>
+                  <a:spcPts val="2659"/>
+                </a:lnSpc>
+              </a:pPr>
+              <a:endParaRPr/>
+            </a:p>
+          </p:txBody>
+        </p:sp>
+      </p:grpSp>
+      <p:grpSp>
+        <p:nvGrpSpPr>
+          <p:cNvPr id="26" name="Group 26">
+            <a:extLst>
+              <a:ext uri="{FF2B5EF4-FFF2-40B4-BE49-F238E27FC236}">
+                <a16:creationId xmlns:a16="http://schemas.microsoft.com/office/drawing/2014/main" id="{53BEC710-BFFB-4FFD-D6E7-4EDE0954A701}"/>
+              </a:ext>
+            </a:extLst>
+          </p:cNvPr>
+          <p:cNvGrpSpPr/>
+          <p:nvPr/>
+        </p:nvGrpSpPr>
+        <p:grpSpPr>
+          <a:xfrm rot="5008937">
+            <a:off x="3804873" y="7300455"/>
+            <a:ext cx="3314236" cy="2700338"/>
+            <a:chOff x="0" y="0"/>
+            <a:chExt cx="872885" cy="711200"/>
+          </a:xfrm>
+        </p:grpSpPr>
+        <p:sp>
+          <p:nvSpPr>
+            <p:cNvPr id="27" name="Freeform 27">
+              <a:extLst>
+                <a:ext uri="{FF2B5EF4-FFF2-40B4-BE49-F238E27FC236}">
+                  <a16:creationId xmlns:a16="http://schemas.microsoft.com/office/drawing/2014/main" id="{803BEB8E-6C21-FDF6-5071-ACCE56BDE58E}"/>
+                </a:ext>
+              </a:extLst>
+            </p:cNvPr>
+            <p:cNvSpPr/>
+            <p:nvPr/>
+          </p:nvSpPr>
+          <p:spPr>
+            <a:xfrm>
+              <a:off x="24102" y="32681"/>
+              <a:ext cx="824682" cy="678519"/>
+            </a:xfrm>
+            <a:custGeom>
+              <a:avLst/>
+              <a:gdLst/>
+              <a:ahLst/>
+              <a:cxnLst/>
+              <a:rect l="l" t="t" r="r" b="b"/>
+              <a:pathLst>
+                <a:path w="824682" h="678519">
+                  <a:moveTo>
+                    <a:pt x="442885" y="17093"/>
+                  </a:moveTo>
+                  <a:lnTo>
+                    <a:pt x="818238" y="628745"/>
+                  </a:lnTo>
+                  <a:cubicBezTo>
+                    <a:pt x="824427" y="638830"/>
+                    <a:pt x="824681" y="651472"/>
+                    <a:pt x="818903" y="661798"/>
+                  </a:cubicBezTo>
+                  <a:cubicBezTo>
+                    <a:pt x="813125" y="672123"/>
+                    <a:pt x="802217" y="678519"/>
+                    <a:pt x="790384" y="678519"/>
+                  </a:cubicBezTo>
+                  <a:lnTo>
+                    <a:pt x="34297" y="678519"/>
+                  </a:lnTo>
+                  <a:cubicBezTo>
+                    <a:pt x="22465" y="678519"/>
+                    <a:pt x="11556" y="672123"/>
+                    <a:pt x="5778" y="661798"/>
+                  </a:cubicBezTo>
+                  <a:cubicBezTo>
+                    <a:pt x="0" y="651472"/>
+                    <a:pt x="254" y="638830"/>
+                    <a:pt x="6443" y="628745"/>
+                  </a:cubicBezTo>
+                  <a:lnTo>
+                    <a:pt x="381796" y="17093"/>
+                  </a:lnTo>
+                  <a:cubicBezTo>
+                    <a:pt x="388313" y="6472"/>
+                    <a:pt x="399880" y="0"/>
+                    <a:pt x="412341" y="0"/>
+                  </a:cubicBezTo>
+                  <a:cubicBezTo>
+                    <a:pt x="424802" y="0"/>
+                    <a:pt x="436368" y="6472"/>
+                    <a:pt x="442885" y="17093"/>
+                  </a:cubicBezTo>
+                  <a:close/>
+                </a:path>
+              </a:pathLst>
+            </a:custGeom>
+            <a:solidFill>
+              <a:srgbClr val="000000">
+                <a:alpha val="0"/>
+              </a:srgbClr>
+            </a:solidFill>
+            <a:ln w="38100" cap="rnd">
+              <a:solidFill>
+                <a:srgbClr val="CACACA">
+                  <a:alpha val="29804"/>
+                </a:srgbClr>
+              </a:solidFill>
+              <a:prstDash val="solid"/>
+              <a:round/>
+            </a:ln>
+          </p:spPr>
+          <p:txBody>
+            <a:bodyPr/>
+            <a:lstStyle/>
+            <a:p>
+              <a:endParaRPr lang="en-US"/>
+            </a:p>
+          </p:txBody>
+        </p:sp>
+        <p:sp>
+          <p:nvSpPr>
+            <p:cNvPr id="28" name="TextBox 28">
+              <a:extLst>
+                <a:ext uri="{FF2B5EF4-FFF2-40B4-BE49-F238E27FC236}">
+                  <a16:creationId xmlns:a16="http://schemas.microsoft.com/office/drawing/2014/main" id="{33071115-9E14-86B9-DCA2-01210F1C98D2}"/>
+                </a:ext>
+              </a:extLst>
+            </p:cNvPr>
+            <p:cNvSpPr txBox="1"/>
+            <p:nvPr/>
+          </p:nvSpPr>
+          <p:spPr>
+            <a:xfrm>
+              <a:off x="136388" y="292100"/>
+              <a:ext cx="600109" cy="368300"/>
+            </a:xfrm>
+            <a:prstGeom prst="rect">
+              <a:avLst/>
+            </a:prstGeom>
+          </p:spPr>
+          <p:txBody>
+            <a:bodyPr lIns="50800" tIns="50800" rIns="50800" bIns="50800" rtlCol="0" anchor="ctr"/>
+            <a:lstStyle/>
+            <a:p>
+              <a:pPr algn="ctr">
+                <a:lnSpc>
+                  <a:spcPts val="2659"/>
+                </a:lnSpc>
+              </a:pPr>
+              <a:endParaRPr/>
+            </a:p>
+          </p:txBody>
+        </p:sp>
+      </p:grpSp>
+      <p:grpSp>
+        <p:nvGrpSpPr>
+          <p:cNvPr id="29" name="Group 29">
+            <a:extLst>
+              <a:ext uri="{FF2B5EF4-FFF2-40B4-BE49-F238E27FC236}">
+                <a16:creationId xmlns:a16="http://schemas.microsoft.com/office/drawing/2014/main" id="{DED468FE-52D0-11EB-2BEF-0C53EAEEB0AA}"/>
+              </a:ext>
+            </a:extLst>
+          </p:cNvPr>
+          <p:cNvGrpSpPr/>
+          <p:nvPr/>
+        </p:nvGrpSpPr>
+        <p:grpSpPr>
+          <a:xfrm rot="500708">
+            <a:off x="4285992" y="8395496"/>
+            <a:ext cx="5256909" cy="2700338"/>
+            <a:chOff x="0" y="0"/>
+            <a:chExt cx="1384536" cy="711200"/>
+          </a:xfrm>
+        </p:grpSpPr>
+        <p:sp>
+          <p:nvSpPr>
+            <p:cNvPr id="30" name="Freeform 30">
+              <a:extLst>
+                <a:ext uri="{FF2B5EF4-FFF2-40B4-BE49-F238E27FC236}">
+                  <a16:creationId xmlns:a16="http://schemas.microsoft.com/office/drawing/2014/main" id="{E6B42F98-4EB5-ABD6-605B-B7D7E7F6ED7D}"/>
+                </a:ext>
+              </a:extLst>
+            </p:cNvPr>
+            <p:cNvSpPr/>
+            <p:nvPr/>
+          </p:nvSpPr>
+          <p:spPr>
+            <a:xfrm>
+              <a:off x="20069" y="15542"/>
+              <a:ext cx="1344397" cy="695658"/>
+            </a:xfrm>
+            <a:custGeom>
+              <a:avLst/>
+              <a:gdLst/>
+              <a:ahLst/>
+              <a:cxnLst/>
+              <a:rect l="l" t="t" r="r" b="b"/>
+              <a:pathLst>
+                <a:path w="1344397" h="695658">
+                  <a:moveTo>
+                    <a:pt x="697880" y="10841"/>
+                  </a:moveTo>
+                  <a:lnTo>
+                    <a:pt x="1338786" y="669275"/>
+                  </a:lnTo>
+                  <a:cubicBezTo>
+                    <a:pt x="1343144" y="673752"/>
+                    <a:pt x="1344398" y="680404"/>
+                    <a:pt x="1341968" y="686160"/>
+                  </a:cubicBezTo>
+                  <a:cubicBezTo>
+                    <a:pt x="1339538" y="691916"/>
+                    <a:pt x="1333897" y="695658"/>
+                    <a:pt x="1327649" y="695658"/>
+                  </a:cubicBezTo>
+                  <a:lnTo>
+                    <a:pt x="16749" y="695658"/>
+                  </a:lnTo>
+                  <a:cubicBezTo>
+                    <a:pt x="10501" y="695658"/>
+                    <a:pt x="4860" y="691916"/>
+                    <a:pt x="2430" y="686160"/>
+                  </a:cubicBezTo>
+                  <a:cubicBezTo>
+                    <a:pt x="0" y="680404"/>
+                    <a:pt x="1254" y="673752"/>
+                    <a:pt x="5612" y="669275"/>
+                  </a:cubicBezTo>
+                  <a:lnTo>
+                    <a:pt x="646518" y="10841"/>
+                  </a:lnTo>
+                  <a:cubicBezTo>
+                    <a:pt x="653265" y="3910"/>
+                    <a:pt x="662527" y="0"/>
+                    <a:pt x="672199" y="0"/>
+                  </a:cubicBezTo>
+                  <a:cubicBezTo>
+                    <a:pt x="681871" y="0"/>
+                    <a:pt x="691133" y="3910"/>
+                    <a:pt x="697880" y="10841"/>
+                  </a:cubicBezTo>
+                  <a:close/>
+                </a:path>
+              </a:pathLst>
+            </a:custGeom>
+            <a:solidFill>
+              <a:srgbClr val="000000">
+                <a:alpha val="0"/>
+              </a:srgbClr>
+            </a:solidFill>
+            <a:ln w="38100" cap="rnd">
+              <a:solidFill>
+                <a:srgbClr val="CACACA">
+                  <a:alpha val="29804"/>
+                </a:srgbClr>
+              </a:solidFill>
+              <a:prstDash val="solid"/>
+              <a:round/>
+            </a:ln>
+          </p:spPr>
+          <p:txBody>
+            <a:bodyPr/>
+            <a:lstStyle/>
+            <a:p>
+              <a:endParaRPr lang="en-US"/>
+            </a:p>
+          </p:txBody>
+        </p:sp>
+        <p:sp>
+          <p:nvSpPr>
+            <p:cNvPr id="31" name="TextBox 31">
+              <a:extLst>
+                <a:ext uri="{FF2B5EF4-FFF2-40B4-BE49-F238E27FC236}">
+                  <a16:creationId xmlns:a16="http://schemas.microsoft.com/office/drawing/2014/main" id="{7EDBDE2F-F5FC-45B3-785D-7DBE79BA1400}"/>
+                </a:ext>
+              </a:extLst>
+            </p:cNvPr>
+            <p:cNvSpPr txBox="1"/>
+            <p:nvPr/>
+          </p:nvSpPr>
+          <p:spPr>
+            <a:xfrm>
+              <a:off x="216334" y="292100"/>
+              <a:ext cx="951868" cy="368300"/>
+            </a:xfrm>
+            <a:prstGeom prst="rect">
+              <a:avLst/>
+            </a:prstGeom>
+          </p:spPr>
+          <p:txBody>
+            <a:bodyPr lIns="50800" tIns="50800" rIns="50800" bIns="50800" rtlCol="0" anchor="ctr"/>
+            <a:lstStyle/>
+            <a:p>
+              <a:pPr algn="ctr">
+                <a:lnSpc>
+                  <a:spcPts val="2659"/>
+                </a:lnSpc>
+              </a:pPr>
+              <a:endParaRPr/>
+            </a:p>
+          </p:txBody>
+        </p:sp>
+      </p:grpSp>
+      <p:grpSp>
+        <p:nvGrpSpPr>
+          <p:cNvPr id="32" name="Group 32">
+            <a:extLst>
+              <a:ext uri="{FF2B5EF4-FFF2-40B4-BE49-F238E27FC236}">
+                <a16:creationId xmlns:a16="http://schemas.microsoft.com/office/drawing/2014/main" id="{F3595B43-E2A4-FA5F-814A-9FD7787FC0BB}"/>
+              </a:ext>
+            </a:extLst>
+          </p:cNvPr>
+          <p:cNvGrpSpPr/>
+          <p:nvPr/>
+        </p:nvGrpSpPr>
+        <p:grpSpPr>
+          <a:xfrm rot="2562940">
+            <a:off x="1840309" y="3475961"/>
+            <a:ext cx="3299599" cy="2700338"/>
+            <a:chOff x="0" y="0"/>
+            <a:chExt cx="869030" cy="711200"/>
+          </a:xfrm>
+        </p:grpSpPr>
+        <p:sp>
+          <p:nvSpPr>
+            <p:cNvPr id="33" name="Freeform 33">
+              <a:extLst>
+                <a:ext uri="{FF2B5EF4-FFF2-40B4-BE49-F238E27FC236}">
+                  <a16:creationId xmlns:a16="http://schemas.microsoft.com/office/drawing/2014/main" id="{5AD67DD9-5FC2-FD8C-EBC0-B19C0AF1A801}"/>
+                </a:ext>
+              </a:extLst>
+            </p:cNvPr>
+            <p:cNvSpPr/>
+            <p:nvPr/>
+          </p:nvSpPr>
+          <p:spPr>
+            <a:xfrm>
+              <a:off x="24140" y="32902"/>
+              <a:ext cx="820750" cy="678298"/>
+            </a:xfrm>
+            <a:custGeom>
+              <a:avLst/>
+              <a:gdLst/>
+              <a:ahLst/>
+              <a:cxnLst/>
+              <a:rect l="l" t="t" r="r" b="b"/>
+              <a:pathLst>
+                <a:path w="820750" h="678298">
+                  <a:moveTo>
+                    <a:pt x="440957" y="17153"/>
+                  </a:moveTo>
+                  <a:lnTo>
+                    <a:pt x="814308" y="628243"/>
+                  </a:lnTo>
+                  <a:cubicBezTo>
+                    <a:pt x="820513" y="638398"/>
+                    <a:pt x="820750" y="651112"/>
+                    <a:pt x="814928" y="661492"/>
+                  </a:cubicBezTo>
+                  <a:cubicBezTo>
+                    <a:pt x="809106" y="671871"/>
+                    <a:pt x="798133" y="678298"/>
+                    <a:pt x="786232" y="678298"/>
+                  </a:cubicBezTo>
+                  <a:lnTo>
+                    <a:pt x="34518" y="678298"/>
+                  </a:lnTo>
+                  <a:cubicBezTo>
+                    <a:pt x="22617" y="678298"/>
+                    <a:pt x="11644" y="671871"/>
+                    <a:pt x="5822" y="661492"/>
+                  </a:cubicBezTo>
+                  <a:cubicBezTo>
+                    <a:pt x="0" y="651112"/>
+                    <a:pt x="237" y="638398"/>
+                    <a:pt x="6442" y="628243"/>
+                  </a:cubicBezTo>
+                  <a:lnTo>
+                    <a:pt x="379793" y="17153"/>
+                  </a:lnTo>
+                  <a:cubicBezTo>
+                    <a:pt x="386303" y="6498"/>
+                    <a:pt x="397889" y="0"/>
+                    <a:pt x="410375" y="0"/>
+                  </a:cubicBezTo>
+                  <a:cubicBezTo>
+                    <a:pt x="422861" y="0"/>
+                    <a:pt x="434447" y="6498"/>
+                    <a:pt x="440957" y="17153"/>
+                  </a:cubicBezTo>
+                  <a:close/>
+                </a:path>
+              </a:pathLst>
+            </a:custGeom>
+            <a:solidFill>
+              <a:srgbClr val="000000">
+                <a:alpha val="0"/>
+              </a:srgbClr>
+            </a:solidFill>
+            <a:ln w="38100" cap="rnd">
+              <a:solidFill>
+                <a:srgbClr val="CACACA">
+                  <a:alpha val="29804"/>
+                </a:srgbClr>
+              </a:solidFill>
+              <a:prstDash val="solid"/>
+              <a:round/>
+            </a:ln>
+          </p:spPr>
+          <p:txBody>
+            <a:bodyPr/>
+            <a:lstStyle/>
+            <a:p>
+              <a:endParaRPr lang="en-US"/>
+            </a:p>
+          </p:txBody>
+        </p:sp>
+        <p:sp>
+          <p:nvSpPr>
+            <p:cNvPr id="34" name="TextBox 34">
+              <a:extLst>
+                <a:ext uri="{FF2B5EF4-FFF2-40B4-BE49-F238E27FC236}">
+                  <a16:creationId xmlns:a16="http://schemas.microsoft.com/office/drawing/2014/main" id="{D624B4A0-04B3-CFA4-AF40-C07CAF12C8D5}"/>
+                </a:ext>
+              </a:extLst>
+            </p:cNvPr>
+            <p:cNvSpPr txBox="1"/>
+            <p:nvPr/>
+          </p:nvSpPr>
+          <p:spPr>
+            <a:xfrm>
+              <a:off x="135786" y="292100"/>
+              <a:ext cx="597458" cy="368300"/>
+            </a:xfrm>
+            <a:prstGeom prst="rect">
+              <a:avLst/>
+            </a:prstGeom>
+          </p:spPr>
+          <p:txBody>
+            <a:bodyPr lIns="50800" tIns="50800" rIns="50800" bIns="50800" rtlCol="0" anchor="ctr"/>
+            <a:lstStyle/>
+            <a:p>
+              <a:pPr algn="ctr">
+                <a:lnSpc>
+                  <a:spcPts val="2659"/>
+                </a:lnSpc>
+              </a:pPr>
+              <a:endParaRPr/>
+            </a:p>
+          </p:txBody>
+        </p:sp>
+      </p:grpSp>
+      <p:grpSp>
+        <p:nvGrpSpPr>
+          <p:cNvPr id="35" name="Group 35">
+            <a:extLst>
+              <a:ext uri="{FF2B5EF4-FFF2-40B4-BE49-F238E27FC236}">
+                <a16:creationId xmlns:a16="http://schemas.microsoft.com/office/drawing/2014/main" id="{DF65921E-B947-5D0B-13D7-F562ABB37511}"/>
+              </a:ext>
+            </a:extLst>
+          </p:cNvPr>
+          <p:cNvGrpSpPr/>
+          <p:nvPr/>
+        </p:nvGrpSpPr>
+        <p:grpSpPr>
+          <a:xfrm rot="3684998">
+            <a:off x="4381538" y="4269048"/>
+            <a:ext cx="2652117" cy="3510222"/>
+            <a:chOff x="0" y="0"/>
+            <a:chExt cx="698500" cy="924503"/>
+          </a:xfrm>
+        </p:grpSpPr>
+        <p:sp>
+          <p:nvSpPr>
+            <p:cNvPr id="36" name="Freeform 36">
+              <a:extLst>
+                <a:ext uri="{FF2B5EF4-FFF2-40B4-BE49-F238E27FC236}">
+                  <a16:creationId xmlns:a16="http://schemas.microsoft.com/office/drawing/2014/main" id="{B935FA0F-2308-6737-86AB-61C6F1E91BE7}"/>
+                </a:ext>
+              </a:extLst>
+            </p:cNvPr>
+            <p:cNvSpPr/>
+            <p:nvPr/>
+          </p:nvSpPr>
+          <p:spPr>
+            <a:xfrm>
+              <a:off x="0" y="12043"/>
+              <a:ext cx="698500" cy="900417"/>
+            </a:xfrm>
+            <a:custGeom>
+              <a:avLst/>
+              <a:gdLst/>
+              <a:ahLst/>
+              <a:cxnLst/>
+              <a:rect l="l" t="t" r="r" b="b"/>
+              <a:pathLst>
+                <a:path w="698500" h="900417">
+                  <a:moveTo>
+                    <a:pt x="403459" y="19496"/>
+                  </a:moveTo>
+                  <a:lnTo>
+                    <a:pt x="644291" y="159618"/>
+                  </a:lnTo>
+                  <a:cubicBezTo>
+                    <a:pt x="677853" y="179144"/>
+                    <a:pt x="698500" y="215044"/>
+                    <a:pt x="698500" y="253873"/>
+                  </a:cubicBezTo>
+                  <a:lnTo>
+                    <a:pt x="698500" y="646544"/>
+                  </a:lnTo>
+                  <a:cubicBezTo>
+                    <a:pt x="698500" y="685373"/>
+                    <a:pt x="677853" y="721272"/>
+                    <a:pt x="644291" y="740799"/>
+                  </a:cubicBezTo>
+                  <a:lnTo>
+                    <a:pt x="403459" y="880920"/>
+                  </a:lnTo>
+                  <a:cubicBezTo>
+                    <a:pt x="369949" y="900417"/>
+                    <a:pt x="328551" y="900417"/>
+                    <a:pt x="295041" y="880920"/>
+                  </a:cubicBezTo>
+                  <a:lnTo>
+                    <a:pt x="54209" y="740799"/>
+                  </a:lnTo>
+                  <a:cubicBezTo>
+                    <a:pt x="20647" y="721272"/>
+                    <a:pt x="0" y="685373"/>
+                    <a:pt x="0" y="646544"/>
+                  </a:cubicBezTo>
+                  <a:lnTo>
+                    <a:pt x="0" y="253873"/>
+                  </a:lnTo>
+                  <a:cubicBezTo>
+                    <a:pt x="0" y="215044"/>
+                    <a:pt x="20647" y="179144"/>
+                    <a:pt x="54209" y="159618"/>
+                  </a:cubicBezTo>
+                  <a:lnTo>
+                    <a:pt x="295041" y="19496"/>
+                  </a:lnTo>
+                  <a:cubicBezTo>
+                    <a:pt x="328551" y="0"/>
+                    <a:pt x="369949" y="0"/>
+                    <a:pt x="403459" y="19496"/>
+                  </a:cubicBezTo>
+                  <a:close/>
+                </a:path>
+              </a:pathLst>
+            </a:custGeom>
+            <a:solidFill>
+              <a:srgbClr val="000000">
+                <a:alpha val="0"/>
+              </a:srgbClr>
+            </a:solidFill>
+            <a:ln w="38100" cap="rnd">
+              <a:solidFill>
+                <a:srgbClr val="CACACA">
+                  <a:alpha val="29804"/>
+                </a:srgbClr>
+              </a:solidFill>
+              <a:prstDash val="solid"/>
+              <a:round/>
+            </a:ln>
+          </p:spPr>
+          <p:txBody>
+            <a:bodyPr/>
+            <a:lstStyle/>
+            <a:p>
+              <a:endParaRPr lang="en-US"/>
+            </a:p>
+          </p:txBody>
+        </p:sp>
+        <p:sp>
+          <p:nvSpPr>
+            <p:cNvPr id="37" name="TextBox 37">
+              <a:extLst>
+                <a:ext uri="{FF2B5EF4-FFF2-40B4-BE49-F238E27FC236}">
+                  <a16:creationId xmlns:a16="http://schemas.microsoft.com/office/drawing/2014/main" id="{1A33498A-9E4F-8B0F-A9EF-5AAB71BF451B}"/>
+                </a:ext>
+              </a:extLst>
+            </p:cNvPr>
+            <p:cNvSpPr txBox="1"/>
+            <p:nvPr/>
+          </p:nvSpPr>
+          <p:spPr>
+            <a:xfrm>
+              <a:off x="0" y="101600"/>
+              <a:ext cx="698500" cy="683203"/>
+            </a:xfrm>
+            <a:prstGeom prst="rect">
+              <a:avLst/>
+            </a:prstGeom>
+          </p:spPr>
+          <p:txBody>
+            <a:bodyPr lIns="50800" tIns="50800" rIns="50800" bIns="50800" rtlCol="0" anchor="ctr"/>
+            <a:lstStyle/>
+            <a:p>
+              <a:pPr algn="ctr">
+                <a:lnSpc>
+                  <a:spcPts val="2659"/>
+                </a:lnSpc>
+              </a:pPr>
+              <a:endParaRPr/>
+            </a:p>
+          </p:txBody>
+        </p:sp>
+      </p:grpSp>
+      <p:sp>
+        <p:nvSpPr>
+          <p:cNvPr id="38" name="Freeform 38">
+            <a:extLst>
+              <a:ext uri="{FF2B5EF4-FFF2-40B4-BE49-F238E27FC236}">
+                <a16:creationId xmlns:a16="http://schemas.microsoft.com/office/drawing/2014/main" id="{7B9E4230-69C8-CC83-6806-4356D2E342AF}"/>
+              </a:ext>
+            </a:extLst>
+          </p:cNvPr>
+          <p:cNvSpPr/>
+          <p:nvPr/>
+        </p:nvSpPr>
+        <p:spPr>
+          <a:xfrm>
+            <a:off x="14699011" y="8009260"/>
+            <a:ext cx="2449657" cy="1168778"/>
+          </a:xfrm>
+          <a:custGeom>
+            <a:avLst/>
+            <a:gdLst/>
+            <a:ahLst/>
+            <a:cxnLst/>
+            <a:rect l="l" t="t" r="r" b="b"/>
+            <a:pathLst>
+              <a:path w="2449657" h="1168778">
+                <a:moveTo>
+                  <a:pt x="0" y="0"/>
+                </a:moveTo>
+                <a:lnTo>
+                  <a:pt x="2449657" y="0"/>
+                </a:lnTo>
+                <a:lnTo>
+                  <a:pt x="2449657" y="1168778"/>
+                </a:lnTo>
+                <a:lnTo>
+                  <a:pt x="0" y="1168778"/>
+                </a:lnTo>
+                <a:lnTo>
+                  <a:pt x="0" y="0"/>
+                </a:lnTo>
+                <a:close/>
+              </a:path>
+            </a:pathLst>
+          </a:custGeom>
+          <a:blipFill>
+            <a:blip r:embed="rId2"/>
+            <a:stretch>
+              <a:fillRect t="-1087" b="-1087"/>
+            </a:stretch>
+          </a:blipFill>
+        </p:spPr>
+        <p:txBody>
+          <a:bodyPr/>
+          <a:lstStyle/>
+          <a:p>
+            <a:endParaRPr lang="en-US"/>
+          </a:p>
+        </p:txBody>
+      </p:sp>
+      <p:sp>
+        <p:nvSpPr>
+          <p:cNvPr id="40" name="TextBox 40">
+            <a:extLst>
+              <a:ext uri="{FF2B5EF4-FFF2-40B4-BE49-F238E27FC236}">
+                <a16:creationId xmlns:a16="http://schemas.microsoft.com/office/drawing/2014/main" id="{AA638F98-2569-49C5-04CF-B58EC5F48FA6}"/>
+              </a:ext>
+            </a:extLst>
+          </p:cNvPr>
+          <p:cNvSpPr txBox="1"/>
+          <p:nvPr/>
+        </p:nvSpPr>
+        <p:spPr>
+          <a:xfrm>
+            <a:off x="1271082" y="558110"/>
+            <a:ext cx="15988218" cy="1180708"/>
+          </a:xfrm>
+          <a:prstGeom prst="rect">
+            <a:avLst/>
+          </a:prstGeom>
+        </p:spPr>
+        <p:txBody>
+          <a:bodyPr lIns="0" tIns="0" rIns="0" bIns="0" rtlCol="0" anchor="t">
+            <a:spAutoFit/>
+          </a:bodyPr>
+          <a:lstStyle/>
+          <a:p>
+            <a:pPr algn="ctr">
+              <a:lnSpc>
+                <a:spcPts val="9660"/>
+              </a:lnSpc>
+            </a:pPr>
+            <a:r>
+              <a:rPr lang="en-US" sz="6900" b="1" dirty="0">
+                <a:solidFill>
+                  <a:srgbClr val="FFFEF9"/>
+                </a:solidFill>
+                <a:latin typeface="Poppins Bold"/>
+                <a:ea typeface="Poppins Bold"/>
+                <a:cs typeface="Poppins Bold"/>
+                <a:sym typeface="Poppins Bold"/>
+              </a:rPr>
+              <a:t>Speaker Certificate</a:t>
+            </a:r>
+          </a:p>
+        </p:txBody>
+      </p:sp>
+      <p:sp>
+        <p:nvSpPr>
+          <p:cNvPr id="41" name="TextBox 41">
+            <a:extLst>
+              <a:ext uri="{FF2B5EF4-FFF2-40B4-BE49-F238E27FC236}">
+                <a16:creationId xmlns:a16="http://schemas.microsoft.com/office/drawing/2014/main" id="{77EA2F6A-35DE-AE27-AC0C-77C4C590A876}"/>
+              </a:ext>
+            </a:extLst>
+          </p:cNvPr>
+          <p:cNvSpPr txBox="1"/>
+          <p:nvPr/>
+        </p:nvSpPr>
+        <p:spPr>
+          <a:xfrm>
+            <a:off x="1271082" y="2440342"/>
+            <a:ext cx="8115300" cy="3436390"/>
+          </a:xfrm>
+          <a:prstGeom prst="rect">
+            <a:avLst/>
+          </a:prstGeom>
+        </p:spPr>
+        <p:txBody>
+          <a:bodyPr lIns="0" tIns="0" rIns="0" bIns="0" rtlCol="0" anchor="t">
+            <a:spAutoFit/>
+          </a:bodyPr>
+          <a:lstStyle/>
+          <a:p>
+            <a:pPr>
+              <a:lnSpc>
+                <a:spcPts val="3359"/>
+              </a:lnSpc>
+            </a:pPr>
+            <a:r>
+              <a:rPr lang="en-US" sz="2399" b="1" dirty="0">
+                <a:solidFill>
+                  <a:srgbClr val="000000"/>
+                </a:solidFill>
+                <a:latin typeface="Poppins Bold"/>
+                <a:ea typeface="Poppins Bold"/>
+                <a:cs typeface="Poppins Bold"/>
+                <a:sym typeface="Poppins Bold"/>
+              </a:rPr>
+              <a:t>After clicking next:</a:t>
+            </a:r>
+          </a:p>
+          <a:p>
+            <a:pPr marL="518158" lvl="1" indent="-259079">
+              <a:lnSpc>
+                <a:spcPts val="3359"/>
+              </a:lnSpc>
+              <a:buFont typeface="Arial"/>
+              <a:buChar char="•"/>
+            </a:pPr>
+            <a:r>
+              <a:rPr lang="en-US" sz="2399" b="1" dirty="0">
+                <a:solidFill>
+                  <a:srgbClr val="000000"/>
+                </a:solidFill>
+                <a:latin typeface="Poppins Bold"/>
+                <a:ea typeface="Poppins Bold"/>
+                <a:cs typeface="Poppins Bold"/>
+                <a:sym typeface="Poppins Bold"/>
+              </a:rPr>
+              <a:t>Allows the admin to add the names of the speaker/s</a:t>
+            </a:r>
+          </a:p>
+          <a:p>
+            <a:pPr marL="601979" lvl="1" indent="-342900">
+              <a:lnSpc>
+                <a:spcPts val="3359"/>
+              </a:lnSpc>
+              <a:buFont typeface="Arial" panose="020B0604020202020204" pitchFamily="34" charset="0"/>
+              <a:buChar char="•"/>
+            </a:pPr>
+            <a:r>
+              <a:rPr lang="en-US" sz="2399" b="1" dirty="0">
+                <a:solidFill>
+                  <a:srgbClr val="000000"/>
+                </a:solidFill>
+                <a:latin typeface="Poppins Bold"/>
+                <a:ea typeface="Poppins Bold"/>
+                <a:cs typeface="Poppins Bold"/>
+                <a:sym typeface="Poppins Bold"/>
+              </a:rPr>
+              <a:t>Download all certificates button</a:t>
+            </a:r>
+          </a:p>
+          <a:p>
+            <a:pPr marL="1059179" lvl="2" indent="-342900">
+              <a:lnSpc>
+                <a:spcPts val="3359"/>
+              </a:lnSpc>
+              <a:buFont typeface="Arial" panose="020B0604020202020204" pitchFamily="34" charset="0"/>
+              <a:buChar char="•"/>
+            </a:pPr>
+            <a:r>
+              <a:rPr lang="en-US" sz="2399" b="1" dirty="0">
+                <a:solidFill>
+                  <a:srgbClr val="000000"/>
+                </a:solidFill>
+                <a:latin typeface="Poppins Bold"/>
+                <a:ea typeface="Poppins Bold"/>
+                <a:cs typeface="Poppins Bold"/>
+                <a:sym typeface="Poppins Bold"/>
+              </a:rPr>
+              <a:t>When clicked, downloads all certificates of the respective names listed simultaneously</a:t>
+            </a:r>
+          </a:p>
+          <a:p>
+            <a:pPr>
+              <a:lnSpc>
+                <a:spcPts val="3359"/>
+              </a:lnSpc>
+            </a:pPr>
+            <a:endParaRPr lang="en-US" sz="2399" b="1" dirty="0">
+              <a:solidFill>
+                <a:srgbClr val="000000"/>
+              </a:solidFill>
+              <a:latin typeface="Poppins Bold"/>
+              <a:ea typeface="Poppins Bold"/>
+              <a:cs typeface="Poppins Bold"/>
+              <a:sym typeface="Poppins Bold"/>
+            </a:endParaRPr>
+          </a:p>
+          <a:p>
+            <a:pPr>
+              <a:lnSpc>
+                <a:spcPts val="3079"/>
+              </a:lnSpc>
+            </a:pPr>
+            <a:endParaRPr lang="en-US" sz="2399" b="1" dirty="0">
+              <a:solidFill>
+                <a:srgbClr val="000000"/>
+              </a:solidFill>
+              <a:latin typeface="Poppins Bold"/>
+              <a:ea typeface="Poppins Bold"/>
+              <a:cs typeface="Poppins Bold"/>
+              <a:sym typeface="Poppins Bold"/>
+            </a:endParaRPr>
+          </a:p>
+        </p:txBody>
+      </p:sp>
+      <p:pic>
+        <p:nvPicPr>
+          <p:cNvPr id="42" name="Picture 41">
+            <a:extLst>
+              <a:ext uri="{FF2B5EF4-FFF2-40B4-BE49-F238E27FC236}">
+                <a16:creationId xmlns:a16="http://schemas.microsoft.com/office/drawing/2014/main" id="{A187A9FA-6EFE-7126-9A5F-E0142A0DF070}"/>
+              </a:ext>
+            </a:extLst>
+          </p:cNvPr>
+          <p:cNvPicPr>
+            <a:picLocks noChangeAspect="1"/>
+          </p:cNvPicPr>
+          <p:nvPr/>
+        </p:nvPicPr>
+        <p:blipFill>
+          <a:blip r:embed="rId3"/>
+          <a:stretch>
+            <a:fillRect/>
+          </a:stretch>
+        </p:blipFill>
+        <p:spPr>
+          <a:xfrm>
+            <a:off x="9544694" y="3313401"/>
+            <a:ext cx="6401693" cy="3591426"/>
+          </a:xfrm>
+          <a:prstGeom prst="rect">
+            <a:avLst/>
+          </a:prstGeom>
+          <a:ln>
+            <a:solidFill>
+              <a:schemeClr val="tx1"/>
+            </a:solidFill>
+          </a:ln>
+        </p:spPr>
+      </p:pic>
+    </p:spTree>
+    <p:extLst>
+      <p:ext uri="{BB962C8B-B14F-4D97-AF65-F5344CB8AC3E}">
+        <p14:creationId xmlns:p14="http://schemas.microsoft.com/office/powerpoint/2010/main" val="3930860281"/>
+      </p:ext>
+    </p:extLst>
   </p:cSld>
   <p:clrMapOvr>
     <a:masterClrMapping/>
